--- a/Ethernet_Pr.pptx
+++ b/Ethernet_Pr.pptx
@@ -10,24 +10,25 @@
     <p:sldId id="259" r:id="rId4"/>
     <p:sldId id="269" r:id="rId5"/>
     <p:sldId id="261" r:id="rId6"/>
-    <p:sldId id="258" r:id="rId7"/>
-    <p:sldId id="278" r:id="rId8"/>
-    <p:sldId id="265" r:id="rId9"/>
-    <p:sldId id="257" r:id="rId10"/>
-    <p:sldId id="262" r:id="rId11"/>
-    <p:sldId id="263" r:id="rId12"/>
-    <p:sldId id="273" r:id="rId13"/>
-    <p:sldId id="274" r:id="rId14"/>
-    <p:sldId id="264" r:id="rId15"/>
-    <p:sldId id="270" r:id="rId16"/>
-    <p:sldId id="266" r:id="rId17"/>
-    <p:sldId id="279" r:id="rId18"/>
-    <p:sldId id="271" r:id="rId19"/>
-    <p:sldId id="272" r:id="rId20"/>
-    <p:sldId id="268" r:id="rId21"/>
-    <p:sldId id="275" r:id="rId22"/>
-    <p:sldId id="277" r:id="rId23"/>
-    <p:sldId id="276" r:id="rId24"/>
+    <p:sldId id="280" r:id="rId7"/>
+    <p:sldId id="258" r:id="rId8"/>
+    <p:sldId id="278" r:id="rId9"/>
+    <p:sldId id="265" r:id="rId10"/>
+    <p:sldId id="257" r:id="rId11"/>
+    <p:sldId id="262" r:id="rId12"/>
+    <p:sldId id="263" r:id="rId13"/>
+    <p:sldId id="273" r:id="rId14"/>
+    <p:sldId id="274" r:id="rId15"/>
+    <p:sldId id="264" r:id="rId16"/>
+    <p:sldId id="270" r:id="rId17"/>
+    <p:sldId id="266" r:id="rId18"/>
+    <p:sldId id="279" r:id="rId19"/>
+    <p:sldId id="271" r:id="rId20"/>
+    <p:sldId id="272" r:id="rId21"/>
+    <p:sldId id="268" r:id="rId22"/>
+    <p:sldId id="275" r:id="rId23"/>
+    <p:sldId id="277" r:id="rId24"/>
+    <p:sldId id="276" r:id="rId25"/>
   </p:sldIdLst>
   <p:sldSz cx="9144000" cy="6858000" type="screen4x3"/>
   <p:notesSz cx="6858000" cy="9144000"/>
@@ -755,7 +756,7 @@
             <a:fld id="{66221E02-25CB-4963-84BC-0813985E7D90}" type="datetimeFigureOut">
               <a:rPr lang="pl-PL" smtClean="0"/>
               <a:pPr/>
-              <a:t>28.01.2023</a:t>
+              <a:t>01.02.2023</a:t>
             </a:fld>
             <a:endParaRPr lang="pl-PL"/>
           </a:p>
@@ -953,7 +954,7 @@
             <a:fld id="{66221E02-25CB-4963-84BC-0813985E7D90}" type="datetimeFigureOut">
               <a:rPr lang="pl-PL" smtClean="0"/>
               <a:pPr/>
-              <a:t>28.01.2023</a:t>
+              <a:t>01.02.2023</a:t>
             </a:fld>
             <a:endParaRPr lang="pl-PL"/>
           </a:p>
@@ -1140,7 +1141,7 @@
             <a:fld id="{66221E02-25CB-4963-84BC-0813985E7D90}" type="datetimeFigureOut">
               <a:rPr lang="pl-PL" smtClean="0"/>
               <a:pPr/>
-              <a:t>28.01.2023</a:t>
+              <a:t>01.02.2023</a:t>
             </a:fld>
             <a:endParaRPr lang="pl-PL"/>
           </a:p>
@@ -1292,7 +1293,7 @@
             <a:fld id="{66221E02-25CB-4963-84BC-0813985E7D90}" type="datetimeFigureOut">
               <a:rPr lang="pl-PL" smtClean="0"/>
               <a:pPr/>
-              <a:t>28.01.2023</a:t>
+              <a:t>01.02.2023</a:t>
             </a:fld>
             <a:endParaRPr lang="pl-PL"/>
           </a:p>
@@ -1549,7 +1550,7 @@
             <a:fld id="{66221E02-25CB-4963-84BC-0813985E7D90}" type="datetimeFigureOut">
               <a:rPr lang="pl-PL" smtClean="0"/>
               <a:pPr/>
-              <a:t>28.01.2023</a:t>
+              <a:t>01.02.2023</a:t>
             </a:fld>
             <a:endParaRPr lang="pl-PL"/>
           </a:p>
@@ -1960,7 +1961,7 @@
             <a:fld id="{66221E02-25CB-4963-84BC-0813985E7D90}" type="datetimeFigureOut">
               <a:rPr lang="pl-PL" smtClean="0"/>
               <a:pPr/>
-              <a:t>28.01.2023</a:t>
+              <a:t>01.02.2023</a:t>
             </a:fld>
             <a:endParaRPr lang="pl-PL"/>
           </a:p>
@@ -2408,7 +2409,7 @@
             <a:fld id="{66221E02-25CB-4963-84BC-0813985E7D90}" type="datetimeFigureOut">
               <a:rPr lang="pl-PL" smtClean="0"/>
               <a:pPr/>
-              <a:t>28.01.2023</a:t>
+              <a:t>01.02.2023</a:t>
             </a:fld>
             <a:endParaRPr lang="pl-PL"/>
           </a:p>
@@ -2511,7 +2512,7 @@
             <a:fld id="{66221E02-25CB-4963-84BC-0813985E7D90}" type="datetimeFigureOut">
               <a:rPr lang="pl-PL" smtClean="0"/>
               <a:pPr/>
-              <a:t>28.01.2023</a:t>
+              <a:t>01.02.2023</a:t>
             </a:fld>
             <a:endParaRPr lang="pl-PL"/>
           </a:p>
@@ -2634,7 +2635,7 @@
             <a:fld id="{66221E02-25CB-4963-84BC-0813985E7D90}" type="datetimeFigureOut">
               <a:rPr lang="pl-PL" smtClean="0"/>
               <a:pPr/>
-              <a:t>28.01.2023</a:t>
+              <a:t>01.02.2023</a:t>
             </a:fld>
             <a:endParaRPr lang="pl-PL"/>
           </a:p>
@@ -2910,7 +2911,7 @@
             <a:fld id="{66221E02-25CB-4963-84BC-0813985E7D90}" type="datetimeFigureOut">
               <a:rPr lang="pl-PL" smtClean="0"/>
               <a:pPr/>
-              <a:t>28.01.2023</a:t>
+              <a:t>01.02.2023</a:t>
             </a:fld>
             <a:endParaRPr lang="pl-PL"/>
           </a:p>
@@ -3117,7 +3118,7 @@
             <a:fld id="{66221E02-25CB-4963-84BC-0813985E7D90}" type="datetimeFigureOut">
               <a:rPr lang="pl-PL" smtClean="0"/>
               <a:pPr/>
-              <a:t>28.01.2023</a:t>
+              <a:t>01.02.2023</a:t>
             </a:fld>
             <a:endParaRPr lang="pl-PL"/>
           </a:p>
@@ -4228,7 +4229,7 @@
             <a:fld id="{66221E02-25CB-4963-84BC-0813985E7D90}" type="datetimeFigureOut">
               <a:rPr lang="pl-PL" smtClean="0"/>
               <a:pPr/>
-              <a:t>28.01.2023</a:t>
+              <a:t>01.02.2023</a:t>
             </a:fld>
             <a:endParaRPr lang="pl-PL"/>
           </a:p>
@@ -4801,27 +4802,7 @@
             </a:pPr>
             <a:r>
               <a:rPr lang="pl-PL" sz="2600" dirty="0" smtClean="0"/>
-              <a:t>Omówienie typowego </a:t>
-            </a:r>
-            <a:r>
-              <a:rPr lang="pl-PL" sz="2600" dirty="0" smtClean="0"/>
-              <a:t>sterownika</a:t>
-            </a:r>
-            <a:r>
-              <a:rPr lang="pl-PL" sz="2600" dirty="0" smtClean="0"/>
-              <a:t> </a:t>
-            </a:r>
-            <a:r>
-              <a:rPr lang="pl-PL" sz="2600" dirty="0" smtClean="0"/>
-              <a:t>Ethernetu </a:t>
-            </a:r>
-            <a:r>
-              <a:rPr lang="pl-PL" sz="2600" dirty="0" smtClean="0"/>
-              <a:t>w </a:t>
-            </a:r>
-            <a:r>
-              <a:rPr lang="pl-PL" sz="2600" dirty="0" smtClean="0"/>
-              <a:t>STM32</a:t>
+              <a:t>Omówienie typowego sterownika Ethernetu w STM32</a:t>
             </a:r>
           </a:p>
           <a:p>
@@ -4879,41 +4860,9 @@
           <a:chExt cx="0" cy="0"/>
         </a:xfrm>
       </p:grpSpPr>
-      <p:sp>
-        <p:nvSpPr>
-          <p:cNvPr id="2" name="Tytuł 1"/>
-          <p:cNvSpPr>
-            <a:spLocks noGrp="1"/>
-          </p:cNvSpPr>
-          <p:nvPr>
-            <p:ph type="title"/>
-          </p:nvPr>
-        </p:nvSpPr>
-        <p:spPr/>
-        <p:txBody>
-          <a:bodyPr>
-            <a:normAutofit fontScale="90000"/>
-          </a:bodyPr>
-          <a:lstStyle/>
-          <a:p>
-            <a:r>
-              <a:rPr lang="pl-PL" dirty="0" smtClean="0"/>
-              <a:t>TCP - </a:t>
-            </a:r>
-            <a:r>
-              <a:rPr lang="pl-PL" b="0" dirty="0" smtClean="0"/>
-              <a:t>Protokół sterowania transmisją</a:t>
-            </a:r>
-            <a:br>
-              <a:rPr lang="pl-PL" b="0" dirty="0" smtClean="0"/>
-            </a:br>
-            <a:endParaRPr lang="pl-PL" dirty="0"/>
-          </a:p>
-        </p:txBody>
-      </p:sp>
       <p:pic>
         <p:nvPicPr>
-          <p:cNvPr id="10242" name="Picture 2"/>
+          <p:cNvPr id="2050" name="Picture 2"/>
           <p:cNvPicPr>
             <a:picLocks noGrp="1" noChangeAspect="1" noChangeArrowheads="1"/>
           </p:cNvPicPr>
@@ -4930,8 +4879,8 @@
         </p:blipFill>
         <p:spPr bwMode="auto">
           <a:xfrm>
-            <a:off x="1000100" y="1571612"/>
-            <a:ext cx="3689228" cy="2357454"/>
+            <a:off x="1285852" y="1500174"/>
+            <a:ext cx="4601217" cy="3600953"/>
           </a:xfrm>
           <a:prstGeom prst="rect">
             <a:avLst/>
@@ -4948,14 +4897,49 @@
       </p:pic>
       <p:sp>
         <p:nvSpPr>
-          <p:cNvPr id="5" name="pole tekstowe 4"/>
+          <p:cNvPr id="2" name="Tytuł 1"/>
+          <p:cNvSpPr>
+            <a:spLocks noGrp="1"/>
+          </p:cNvSpPr>
+          <p:nvPr>
+            <p:ph type="title"/>
+          </p:nvPr>
+        </p:nvSpPr>
+        <p:spPr/>
+        <p:txBody>
+          <a:bodyPr/>
+          <a:lstStyle/>
+          <a:p>
+            <a:r>
+              <a:rPr lang="pl-PL" dirty="0" smtClean="0"/>
+              <a:t>Cisco </a:t>
+            </a:r>
+            <a:r>
+              <a:rPr lang="pl-PL" dirty="0" err="1" smtClean="0"/>
+              <a:t>Packet</a:t>
+            </a:r>
+            <a:r>
+              <a:rPr lang="pl-PL" dirty="0" smtClean="0"/>
+              <a:t> </a:t>
+            </a:r>
+            <a:r>
+              <a:rPr lang="pl-PL" dirty="0" err="1" smtClean="0"/>
+              <a:t>Tracer</a:t>
+            </a:r>
+            <a:endParaRPr lang="pl-PL" dirty="0"/>
+          </a:p>
+        </p:txBody>
+      </p:sp>
+      <p:sp>
+        <p:nvSpPr>
+          <p:cNvPr id="7" name="pole tekstowe 6"/>
           <p:cNvSpPr txBox="1"/>
           <p:nvPr/>
         </p:nvSpPr>
         <p:spPr>
           <a:xfrm>
-            <a:off x="4881295" y="5857892"/>
-            <a:ext cx="4262705" cy="246221"/>
+            <a:off x="1714480" y="5572140"/>
+            <a:ext cx="7002238" cy="276999"/>
           </a:xfrm>
           <a:prstGeom prst="rect">
             <a:avLst/>
@@ -4969,35 +4953,29 @@
           <a:lstStyle/>
           <a:p>
             <a:r>
-              <a:rPr lang="pl-PL" sz="1000" dirty="0" smtClean="0">
+              <a:rPr lang="pl-PL" sz="1200" dirty="0" smtClean="0">
                 <a:hlinkClick r:id="rId3"/>
               </a:rPr>
-              <a:t>https://pasja-informatyki.pl/sieci-komputerowe/naglowek-tcp</a:t>
-            </a:r>
-            <a:r>
-              <a:rPr lang="pl-PL" sz="1000" dirty="0" smtClean="0">
-                <a:hlinkClick r:id="rId3"/>
-              </a:rPr>
-              <a:t>/</a:t>
-            </a:r>
-            <a:r>
-              <a:rPr lang="pl-PL" sz="1000" dirty="0" smtClean="0"/>
+              <a:t>https://www.geeksforgeeks.org/implementing-star-topology-using-cisco-packet-tracer/</a:t>
+            </a:r>
+            <a:r>
+              <a:rPr lang="pl-PL" sz="1200" dirty="0" smtClean="0"/>
               <a:t> </a:t>
             </a:r>
-            <a:endParaRPr lang="pl-PL" sz="1000" dirty="0"/>
-          </a:p>
-        </p:txBody>
-      </p:sp>
-      <p:sp>
-        <p:nvSpPr>
-          <p:cNvPr id="6" name="pole tekstowe 5"/>
+            <a:endParaRPr lang="pl-PL" sz="1200" dirty="0"/>
+          </a:p>
+        </p:txBody>
+      </p:sp>
+      <p:sp>
+        <p:nvSpPr>
+          <p:cNvPr id="8" name="pole tekstowe 7"/>
           <p:cNvSpPr txBox="1"/>
           <p:nvPr/>
         </p:nvSpPr>
         <p:spPr>
           <a:xfrm>
-            <a:off x="3754383" y="6143644"/>
-            <a:ext cx="5389617" cy="246221"/>
+            <a:off x="2714612" y="6000768"/>
+            <a:ext cx="2052165" cy="276999"/>
           </a:xfrm>
           <a:prstGeom prst="rect">
             <a:avLst/>
@@ -5011,105 +4989,31 @@
           <a:lstStyle/>
           <a:p>
             <a:r>
-              <a:rPr lang="pl-PL" sz="1000" dirty="0" smtClean="0">
+              <a:rPr lang="pl-PL" sz="1200" dirty="0" smtClean="0">
                 <a:hlinkClick r:id="rId4"/>
               </a:rPr>
-              <a:t>https://</a:t>
-            </a:r>
-            <a:r>
-              <a:rPr lang="pl-PL" sz="1000" dirty="0" smtClean="0">
-                <a:hlinkClick r:id="rId4"/>
-              </a:rPr>
-              <a:t>pl.wikipedia.org/wiki/Protok%C3%B3%C5%82_sterowania_transmisj%C4%85</a:t>
-            </a:r>
-            <a:r>
-              <a:rPr lang="pl-PL" sz="1000" dirty="0" smtClean="0"/>
+              <a:t>https://www.cisco.com/</a:t>
+            </a:r>
+            <a:r>
+              <a:rPr lang="pl-PL" sz="1200" dirty="0" smtClean="0"/>
               <a:t> </a:t>
             </a:r>
-            <a:endParaRPr lang="pl-PL" sz="1000" dirty="0"/>
-          </a:p>
-        </p:txBody>
-      </p:sp>
-      <p:sp>
-        <p:nvSpPr>
-          <p:cNvPr id="7" name="pole tekstowe 6"/>
-          <p:cNvSpPr txBox="1"/>
-          <p:nvPr/>
-        </p:nvSpPr>
-        <p:spPr>
-          <a:xfrm>
-            <a:off x="5173041" y="5572140"/>
-            <a:ext cx="3970959" cy="246221"/>
-          </a:xfrm>
-          <a:prstGeom prst="rect">
-            <a:avLst/>
-          </a:prstGeom>
-          <a:noFill/>
-        </p:spPr>
-        <p:txBody>
-          <a:bodyPr wrap="none" rtlCol="0">
-            <a:spAutoFit/>
-          </a:bodyPr>
-          <a:lstStyle/>
-          <a:p>
-            <a:r>
-              <a:rPr lang="pl-PL" sz="1000" dirty="0" smtClean="0">
-                <a:hlinkClick r:id="rId5"/>
-              </a:rPr>
-              <a:t>https://</a:t>
-            </a:r>
-            <a:r>
-              <a:rPr lang="pl-PL" sz="1000" dirty="0" smtClean="0">
-                <a:hlinkClick r:id="rId5"/>
-              </a:rPr>
-              <a:t>mw.home.amu.edu.pl/zajecia/ISIK2017/ISIK03.html</a:t>
-            </a:r>
-            <a:r>
-              <a:rPr lang="pl-PL" sz="1000" dirty="0" smtClean="0"/>
-              <a:t> </a:t>
-            </a:r>
-            <a:endParaRPr lang="pl-PL" sz="1000" dirty="0"/>
-          </a:p>
-        </p:txBody>
-      </p:sp>
-      <p:pic>
-        <p:nvPicPr>
-          <p:cNvPr id="10243" name="Picture 3"/>
-          <p:cNvPicPr>
-            <a:picLocks noChangeAspect="1" noChangeArrowheads="1"/>
-          </p:cNvPicPr>
-          <p:nvPr/>
-        </p:nvPicPr>
-        <p:blipFill>
-          <a:blip r:embed="rId6"/>
-          <a:srcRect/>
-          <a:stretch>
-            <a:fillRect/>
-          </a:stretch>
-        </p:blipFill>
-        <p:spPr bwMode="auto">
-          <a:xfrm>
-            <a:off x="5072066" y="1142984"/>
-            <a:ext cx="3612031" cy="2941639"/>
-          </a:xfrm>
-          <a:prstGeom prst="rect">
-            <a:avLst/>
-          </a:prstGeom>
-          <a:noFill/>
-          <a:ln w="9525">
-            <a:noFill/>
-            <a:miter lim="800000"/>
-            <a:headEnd/>
-            <a:tailEnd/>
-          </a:ln>
-          <a:effectLst/>
-        </p:spPr>
-      </p:pic>
+            <a:endParaRPr lang="pl-PL" sz="1200" dirty="0"/>
+          </a:p>
+        </p:txBody>
+      </p:sp>
     </p:spTree>
   </p:cSld>
   <p:clrMapOvr>
     <a:masterClrMapping/>
   </p:clrMapOvr>
+  <p:timing>
+    <p:tnLst>
+      <p:par>
+        <p:cTn id="1" dur="indefinite" restart="never" nodeType="tmRoot"/>
+      </p:par>
+    </p:tnLst>
+  </p:timing>
 </p:sld>
 </file>
 
@@ -5149,6 +5053,246 @@
           <a:p>
             <a:r>
               <a:rPr lang="pl-PL" dirty="0" smtClean="0"/>
+              <a:t>TCP - </a:t>
+            </a:r>
+            <a:r>
+              <a:rPr lang="pl-PL" b="0" dirty="0" smtClean="0"/>
+              <a:t>Protokół sterowania transmisją</a:t>
+            </a:r>
+            <a:br>
+              <a:rPr lang="pl-PL" b="0" dirty="0" smtClean="0"/>
+            </a:br>
+            <a:endParaRPr lang="pl-PL" dirty="0"/>
+          </a:p>
+        </p:txBody>
+      </p:sp>
+      <p:pic>
+        <p:nvPicPr>
+          <p:cNvPr id="10242" name="Picture 2"/>
+          <p:cNvPicPr>
+            <a:picLocks noGrp="1" noChangeAspect="1" noChangeArrowheads="1"/>
+          </p:cNvPicPr>
+          <p:nvPr>
+            <p:ph idx="1"/>
+          </p:nvPr>
+        </p:nvPicPr>
+        <p:blipFill>
+          <a:blip r:embed="rId2"/>
+          <a:srcRect/>
+          <a:stretch>
+            <a:fillRect/>
+          </a:stretch>
+        </p:blipFill>
+        <p:spPr bwMode="auto">
+          <a:xfrm>
+            <a:off x="1000100" y="1571612"/>
+            <a:ext cx="3689228" cy="2357454"/>
+          </a:xfrm>
+          <a:prstGeom prst="rect">
+            <a:avLst/>
+          </a:prstGeom>
+          <a:noFill/>
+          <a:ln w="9525">
+            <a:noFill/>
+            <a:miter lim="800000"/>
+            <a:headEnd/>
+            <a:tailEnd/>
+          </a:ln>
+          <a:effectLst/>
+        </p:spPr>
+      </p:pic>
+      <p:sp>
+        <p:nvSpPr>
+          <p:cNvPr id="5" name="pole tekstowe 4"/>
+          <p:cNvSpPr txBox="1"/>
+          <p:nvPr/>
+        </p:nvSpPr>
+        <p:spPr>
+          <a:xfrm>
+            <a:off x="4881295" y="5857892"/>
+            <a:ext cx="4262705" cy="246221"/>
+          </a:xfrm>
+          <a:prstGeom prst="rect">
+            <a:avLst/>
+          </a:prstGeom>
+          <a:noFill/>
+        </p:spPr>
+        <p:txBody>
+          <a:bodyPr wrap="none" rtlCol="0">
+            <a:spAutoFit/>
+          </a:bodyPr>
+          <a:lstStyle/>
+          <a:p>
+            <a:r>
+              <a:rPr lang="pl-PL" sz="1000" dirty="0" smtClean="0">
+                <a:hlinkClick r:id="rId3"/>
+              </a:rPr>
+              <a:t>https://pasja-informatyki.pl/sieci-komputerowe/naglowek-tcp/</a:t>
+            </a:r>
+            <a:r>
+              <a:rPr lang="pl-PL" sz="1000" dirty="0" smtClean="0"/>
+              <a:t> </a:t>
+            </a:r>
+            <a:endParaRPr lang="pl-PL" sz="1000" dirty="0"/>
+          </a:p>
+        </p:txBody>
+      </p:sp>
+      <p:sp>
+        <p:nvSpPr>
+          <p:cNvPr id="6" name="pole tekstowe 5"/>
+          <p:cNvSpPr txBox="1"/>
+          <p:nvPr/>
+        </p:nvSpPr>
+        <p:spPr>
+          <a:xfrm>
+            <a:off x="3754383" y="6143644"/>
+            <a:ext cx="5389617" cy="246221"/>
+          </a:xfrm>
+          <a:prstGeom prst="rect">
+            <a:avLst/>
+          </a:prstGeom>
+          <a:noFill/>
+        </p:spPr>
+        <p:txBody>
+          <a:bodyPr wrap="none" rtlCol="0">
+            <a:spAutoFit/>
+          </a:bodyPr>
+          <a:lstStyle/>
+          <a:p>
+            <a:r>
+              <a:rPr lang="pl-PL" sz="1000" dirty="0" smtClean="0">
+                <a:hlinkClick r:id="rId4"/>
+              </a:rPr>
+              <a:t>https://pl.wikipedia.org/wiki/Protok%C3%B3%C5%82_sterowania_transmisj%C4%85</a:t>
+            </a:r>
+            <a:r>
+              <a:rPr lang="pl-PL" sz="1000" dirty="0" smtClean="0"/>
+              <a:t> </a:t>
+            </a:r>
+            <a:endParaRPr lang="pl-PL" sz="1000" dirty="0"/>
+          </a:p>
+        </p:txBody>
+      </p:sp>
+      <p:sp>
+        <p:nvSpPr>
+          <p:cNvPr id="7" name="pole tekstowe 6"/>
+          <p:cNvSpPr txBox="1"/>
+          <p:nvPr/>
+        </p:nvSpPr>
+        <p:spPr>
+          <a:xfrm>
+            <a:off x="5173041" y="5572140"/>
+            <a:ext cx="3970959" cy="246221"/>
+          </a:xfrm>
+          <a:prstGeom prst="rect">
+            <a:avLst/>
+          </a:prstGeom>
+          <a:noFill/>
+        </p:spPr>
+        <p:txBody>
+          <a:bodyPr wrap="none" rtlCol="0">
+            <a:spAutoFit/>
+          </a:bodyPr>
+          <a:lstStyle/>
+          <a:p>
+            <a:r>
+              <a:rPr lang="pl-PL" sz="1000" dirty="0" smtClean="0">
+                <a:hlinkClick r:id="rId5"/>
+              </a:rPr>
+              <a:t>https://mw.home.amu.edu.pl/zajecia/ISIK2017/ISIK03.html</a:t>
+            </a:r>
+            <a:r>
+              <a:rPr lang="pl-PL" sz="1000" dirty="0" smtClean="0"/>
+              <a:t> </a:t>
+            </a:r>
+            <a:endParaRPr lang="pl-PL" sz="1000" dirty="0"/>
+          </a:p>
+        </p:txBody>
+      </p:sp>
+      <p:pic>
+        <p:nvPicPr>
+          <p:cNvPr id="10243" name="Picture 3"/>
+          <p:cNvPicPr>
+            <a:picLocks noChangeAspect="1" noChangeArrowheads="1"/>
+          </p:cNvPicPr>
+          <p:nvPr/>
+        </p:nvPicPr>
+        <p:blipFill>
+          <a:blip r:embed="rId6"/>
+          <a:srcRect/>
+          <a:stretch>
+            <a:fillRect/>
+          </a:stretch>
+        </p:blipFill>
+        <p:spPr bwMode="auto">
+          <a:xfrm>
+            <a:off x="5072066" y="1142984"/>
+            <a:ext cx="3612031" cy="2941639"/>
+          </a:xfrm>
+          <a:prstGeom prst="rect">
+            <a:avLst/>
+          </a:prstGeom>
+          <a:noFill/>
+          <a:ln w="9525">
+            <a:noFill/>
+            <a:miter lim="800000"/>
+            <a:headEnd/>
+            <a:tailEnd/>
+          </a:ln>
+          <a:effectLst/>
+        </p:spPr>
+      </p:pic>
+    </p:spTree>
+  </p:cSld>
+  <p:clrMapOvr>
+    <a:masterClrMapping/>
+  </p:clrMapOvr>
+  <p:timing>
+    <p:tnLst>
+      <p:par>
+        <p:cTn id="1" dur="indefinite" restart="never" nodeType="tmRoot"/>
+      </p:par>
+    </p:tnLst>
+  </p:timing>
+</p:sld>
+</file>
+
+<file path=ppt/slides/slide12.xml><?xml version="1.0" encoding="utf-8"?>
+<p:sld xmlns:a="http://schemas.openxmlformats.org/drawingml/2006/main" xmlns:r="http://schemas.openxmlformats.org/officeDocument/2006/relationships" xmlns:p="http://schemas.openxmlformats.org/presentationml/2006/main">
+  <p:cSld>
+    <p:spTree>
+      <p:nvGrpSpPr>
+        <p:cNvPr id="1" name=""/>
+        <p:cNvGrpSpPr/>
+        <p:nvPr/>
+      </p:nvGrpSpPr>
+      <p:grpSpPr>
+        <a:xfrm>
+          <a:off x="0" y="0"/>
+          <a:ext cx="0" cy="0"/>
+          <a:chOff x="0" y="0"/>
+          <a:chExt cx="0" cy="0"/>
+        </a:xfrm>
+      </p:grpSpPr>
+      <p:sp>
+        <p:nvSpPr>
+          <p:cNvPr id="2" name="Tytuł 1"/>
+          <p:cNvSpPr>
+            <a:spLocks noGrp="1"/>
+          </p:cNvSpPr>
+          <p:nvPr>
+            <p:ph type="title"/>
+          </p:nvPr>
+        </p:nvSpPr>
+        <p:spPr/>
+        <p:txBody>
+          <a:bodyPr>
+            <a:normAutofit fontScale="90000"/>
+          </a:bodyPr>
+          <a:lstStyle/>
+          <a:p>
+            <a:r>
+              <a:rPr lang="pl-PL" dirty="0" smtClean="0"/>
               <a:t>UDP - </a:t>
             </a:r>
             <a:r>
@@ -5220,13 +5364,7 @@
               <a:rPr lang="pl-PL" dirty="0" smtClean="0">
                 <a:hlinkClick r:id="rId3"/>
               </a:rPr>
-              <a:t>https://pasja-informatyki.pl/sieci-komputerowe/protokol-udp</a:t>
-            </a:r>
-            <a:r>
-              <a:rPr lang="pl-PL" dirty="0" smtClean="0">
-                <a:hlinkClick r:id="rId3"/>
-              </a:rPr>
-              <a:t>/</a:t>
+              <a:t>https://pasja-informatyki.pl/sieci-komputerowe/protokol-udp/</a:t>
             </a:r>
             <a:r>
               <a:rPr lang="pl-PL" dirty="0" smtClean="0"/>
@@ -5262,13 +5400,7 @@
               <a:rPr lang="pl-PL" dirty="0" smtClean="0">
                 <a:hlinkClick r:id="rId4"/>
               </a:rPr>
-              <a:t>https://</a:t>
-            </a:r>
-            <a:r>
-              <a:rPr lang="pl-PL" dirty="0" smtClean="0">
-                <a:hlinkClick r:id="rId4"/>
-              </a:rPr>
-              <a:t>pl.wikipedia.org/wiki/User_Datagram_Protocol</a:t>
+              <a:t>https://pl.wikipedia.org/wiki/User_Datagram_Protocol</a:t>
             </a:r>
             <a:r>
               <a:rPr lang="pl-PL" dirty="0" smtClean="0"/>
@@ -5321,10 +5453,17 @@
   <p:clrMapOvr>
     <a:masterClrMapping/>
   </p:clrMapOvr>
+  <p:timing>
+    <p:tnLst>
+      <p:par>
+        <p:cTn id="1" dur="indefinite" restart="never" nodeType="tmRoot"/>
+      </p:par>
+    </p:tnLst>
+  </p:timing>
 </p:sld>
 </file>
 
-<file path=ppt/slides/slide12.xml><?xml version="1.0" encoding="utf-8"?>
+<file path=ppt/slides/slide13.xml><?xml version="1.0" encoding="utf-8"?>
 <p:sld xmlns:a="http://schemas.openxmlformats.org/drawingml/2006/main" xmlns:r="http://schemas.openxmlformats.org/officeDocument/2006/relationships" xmlns:p="http://schemas.openxmlformats.org/presentationml/2006/main">
   <p:cSld>
     <p:bg>
@@ -5402,13 +5541,7 @@
               <a:rPr lang="pl-PL" sz="1200" dirty="0" smtClean="0">
                 <a:hlinkClick r:id="rId2"/>
               </a:rPr>
-              <a:t>https://</a:t>
-            </a:r>
-            <a:r>
-              <a:rPr lang="pl-PL" sz="1200" dirty="0" smtClean="0">
-                <a:hlinkClick r:id="rId2"/>
-              </a:rPr>
-              <a:t>pl.wikipedia.org/wiki/Internet_Control_Message_Protocol</a:t>
+              <a:t>https://pl.wikipedia.org/wiki/Internet_Control_Message_Protocol</a:t>
             </a:r>
             <a:r>
               <a:rPr lang="pl-PL" sz="1200" dirty="0" smtClean="0"/>
@@ -7199,250 +7332,13 @@
               <a:rPr lang="pl-PL" sz="1200" dirty="0" smtClean="0">
                 <a:hlinkClick r:id="rId4"/>
               </a:rPr>
-              <a:t>https://ipcisco.com/lesson/icmp-internet-control-message-protocol-ccnp</a:t>
-            </a:r>
-            <a:r>
-              <a:rPr lang="pl-PL" sz="1200" dirty="0" smtClean="0">
-                <a:hlinkClick r:id="rId4"/>
-              </a:rPr>
-              <a:t>/</a:t>
+              <a:t>https://ipcisco.com/lesson/icmp-internet-control-message-protocol-ccnp/</a:t>
             </a:r>
             <a:r>
               <a:rPr lang="pl-PL" sz="1200" dirty="0" smtClean="0"/>
               <a:t> </a:t>
             </a:r>
             <a:endParaRPr lang="pl-PL" sz="1200" dirty="0"/>
-          </a:p>
-        </p:txBody>
-      </p:sp>
-    </p:spTree>
-  </p:cSld>
-  <p:clrMapOvr>
-    <a:masterClrMapping/>
-  </p:clrMapOvr>
-</p:sld>
-</file>
-
-<file path=ppt/slides/slide13.xml><?xml version="1.0" encoding="utf-8"?>
-<p:sld xmlns:a="http://schemas.openxmlformats.org/drawingml/2006/main" xmlns:r="http://schemas.openxmlformats.org/officeDocument/2006/relationships" xmlns:p="http://schemas.openxmlformats.org/presentationml/2006/main">
-  <p:cSld>
-    <p:spTree>
-      <p:nvGrpSpPr>
-        <p:cNvPr id="1" name=""/>
-        <p:cNvGrpSpPr/>
-        <p:nvPr/>
-      </p:nvGrpSpPr>
-      <p:grpSpPr>
-        <a:xfrm>
-          <a:off x="0" y="0"/>
-          <a:ext cx="0" cy="0"/>
-          <a:chOff x="0" y="0"/>
-          <a:chExt cx="0" cy="0"/>
-        </a:xfrm>
-      </p:grpSpPr>
-      <p:sp>
-        <p:nvSpPr>
-          <p:cNvPr id="3" name="Tytuł 2"/>
-          <p:cNvSpPr>
-            <a:spLocks noGrp="1"/>
-          </p:cNvSpPr>
-          <p:nvPr>
-            <p:ph type="title"/>
-          </p:nvPr>
-        </p:nvSpPr>
-        <p:spPr/>
-        <p:txBody>
-          <a:bodyPr>
-            <a:normAutofit fontScale="90000"/>
-          </a:bodyPr>
-          <a:lstStyle/>
-          <a:p>
-            <a:r>
-              <a:rPr lang="pl-PL" dirty="0" smtClean="0"/>
-              <a:t>DHCP – konfigurowanie ustawień sieciowych węzła </a:t>
-            </a:r>
-            <a:endParaRPr lang="pl-PL" dirty="0"/>
-          </a:p>
-        </p:txBody>
-      </p:sp>
-      <p:sp>
-        <p:nvSpPr>
-          <p:cNvPr id="4" name="pole tekstowe 3"/>
-          <p:cNvSpPr txBox="1"/>
-          <p:nvPr/>
-        </p:nvSpPr>
-        <p:spPr>
-          <a:xfrm>
-            <a:off x="3143240" y="6215082"/>
-            <a:ext cx="5296643" cy="276999"/>
-          </a:xfrm>
-          <a:prstGeom prst="rect">
-            <a:avLst/>
-          </a:prstGeom>
-          <a:noFill/>
-        </p:spPr>
-        <p:txBody>
-          <a:bodyPr wrap="none" rtlCol="0">
-            <a:spAutoFit/>
-          </a:bodyPr>
-          <a:lstStyle/>
-          <a:p>
-            <a:r>
-              <a:rPr lang="pl-PL" sz="1200" dirty="0" smtClean="0">
-                <a:hlinkClick r:id="rId2"/>
-              </a:rPr>
-              <a:t>https://pl.wikipedia.org/wiki/Dynamic_Host_Configuration_Protocol</a:t>
-            </a:r>
-            <a:r>
-              <a:rPr lang="pl-PL" sz="1200" dirty="0" smtClean="0"/>
-              <a:t> </a:t>
-            </a:r>
-            <a:endParaRPr lang="pl-PL" sz="1200" dirty="0"/>
-          </a:p>
-        </p:txBody>
-      </p:sp>
-      <p:sp>
-        <p:nvSpPr>
-          <p:cNvPr id="6" name="pole tekstowe 5"/>
-          <p:cNvSpPr txBox="1"/>
-          <p:nvPr/>
-        </p:nvSpPr>
-        <p:spPr>
-          <a:xfrm>
-            <a:off x="3286116" y="5857892"/>
-            <a:ext cx="5392823" cy="369332"/>
-          </a:xfrm>
-          <a:prstGeom prst="rect">
-            <a:avLst/>
-          </a:prstGeom>
-          <a:noFill/>
-        </p:spPr>
-        <p:txBody>
-          <a:bodyPr wrap="none" rtlCol="0">
-            <a:spAutoFit/>
-          </a:bodyPr>
-          <a:lstStyle/>
-          <a:p>
-            <a:r>
-              <a:rPr lang="pl-PL" dirty="0" smtClean="0">
-                <a:hlinkClick r:id="rId3"/>
-              </a:rPr>
-              <a:t>https://ipcisco.com/lesson/dhcp-option-82</a:t>
-            </a:r>
-            <a:r>
-              <a:rPr lang="pl-PL" dirty="0" smtClean="0">
-                <a:hlinkClick r:id="rId3"/>
-              </a:rPr>
-              <a:t>/</a:t>
-            </a:r>
-            <a:r>
-              <a:rPr lang="pl-PL" dirty="0" smtClean="0"/>
-              <a:t> </a:t>
-            </a:r>
-            <a:endParaRPr lang="pl-PL" dirty="0"/>
-          </a:p>
-        </p:txBody>
-      </p:sp>
-      <p:pic>
-        <p:nvPicPr>
-          <p:cNvPr id="19458" name="Picture 2"/>
-          <p:cNvPicPr>
-            <a:picLocks noGrp="1" noChangeAspect="1" noChangeArrowheads="1"/>
-          </p:cNvPicPr>
-          <p:nvPr>
-            <p:ph idx="1"/>
-          </p:nvPr>
-        </p:nvPicPr>
-        <p:blipFill>
-          <a:blip r:embed="rId4"/>
-          <a:srcRect/>
-          <a:stretch>
-            <a:fillRect/>
-          </a:stretch>
-        </p:blipFill>
-        <p:spPr bwMode="auto">
-          <a:xfrm>
-            <a:off x="4000496" y="2357430"/>
-            <a:ext cx="4486315" cy="2743536"/>
-          </a:xfrm>
-          <a:prstGeom prst="rect">
-            <a:avLst/>
-          </a:prstGeom>
-          <a:noFill/>
-          <a:ln w="9525">
-            <a:noFill/>
-            <a:miter lim="800000"/>
-            <a:headEnd/>
-            <a:tailEnd/>
-          </a:ln>
-          <a:effectLst/>
-        </p:spPr>
-      </p:pic>
-      <p:sp>
-        <p:nvSpPr>
-          <p:cNvPr id="9" name="pole tekstowe 8"/>
-          <p:cNvSpPr txBox="1"/>
-          <p:nvPr/>
-        </p:nvSpPr>
-        <p:spPr>
-          <a:xfrm>
-            <a:off x="142844" y="3500438"/>
-            <a:ext cx="3500462" cy="2031325"/>
-          </a:xfrm>
-          <a:prstGeom prst="rect">
-            <a:avLst/>
-          </a:prstGeom>
-          <a:noFill/>
-        </p:spPr>
-        <p:txBody>
-          <a:bodyPr wrap="square" rtlCol="0">
-            <a:spAutoFit/>
-          </a:bodyPr>
-          <a:lstStyle/>
-          <a:p>
-            <a:r>
-              <a:rPr lang="pl-PL" dirty="0" smtClean="0"/>
-              <a:t>DHCP używa protokołu </a:t>
-            </a:r>
-            <a:r>
-              <a:rPr lang="pl-PL" dirty="0" smtClean="0"/>
-              <a:t>UDP. </a:t>
-            </a:r>
-            <a:r>
-              <a:rPr lang="pl-PL" dirty="0" smtClean="0"/>
-              <a:t>Wszystkie pakiety wysyłane przez klienta mają port źródłowy 68 i port docelowy 67. Pakiety wysyłane przez serwer mają port źródłowy 67 i port docelowy 68. </a:t>
-            </a:r>
-            <a:endParaRPr lang="pl-PL" dirty="0"/>
-          </a:p>
-        </p:txBody>
-      </p:sp>
-      <p:sp>
-        <p:nvSpPr>
-          <p:cNvPr id="10" name="pole tekstowe 9"/>
-          <p:cNvSpPr txBox="1"/>
-          <p:nvPr/>
-        </p:nvSpPr>
-        <p:spPr>
-          <a:xfrm>
-            <a:off x="500034" y="1714488"/>
-            <a:ext cx="6237605" cy="369332"/>
-          </a:xfrm>
-          <a:prstGeom prst="rect">
-            <a:avLst/>
-          </a:prstGeom>
-          <a:noFill/>
-        </p:spPr>
-        <p:txBody>
-          <a:bodyPr wrap="none" rtlCol="0">
-            <a:spAutoFit/>
-          </a:bodyPr>
-          <a:lstStyle/>
-          <a:p>
-            <a:r>
-              <a:rPr lang="pl-PL" dirty="0" smtClean="0"/>
-              <a:t>Automatyczne przydzielanie adresu IP w sieci lokalnej</a:t>
-            </a:r>
-            <a:endParaRPr lang="pl-PL" dirty="0"/>
           </a:p>
         </p:txBody>
       </p:sp>
@@ -7473,6 +7369,223 @@
       </p:grpSpPr>
       <p:sp>
         <p:nvSpPr>
+          <p:cNvPr id="3" name="Tytuł 2"/>
+          <p:cNvSpPr>
+            <a:spLocks noGrp="1"/>
+          </p:cNvSpPr>
+          <p:nvPr>
+            <p:ph type="title"/>
+          </p:nvPr>
+        </p:nvSpPr>
+        <p:spPr/>
+        <p:txBody>
+          <a:bodyPr>
+            <a:normAutofit fontScale="90000"/>
+          </a:bodyPr>
+          <a:lstStyle/>
+          <a:p>
+            <a:r>
+              <a:rPr lang="pl-PL" dirty="0" smtClean="0"/>
+              <a:t>DHCP – konfigurowanie ustawień sieciowych węzła </a:t>
+            </a:r>
+            <a:endParaRPr lang="pl-PL" dirty="0"/>
+          </a:p>
+        </p:txBody>
+      </p:sp>
+      <p:sp>
+        <p:nvSpPr>
+          <p:cNvPr id="4" name="pole tekstowe 3"/>
+          <p:cNvSpPr txBox="1"/>
+          <p:nvPr/>
+        </p:nvSpPr>
+        <p:spPr>
+          <a:xfrm>
+            <a:off x="3143240" y="6215082"/>
+            <a:ext cx="5296643" cy="276999"/>
+          </a:xfrm>
+          <a:prstGeom prst="rect">
+            <a:avLst/>
+          </a:prstGeom>
+          <a:noFill/>
+        </p:spPr>
+        <p:txBody>
+          <a:bodyPr wrap="none" rtlCol="0">
+            <a:spAutoFit/>
+          </a:bodyPr>
+          <a:lstStyle/>
+          <a:p>
+            <a:r>
+              <a:rPr lang="pl-PL" sz="1200" dirty="0" smtClean="0">
+                <a:hlinkClick r:id="rId2"/>
+              </a:rPr>
+              <a:t>https://pl.wikipedia.org/wiki/Dynamic_Host_Configuration_Protocol</a:t>
+            </a:r>
+            <a:r>
+              <a:rPr lang="pl-PL" sz="1200" dirty="0" smtClean="0"/>
+              <a:t> </a:t>
+            </a:r>
+            <a:endParaRPr lang="pl-PL" sz="1200" dirty="0"/>
+          </a:p>
+        </p:txBody>
+      </p:sp>
+      <p:sp>
+        <p:nvSpPr>
+          <p:cNvPr id="6" name="pole tekstowe 5"/>
+          <p:cNvSpPr txBox="1"/>
+          <p:nvPr/>
+        </p:nvSpPr>
+        <p:spPr>
+          <a:xfrm>
+            <a:off x="3286116" y="5857892"/>
+            <a:ext cx="5392823" cy="369332"/>
+          </a:xfrm>
+          <a:prstGeom prst="rect">
+            <a:avLst/>
+          </a:prstGeom>
+          <a:noFill/>
+        </p:spPr>
+        <p:txBody>
+          <a:bodyPr wrap="none" rtlCol="0">
+            <a:spAutoFit/>
+          </a:bodyPr>
+          <a:lstStyle/>
+          <a:p>
+            <a:r>
+              <a:rPr lang="pl-PL" dirty="0" smtClean="0">
+                <a:hlinkClick r:id="rId3"/>
+              </a:rPr>
+              <a:t>https://ipcisco.com/lesson/dhcp-option-82/</a:t>
+            </a:r>
+            <a:r>
+              <a:rPr lang="pl-PL" dirty="0" smtClean="0"/>
+              <a:t> </a:t>
+            </a:r>
+            <a:endParaRPr lang="pl-PL" dirty="0"/>
+          </a:p>
+        </p:txBody>
+      </p:sp>
+      <p:pic>
+        <p:nvPicPr>
+          <p:cNvPr id="19458" name="Picture 2"/>
+          <p:cNvPicPr>
+            <a:picLocks noGrp="1" noChangeAspect="1" noChangeArrowheads="1"/>
+          </p:cNvPicPr>
+          <p:nvPr>
+            <p:ph idx="1"/>
+          </p:nvPr>
+        </p:nvPicPr>
+        <p:blipFill>
+          <a:blip r:embed="rId4"/>
+          <a:srcRect/>
+          <a:stretch>
+            <a:fillRect/>
+          </a:stretch>
+        </p:blipFill>
+        <p:spPr bwMode="auto">
+          <a:xfrm>
+            <a:off x="4000496" y="2357430"/>
+            <a:ext cx="4486315" cy="2743536"/>
+          </a:xfrm>
+          <a:prstGeom prst="rect">
+            <a:avLst/>
+          </a:prstGeom>
+          <a:noFill/>
+          <a:ln w="9525">
+            <a:noFill/>
+            <a:miter lim="800000"/>
+            <a:headEnd/>
+            <a:tailEnd/>
+          </a:ln>
+          <a:effectLst/>
+        </p:spPr>
+      </p:pic>
+      <p:sp>
+        <p:nvSpPr>
+          <p:cNvPr id="9" name="pole tekstowe 8"/>
+          <p:cNvSpPr txBox="1"/>
+          <p:nvPr/>
+        </p:nvSpPr>
+        <p:spPr>
+          <a:xfrm>
+            <a:off x="142844" y="3500438"/>
+            <a:ext cx="3500462" cy="2031325"/>
+          </a:xfrm>
+          <a:prstGeom prst="rect">
+            <a:avLst/>
+          </a:prstGeom>
+          <a:noFill/>
+        </p:spPr>
+        <p:txBody>
+          <a:bodyPr wrap="square" rtlCol="0">
+            <a:spAutoFit/>
+          </a:bodyPr>
+          <a:lstStyle/>
+          <a:p>
+            <a:r>
+              <a:rPr lang="pl-PL" dirty="0" smtClean="0"/>
+              <a:t>DHCP używa protokołu UDP. Wszystkie pakiety wysyłane przez klienta mają port źródłowy 68 i port docelowy 67. Pakiety wysyłane przez serwer mają port źródłowy 67 i port docelowy 68. </a:t>
+            </a:r>
+            <a:endParaRPr lang="pl-PL" dirty="0"/>
+          </a:p>
+        </p:txBody>
+      </p:sp>
+      <p:sp>
+        <p:nvSpPr>
+          <p:cNvPr id="10" name="pole tekstowe 9"/>
+          <p:cNvSpPr txBox="1"/>
+          <p:nvPr/>
+        </p:nvSpPr>
+        <p:spPr>
+          <a:xfrm>
+            <a:off x="500034" y="1714488"/>
+            <a:ext cx="6237605" cy="369332"/>
+          </a:xfrm>
+          <a:prstGeom prst="rect">
+            <a:avLst/>
+          </a:prstGeom>
+          <a:noFill/>
+        </p:spPr>
+        <p:txBody>
+          <a:bodyPr wrap="none" rtlCol="0">
+            <a:spAutoFit/>
+          </a:bodyPr>
+          <a:lstStyle/>
+          <a:p>
+            <a:r>
+              <a:rPr lang="pl-PL" dirty="0" smtClean="0"/>
+              <a:t>Automatyczne przydzielanie adresu IP w sieci lokalnej</a:t>
+            </a:r>
+            <a:endParaRPr lang="pl-PL" dirty="0"/>
+          </a:p>
+        </p:txBody>
+      </p:sp>
+    </p:spTree>
+  </p:cSld>
+  <p:clrMapOvr>
+    <a:masterClrMapping/>
+  </p:clrMapOvr>
+</p:sld>
+</file>
+
+<file path=ppt/slides/slide15.xml><?xml version="1.0" encoding="utf-8"?>
+<p:sld xmlns:a="http://schemas.openxmlformats.org/drawingml/2006/main" xmlns:r="http://schemas.openxmlformats.org/officeDocument/2006/relationships" xmlns:p="http://schemas.openxmlformats.org/presentationml/2006/main">
+  <p:cSld>
+    <p:spTree>
+      <p:nvGrpSpPr>
+        <p:cNvPr id="1" name=""/>
+        <p:cNvGrpSpPr/>
+        <p:nvPr/>
+      </p:nvGrpSpPr>
+      <p:grpSpPr>
+        <a:xfrm>
+          <a:off x="0" y="0"/>
+          <a:ext cx="0" cy="0"/>
+          <a:chOff x="0" y="0"/>
+          <a:chExt cx="0" cy="0"/>
+        </a:xfrm>
+      </p:grpSpPr>
+      <p:sp>
+        <p:nvSpPr>
           <p:cNvPr id="2" name="Tytuł 1"/>
           <p:cNvSpPr>
             <a:spLocks noGrp="1"/>
@@ -7555,13 +7668,7 @@
               <a:rPr lang="pl-PL" dirty="0" smtClean="0">
                 <a:hlinkClick r:id="rId3"/>
               </a:rPr>
-              <a:t>https://web.dev/performance-http2</a:t>
-            </a:r>
-            <a:r>
-              <a:rPr lang="pl-PL" dirty="0" smtClean="0">
-                <a:hlinkClick r:id="rId3"/>
-              </a:rPr>
-              <a:t>/</a:t>
+              <a:t>https://web.dev/performance-http2/</a:t>
             </a:r>
             <a:r>
               <a:rPr lang="pl-PL" dirty="0" smtClean="0"/>
@@ -7579,7 +7686,7 @@
 </p:sld>
 </file>
 
-<file path=ppt/slides/slide15.xml><?xml version="1.0" encoding="utf-8"?>
+<file path=ppt/slides/slide16.xml><?xml version="1.0" encoding="utf-8"?>
 <p:sld xmlns:a="http://schemas.openxmlformats.org/drawingml/2006/main" xmlns:r="http://schemas.openxmlformats.org/officeDocument/2006/relationships" xmlns:p="http://schemas.openxmlformats.org/presentationml/2006/main">
   <p:cSld>
     <p:spTree>
@@ -7715,13 +7822,7 @@
               <a:rPr lang="pl-PL" dirty="0" smtClean="0">
                 <a:hlinkClick r:id="rId4"/>
               </a:rPr>
-              <a:t>https://</a:t>
-            </a:r>
-            <a:r>
-              <a:rPr lang="pl-PL" dirty="0" smtClean="0">
-                <a:hlinkClick r:id="rId4"/>
-              </a:rPr>
-              <a:t>fulmanski.pl/zajecia/ics/tcpip/opis.htm</a:t>
+              <a:t>https://fulmanski.pl/zajecia/ics/tcpip/opis.htm</a:t>
             </a:r>
             <a:r>
               <a:rPr lang="pl-PL" dirty="0" smtClean="0"/>
@@ -7739,7 +7840,7 @@
 </p:sld>
 </file>
 
-<file path=ppt/slides/slide16.xml><?xml version="1.0" encoding="utf-8"?>
+<file path=ppt/slides/slide17.xml><?xml version="1.0" encoding="utf-8"?>
 <p:sld xmlns:a="http://schemas.openxmlformats.org/drawingml/2006/main" xmlns:r="http://schemas.openxmlformats.org/officeDocument/2006/relationships" xmlns:p="http://schemas.openxmlformats.org/presentationml/2006/main">
   <p:cSld>
     <p:spTree>
@@ -7821,7 +7922,7 @@
 </p:sld>
 </file>
 
-<file path=ppt/slides/slide17.xml><?xml version="1.0" encoding="utf-8"?>
+<file path=ppt/slides/slide18.xml><?xml version="1.0" encoding="utf-8"?>
 <p:sld xmlns:a="http://schemas.openxmlformats.org/drawingml/2006/main" xmlns:r="http://schemas.openxmlformats.org/officeDocument/2006/relationships" xmlns:p="http://schemas.openxmlformats.org/presentationml/2006/main">
   <p:cSld>
     <p:spTree>
@@ -7887,13 +7988,7 @@
               <a:rPr lang="pl-PL" sz="1200" dirty="0" smtClean="0">
                 <a:hlinkClick r:id="rId2"/>
               </a:rPr>
-              <a:t>https://</a:t>
-            </a:r>
-            <a:r>
-              <a:rPr lang="pl-PL" sz="1200" dirty="0" smtClean="0">
-                <a:hlinkClick r:id="rId2"/>
-              </a:rPr>
-              <a:t>www.st.com/en/evaluation-tools/nucleo-f767zi.html</a:t>
+              <a:t>https://www.st.com/en/evaluation-tools/nucleo-f767zi.html</a:t>
             </a:r>
             <a:r>
               <a:rPr lang="pl-PL" sz="1200" dirty="0" smtClean="0"/>
@@ -8042,7 +8137,7 @@
 </p:sld>
 </file>
 
-<file path=ppt/slides/slide18.xml><?xml version="1.0" encoding="utf-8"?>
+<file path=ppt/slides/slide19.xml><?xml version="1.0" encoding="utf-8"?>
 <p:sld xmlns:a="http://schemas.openxmlformats.org/drawingml/2006/main" xmlns:r="http://schemas.openxmlformats.org/officeDocument/2006/relationships" xmlns:p="http://schemas.openxmlformats.org/presentationml/2006/main">
   <p:cSld>
     <p:spTree>
@@ -8149,255 +8244,6 @@
           </a:p>
         </p:txBody>
       </p:sp>
-    </p:spTree>
-  </p:cSld>
-  <p:clrMapOvr>
-    <a:masterClrMapping/>
-  </p:clrMapOvr>
-</p:sld>
-</file>
-
-<file path=ppt/slides/slide19.xml><?xml version="1.0" encoding="utf-8"?>
-<p:sld xmlns:a="http://schemas.openxmlformats.org/drawingml/2006/main" xmlns:r="http://schemas.openxmlformats.org/officeDocument/2006/relationships" xmlns:p="http://schemas.openxmlformats.org/presentationml/2006/main">
-  <p:cSld>
-    <p:spTree>
-      <p:nvGrpSpPr>
-        <p:cNvPr id="1" name=""/>
-        <p:cNvGrpSpPr/>
-        <p:nvPr/>
-      </p:nvGrpSpPr>
-      <p:grpSpPr>
-        <a:xfrm>
-          <a:off x="0" y="0"/>
-          <a:ext cx="0" cy="0"/>
-          <a:chOff x="0" y="0"/>
-          <a:chExt cx="0" cy="0"/>
-        </a:xfrm>
-      </p:grpSpPr>
-      <p:sp>
-        <p:nvSpPr>
-          <p:cNvPr id="3" name="Tytuł 2"/>
-          <p:cNvSpPr>
-            <a:spLocks noGrp="1"/>
-          </p:cNvSpPr>
-          <p:nvPr>
-            <p:ph type="title"/>
-          </p:nvPr>
-        </p:nvSpPr>
-        <p:spPr/>
-        <p:txBody>
-          <a:bodyPr/>
-          <a:lstStyle/>
-          <a:p>
-            <a:pPr algn="ctr"/>
-            <a:r>
-              <a:rPr lang="pl-PL" dirty="0" smtClean="0"/>
-              <a:t>MII </a:t>
-            </a:r>
-            <a:r>
-              <a:rPr lang="pl-PL" dirty="0" err="1" smtClean="0"/>
-              <a:t>vs</a:t>
-            </a:r>
-            <a:r>
-              <a:rPr lang="pl-PL" dirty="0" smtClean="0"/>
-              <a:t> RMII</a:t>
-            </a:r>
-            <a:endParaRPr lang="pl-PL" dirty="0"/>
-          </a:p>
-        </p:txBody>
-      </p:sp>
-      <p:sp>
-        <p:nvSpPr>
-          <p:cNvPr id="4" name="pole tekstowe 3"/>
-          <p:cNvSpPr txBox="1"/>
-          <p:nvPr/>
-        </p:nvSpPr>
-        <p:spPr>
-          <a:xfrm>
-            <a:off x="3857620" y="6286520"/>
-            <a:ext cx="4807726" cy="461665"/>
-          </a:xfrm>
-          <a:prstGeom prst="rect">
-            <a:avLst/>
-          </a:prstGeom>
-          <a:noFill/>
-        </p:spPr>
-        <p:txBody>
-          <a:bodyPr wrap="none" rtlCol="0">
-            <a:spAutoFit/>
-          </a:bodyPr>
-          <a:lstStyle/>
-          <a:p>
-            <a:r>
-              <a:rPr lang="pl-PL" sz="600" dirty="0" smtClean="0">
-                <a:hlinkClick r:id="rId2"/>
-              </a:rPr>
-              <a:t>https://</a:t>
-            </a:r>
-            <a:r>
-              <a:rPr lang="pl-PL" sz="600" dirty="0" smtClean="0">
-                <a:hlinkClick r:id="rId2"/>
-              </a:rPr>
-              <a:t>blog.51cto.com/u_15162069/2762519</a:t>
-            </a:r>
-            <a:r>
-              <a:rPr lang="pl-PL" sz="600" dirty="0" smtClean="0"/>
-              <a:t/>
-            </a:r>
-            <a:br>
-              <a:rPr lang="pl-PL" sz="600" dirty="0" smtClean="0"/>
-            </a:br>
-            <a:r>
-              <a:rPr lang="pl-PL" sz="600" dirty="0" smtClean="0">
-                <a:hlinkClick r:id="rId3"/>
-              </a:rPr>
-              <a:t>https://blog-51cto-com.translate.goog/u_15162069/2762519?_x_tr_sl=zh-TW&amp;_x_tr_tl=pl&amp;_x_tr_hl=pl&amp;_</a:t>
-            </a:r>
-            <a:r>
-              <a:rPr lang="pl-PL" sz="600" dirty="0" smtClean="0">
-                <a:hlinkClick r:id="rId3"/>
-              </a:rPr>
-              <a:t>x_tr_pto=wapp</a:t>
-            </a:r>
-            <a:r>
-              <a:rPr lang="pl-PL" sz="600" dirty="0" smtClean="0"/>
-              <a:t> </a:t>
-            </a:r>
-            <a:br>
-              <a:rPr lang="pl-PL" sz="600" dirty="0" smtClean="0"/>
-            </a:br>
-            <a:r>
-              <a:rPr lang="pl-PL" sz="600" dirty="0" smtClean="0"/>
-              <a:t/>
-            </a:r>
-            <a:br>
-              <a:rPr lang="pl-PL" sz="600" dirty="0" smtClean="0"/>
-            </a:br>
-            <a:r>
-              <a:rPr lang="pl-PL" sz="600" dirty="0" smtClean="0"/>
-              <a:t>Przetłumaczyć </a:t>
-            </a:r>
-            <a:r>
-              <a:rPr lang="pl-PL" sz="600" dirty="0" err="1" smtClean="0"/>
-              <a:t>google</a:t>
-            </a:r>
-            <a:r>
-              <a:rPr lang="pl-PL" sz="600" dirty="0" smtClean="0"/>
-              <a:t> tłumaczem </a:t>
-            </a:r>
-            <a:r>
-              <a:rPr lang="pl-PL" sz="600" dirty="0" smtClean="0">
-                <a:sym typeface="Wingdings" pitchFamily="2" charset="2"/>
-              </a:rPr>
-              <a:t> </a:t>
-            </a:r>
-            <a:r>
-              <a:rPr lang="pl-PL" sz="600" dirty="0" smtClean="0"/>
-              <a:t> </a:t>
-            </a:r>
-            <a:endParaRPr lang="pl-PL" sz="600" dirty="0"/>
-          </a:p>
-        </p:txBody>
-      </p:sp>
-      <p:pic>
-        <p:nvPicPr>
-          <p:cNvPr id="15364" name="Picture 4"/>
-          <p:cNvPicPr>
-            <a:picLocks noChangeAspect="1" noChangeArrowheads="1"/>
-          </p:cNvPicPr>
-          <p:nvPr/>
-        </p:nvPicPr>
-        <p:blipFill>
-          <a:blip r:embed="rId4"/>
-          <a:srcRect/>
-          <a:stretch>
-            <a:fillRect/>
-          </a:stretch>
-        </p:blipFill>
-        <p:spPr bwMode="auto">
-          <a:xfrm>
-            <a:off x="4071934" y="1500174"/>
-            <a:ext cx="3895725" cy="2352675"/>
-          </a:xfrm>
-          <a:prstGeom prst="rect">
-            <a:avLst/>
-          </a:prstGeom>
-          <a:noFill/>
-          <a:ln w="9525">
-            <a:noFill/>
-            <a:miter lim="800000"/>
-            <a:headEnd/>
-            <a:tailEnd/>
-          </a:ln>
-          <a:effectLst/>
-        </p:spPr>
-      </p:pic>
-      <p:pic>
-        <p:nvPicPr>
-          <p:cNvPr id="15365" name="Picture 5"/>
-          <p:cNvPicPr>
-            <a:picLocks noChangeAspect="1" noChangeArrowheads="1"/>
-          </p:cNvPicPr>
-          <p:nvPr/>
-        </p:nvPicPr>
-        <p:blipFill>
-          <a:blip r:embed="rId5"/>
-          <a:srcRect/>
-          <a:stretch>
-            <a:fillRect/>
-          </a:stretch>
-        </p:blipFill>
-        <p:spPr bwMode="auto">
-          <a:xfrm>
-            <a:off x="428597" y="1428736"/>
-            <a:ext cx="3143272" cy="3280609"/>
-          </a:xfrm>
-          <a:prstGeom prst="rect">
-            <a:avLst/>
-          </a:prstGeom>
-          <a:noFill/>
-          <a:ln w="9525">
-            <a:noFill/>
-            <a:miter lim="800000"/>
-            <a:headEnd/>
-            <a:tailEnd/>
-          </a:ln>
-          <a:effectLst/>
-        </p:spPr>
-      </p:pic>
-      <p:pic>
-        <p:nvPicPr>
-          <p:cNvPr id="15366" name="Picture 6"/>
-          <p:cNvPicPr>
-            <a:picLocks noChangeAspect="1" noChangeArrowheads="1"/>
-          </p:cNvPicPr>
-          <p:nvPr/>
-        </p:nvPicPr>
-        <p:blipFill>
-          <a:blip r:embed="rId6"/>
-          <a:srcRect/>
-          <a:stretch>
-            <a:fillRect/>
-          </a:stretch>
-        </p:blipFill>
-        <p:spPr bwMode="auto">
-          <a:xfrm>
-            <a:off x="3760414" y="3929066"/>
-            <a:ext cx="5383586" cy="2071702"/>
-          </a:xfrm>
-          <a:prstGeom prst="rect">
-            <a:avLst/>
-          </a:prstGeom>
-          <a:noFill/>
-          <a:ln w="9525">
-            <a:noFill/>
-            <a:miter lim="800000"/>
-            <a:headEnd/>
-            <a:tailEnd/>
-          </a:ln>
-          <a:effectLst/>
-        </p:spPr>
-      </p:pic>
     </p:spTree>
   </p:cSld>
   <p:clrMapOvr>
@@ -8510,13 +8356,7 @@
               <a:rPr lang="pl-PL" sz="1200" dirty="0" smtClean="0">
                 <a:hlinkClick r:id="rId3"/>
               </a:rPr>
-              <a:t>https://</a:t>
-            </a:r>
-            <a:r>
-              <a:rPr lang="pl-PL" sz="1200" dirty="0" smtClean="0">
-                <a:hlinkClick r:id="rId3"/>
-              </a:rPr>
-              <a:t>www.gr8ambitionz.com/2015/12/</a:t>
+              <a:t>https://www.gr8ambitionz.com/2015/12/</a:t>
             </a:r>
             <a:r>
               <a:rPr lang="pl-PL" sz="1200" dirty="0" err="1" smtClean="0">
@@ -8591,13 +8431,7 @@
               <a:rPr lang="pl-PL" sz="1200" dirty="0" smtClean="0">
                 <a:hlinkClick r:id="rId5"/>
               </a:rPr>
-              <a:t>https://</a:t>
-            </a:r>
-            <a:r>
-              <a:rPr lang="pl-PL" sz="1200" dirty="0" smtClean="0">
-                <a:hlinkClick r:id="rId5"/>
-              </a:rPr>
-              <a:t>www.darkrelay.com/post/tcp-ip-model</a:t>
+              <a:t>https://www.darkrelay.com/post/tcp-ip-model</a:t>
             </a:r>
             <a:r>
               <a:rPr lang="pl-PL" sz="1200" dirty="0" smtClean="0"/>
@@ -8666,13 +8500,7 @@
               <a:rPr lang="pl-PL" sz="1200" dirty="0" smtClean="0">
                 <a:hlinkClick r:id="rId7"/>
               </a:rPr>
-              <a:t>https://people.cs.pitt.edu/~</a:t>
-            </a:r>
-            <a:r>
-              <a:rPr lang="pl-PL" sz="1200" dirty="0" smtClean="0">
-                <a:hlinkClick r:id="rId7"/>
-              </a:rPr>
-              <a:t>xianeizhang/notes/network.html</a:t>
+              <a:t>https://people.cs.pitt.edu/~xianeizhang/notes/network.html</a:t>
             </a:r>
             <a:r>
               <a:rPr lang="pl-PL" sz="1200" dirty="0" smtClean="0"/>
@@ -8741,13 +8569,7 @@
               <a:rPr lang="pl-PL" sz="500" dirty="0" smtClean="0">
                 <a:hlinkClick r:id="rId9"/>
               </a:rPr>
-              <a:t>https://</a:t>
-            </a:r>
-            <a:r>
-              <a:rPr lang="pl-PL" sz="500" dirty="0" smtClean="0">
-                <a:hlinkClick r:id="rId9"/>
-              </a:rPr>
-              <a:t>www.khanacademy.org/computing/computers-and-internet/xcae6f4a7ff015e7d:the-internet/xcae6f4a7ff015e7d:the-internet-protocol-suite/a/the-internet-protocols</a:t>
+              <a:t>https://www.khanacademy.org/computing/computers-and-internet/xcae6f4a7ff015e7d:the-internet/xcae6f4a7ff015e7d:the-internet-protocol-suite/a/the-internet-protocols</a:t>
             </a:r>
             <a:r>
               <a:rPr lang="pl-PL" sz="500" dirty="0" smtClean="0"/>
@@ -8791,341 +8613,7 @@
       </p:grpSpPr>
       <p:sp>
         <p:nvSpPr>
-          <p:cNvPr id="3" name="Symbol zastępczy zawartości 2"/>
-          <p:cNvSpPr>
-            <a:spLocks noGrp="1"/>
-          </p:cNvSpPr>
-          <p:nvPr>
-            <p:ph idx="1"/>
-          </p:nvPr>
-        </p:nvSpPr>
-        <p:spPr/>
-        <p:txBody>
-          <a:bodyPr>
-            <a:normAutofit fontScale="70000" lnSpcReduction="20000"/>
-          </a:bodyPr>
-          <a:lstStyle/>
-          <a:p>
-            <a:r>
-              <a:rPr lang="pl-PL" sz="1600" dirty="0" smtClean="0"/>
-              <a:t>powszechnie stosowany otwarty stos TCP/IP, zaprojektowany dla systemów wbudowanych. </a:t>
-            </a:r>
-            <a:r>
-              <a:rPr lang="pl-PL" sz="1600" dirty="0" err="1" smtClean="0"/>
-              <a:t>lwIP</a:t>
-            </a:r>
-            <a:r>
-              <a:rPr lang="pl-PL" sz="1600" dirty="0" smtClean="0"/>
-              <a:t> został pierwotnie opracowany przez Adama </a:t>
-            </a:r>
-            <a:r>
-              <a:rPr lang="pl-PL" sz="1600" dirty="0" err="1" smtClean="0"/>
-              <a:t>Dunkelsa</a:t>
-            </a:r>
-            <a:r>
-              <a:rPr lang="pl-PL" sz="1600" dirty="0" smtClean="0"/>
-              <a:t> w Szwedzkim Instytucie Informatyki i obecnie jest rozwijany i wspierany przez programistów z całego </a:t>
-            </a:r>
-            <a:r>
-              <a:rPr lang="pl-PL" sz="1600" dirty="0" err="1" smtClean="0"/>
-              <a:t>świata.lwIP</a:t>
-            </a:r>
-            <a:r>
-              <a:rPr lang="pl-PL" sz="1600" dirty="0" smtClean="0"/>
-              <a:t> </a:t>
-            </a:r>
-            <a:r>
-              <a:rPr lang="pl-PL" sz="1600" dirty="0" smtClean="0"/>
-              <a:t>jest używany przez wielu producentów systemów wbudowanych. Jako przykłady można podać </a:t>
-            </a:r>
-            <a:r>
-              <a:rPr lang="pl-PL" sz="1600" dirty="0" err="1" smtClean="0"/>
-              <a:t>Аlterа</a:t>
-            </a:r>
-            <a:r>
-              <a:rPr lang="pl-PL" sz="1600" dirty="0" smtClean="0"/>
-              <a:t> (w systemie operacyjnym </a:t>
-            </a:r>
-            <a:r>
-              <a:rPr lang="pl-PL" sz="1600" dirty="0" err="1" smtClean="0"/>
-              <a:t>Nios</a:t>
-            </a:r>
-            <a:r>
-              <a:rPr lang="pl-PL" sz="1600" dirty="0" smtClean="0"/>
-              <a:t> II), Analog Devices (dla </a:t>
-            </a:r>
-            <a:r>
-              <a:rPr lang="pl-PL" sz="1600" dirty="0" err="1" smtClean="0"/>
-              <a:t>czipów</a:t>
-            </a:r>
-            <a:r>
-              <a:rPr lang="pl-PL" sz="1600" dirty="0" smtClean="0"/>
-              <a:t> </a:t>
-            </a:r>
-            <a:r>
-              <a:rPr lang="pl-PL" sz="1600" dirty="0" err="1" smtClean="0"/>
-              <a:t>Blackfin</a:t>
-            </a:r>
-            <a:r>
-              <a:rPr lang="pl-PL" sz="1600" dirty="0" smtClean="0"/>
-              <a:t> DSP[1]), firmę </a:t>
-            </a:r>
-            <a:r>
-              <a:rPr lang="pl-PL" sz="1600" dirty="0" err="1" smtClean="0"/>
-              <a:t>Xilinx</a:t>
-            </a:r>
-            <a:r>
-              <a:rPr lang="pl-PL" sz="1600" dirty="0" smtClean="0"/>
-              <a:t>[2], Honeywell (dla systemów lotniczych certyfikowanych przez FAA) i </a:t>
-            </a:r>
-            <a:r>
-              <a:rPr lang="pl-PL" sz="1600" dirty="0" err="1" smtClean="0"/>
-              <a:t>Freescale</a:t>
-            </a:r>
-            <a:r>
-              <a:rPr lang="pl-PL" sz="1600" dirty="0" smtClean="0"/>
-              <a:t> Semiconductor (rozwiązania dla Automotive) oraz </a:t>
-            </a:r>
-            <a:r>
-              <a:rPr lang="pl-PL" sz="1600" dirty="0" err="1" smtClean="0"/>
-              <a:t>STMicroelectronics</a:t>
-            </a:r>
-            <a:r>
-              <a:rPr lang="pl-PL" sz="1600" dirty="0" smtClean="0"/>
-              <a:t>.</a:t>
-            </a:r>
-          </a:p>
-          <a:p>
-            <a:endParaRPr lang="pl-PL" sz="1600" dirty="0" smtClean="0"/>
-          </a:p>
-          <a:p>
-            <a:pPr>
-              <a:buNone/>
-            </a:pPr>
-            <a:r>
-              <a:rPr lang="pl-PL" sz="1600" dirty="0" smtClean="0"/>
-              <a:t>Cechy stosu:</a:t>
-            </a:r>
-            <a:endParaRPr lang="pl-PL" sz="1600" dirty="0" smtClean="0"/>
-          </a:p>
-          <a:p>
-            <a:r>
-              <a:rPr lang="pl-PL" sz="1600" dirty="0" smtClean="0"/>
-              <a:t>IP (Internet </a:t>
-            </a:r>
-            <a:r>
-              <a:rPr lang="pl-PL" sz="1600" dirty="0" err="1" smtClean="0"/>
-              <a:t>protocol</a:t>
-            </a:r>
-            <a:r>
-              <a:rPr lang="pl-PL" sz="1600" dirty="0" smtClean="0"/>
-              <a:t>), w tym przekazywanie pakietów pomiędzy kilkoma interfejsami sieciowymi</a:t>
-            </a:r>
-            <a:endParaRPr lang="pl-PL" sz="1600" dirty="0" smtClean="0"/>
-          </a:p>
-          <a:p>
-            <a:r>
-              <a:rPr lang="pl-PL" sz="1600" dirty="0" smtClean="0"/>
-              <a:t>Protokół ICMP (</a:t>
-            </a:r>
-            <a:r>
-              <a:rPr lang="pl-PL" sz="1600" dirty="0" err="1" smtClean="0"/>
-              <a:t>ICMP</a:t>
-            </a:r>
-            <a:r>
-              <a:rPr lang="pl-PL" sz="1600" dirty="0" smtClean="0"/>
-              <a:t>) do utrzymania sieci i </a:t>
-            </a:r>
-            <a:r>
-              <a:rPr lang="pl-PL" sz="1600" dirty="0" err="1" smtClean="0"/>
-              <a:t>debugowania</a:t>
-            </a:r>
-            <a:endParaRPr lang="pl-PL" sz="1600" dirty="0" smtClean="0"/>
-          </a:p>
-          <a:p>
-            <a:r>
-              <a:rPr lang="pl-PL" sz="1600" dirty="0" smtClean="0"/>
-              <a:t>Protokół IGMP (ang. Internet Group Management </a:t>
-            </a:r>
-            <a:r>
-              <a:rPr lang="pl-PL" sz="1600" dirty="0" err="1" smtClean="0"/>
-              <a:t>Protocol</a:t>
-            </a:r>
-            <a:r>
-              <a:rPr lang="pl-PL" sz="1600" dirty="0" smtClean="0"/>
-              <a:t>) do zarządzania grupami </a:t>
-            </a:r>
-            <a:r>
-              <a:rPr lang="pl-PL" sz="1600" dirty="0" err="1" smtClean="0"/>
-              <a:t>multicastowymi</a:t>
-            </a:r>
-            <a:r>
-              <a:rPr lang="pl-PL" sz="1600" dirty="0" smtClean="0"/>
-              <a:t> w sieci</a:t>
-            </a:r>
-          </a:p>
-          <a:p>
-            <a:pPr>
-              <a:buNone/>
-            </a:pPr>
-            <a:endParaRPr lang="pl-PL" sz="1600" dirty="0" smtClean="0"/>
-          </a:p>
-          <a:p>
-            <a:pPr>
-              <a:buNone/>
-            </a:pPr>
-            <a:r>
-              <a:rPr lang="pl-PL" sz="1600" dirty="0" smtClean="0"/>
-              <a:t>Warstwa transportowa</a:t>
-            </a:r>
-            <a:endParaRPr lang="pl-PL" sz="1600" dirty="0" smtClean="0"/>
-          </a:p>
-          <a:p>
-            <a:r>
-              <a:rPr lang="pl-PL" sz="1600" dirty="0" smtClean="0"/>
-              <a:t>Protokół UDP (protokół pakietów użytkownika)</a:t>
-            </a:r>
-          </a:p>
-          <a:p>
-            <a:r>
-              <a:rPr lang="pl-PL" sz="1600" dirty="0" smtClean="0"/>
-              <a:t>Protokół TCP (ang. </a:t>
-            </a:r>
-            <a:r>
-              <a:rPr lang="pl-PL" sz="1600" dirty="0" err="1" smtClean="0"/>
-              <a:t>Transmission</a:t>
-            </a:r>
-            <a:r>
-              <a:rPr lang="pl-PL" sz="1600" dirty="0" smtClean="0"/>
-              <a:t> </a:t>
-            </a:r>
-            <a:r>
-              <a:rPr lang="pl-PL" sz="1600" dirty="0" err="1" smtClean="0"/>
-              <a:t>Control</a:t>
-            </a:r>
-            <a:r>
-              <a:rPr lang="pl-PL" sz="1600" dirty="0" smtClean="0"/>
-              <a:t> </a:t>
-            </a:r>
-            <a:r>
-              <a:rPr lang="pl-PL" sz="1600" dirty="0" err="1" smtClean="0"/>
-              <a:t>Protocol</a:t>
-            </a:r>
-            <a:r>
-              <a:rPr lang="pl-PL" sz="1600" dirty="0" smtClean="0"/>
-              <a:t>)</a:t>
-            </a:r>
-          </a:p>
-          <a:p>
-            <a:pPr>
-              <a:buNone/>
-            </a:pPr>
-            <a:endParaRPr lang="pl-PL" sz="1600" dirty="0" smtClean="0"/>
-          </a:p>
-          <a:p>
-            <a:pPr>
-              <a:buNone/>
-            </a:pPr>
-            <a:r>
-              <a:rPr lang="pl-PL" sz="1600" dirty="0" smtClean="0"/>
-              <a:t>Warstwa </a:t>
-            </a:r>
-            <a:r>
-              <a:rPr lang="pl-PL" sz="1600" dirty="0" smtClean="0"/>
-              <a:t>aplikacji</a:t>
-            </a:r>
-            <a:endParaRPr lang="pl-PL" sz="1600" dirty="0" smtClean="0"/>
-          </a:p>
-          <a:p>
-            <a:r>
-              <a:rPr lang="pl-PL" sz="1600" dirty="0" smtClean="0"/>
-              <a:t>DNS (system nazw domenowych)</a:t>
-            </a:r>
-          </a:p>
-          <a:p>
-            <a:r>
-              <a:rPr lang="pl-PL" sz="1600" dirty="0" smtClean="0"/>
-              <a:t>Protokół SNMP (ang. Simple Network Management </a:t>
-            </a:r>
-            <a:r>
-              <a:rPr lang="pl-PL" sz="1600" dirty="0" err="1" smtClean="0"/>
-              <a:t>Protocol</a:t>
-            </a:r>
-            <a:r>
-              <a:rPr lang="pl-PL" sz="1600" dirty="0" smtClean="0"/>
-              <a:t>)</a:t>
-            </a:r>
-          </a:p>
-          <a:p>
-            <a:r>
-              <a:rPr lang="pl-PL" sz="1600" dirty="0" smtClean="0"/>
-              <a:t>Protokół DHCP (protokół dynamicznego konfigurowania hostów)</a:t>
-            </a:r>
-          </a:p>
-          <a:p>
-            <a:pPr>
-              <a:buNone/>
-            </a:pPr>
-            <a:r>
-              <a:rPr lang="pl-PL" sz="1600" dirty="0" smtClean="0"/>
-              <a:t>Warstwa </a:t>
-            </a:r>
-            <a:r>
-              <a:rPr lang="pl-PL" sz="1600" dirty="0" smtClean="0"/>
-              <a:t>łącza</a:t>
-            </a:r>
-            <a:endParaRPr lang="pl-PL" sz="1600" dirty="0" smtClean="0"/>
-          </a:p>
-          <a:p>
-            <a:r>
-              <a:rPr lang="pl-PL" sz="1600" dirty="0" smtClean="0"/>
-              <a:t>PPP (</a:t>
-            </a:r>
-            <a:r>
-              <a:rPr lang="pl-PL" sz="1600" dirty="0" err="1" smtClean="0"/>
-              <a:t>point-to-point</a:t>
-            </a:r>
-            <a:r>
-              <a:rPr lang="pl-PL" sz="1600" dirty="0" smtClean="0"/>
-              <a:t> </a:t>
-            </a:r>
-            <a:r>
-              <a:rPr lang="pl-PL" sz="1600" dirty="0" err="1" smtClean="0"/>
-              <a:t>protocol</a:t>
-            </a:r>
-            <a:r>
-              <a:rPr lang="pl-PL" sz="1600" dirty="0" smtClean="0"/>
-              <a:t>)</a:t>
-            </a:r>
-          </a:p>
-          <a:p>
-            <a:r>
-              <a:rPr lang="pl-PL" sz="1600" dirty="0" smtClean="0"/>
-              <a:t>Protokół ARP (ang. </a:t>
-            </a:r>
-            <a:r>
-              <a:rPr lang="pl-PL" sz="1600" dirty="0" err="1" smtClean="0"/>
-              <a:t>Address</a:t>
-            </a:r>
-            <a:r>
-              <a:rPr lang="pl-PL" sz="1600" dirty="0" smtClean="0"/>
-              <a:t> Resolution </a:t>
-            </a:r>
-            <a:r>
-              <a:rPr lang="pl-PL" sz="1600" dirty="0" err="1" smtClean="0"/>
-              <a:t>Protocol</a:t>
-            </a:r>
-            <a:r>
-              <a:rPr lang="pl-PL" sz="1600" dirty="0" smtClean="0"/>
-              <a:t>) dla sieci Ethernet</a:t>
-            </a:r>
-            <a:endParaRPr lang="pl-PL" sz="1600" dirty="0"/>
-          </a:p>
-        </p:txBody>
-      </p:sp>
-      <p:sp>
-        <p:nvSpPr>
-          <p:cNvPr id="2" name="Tytuł 1"/>
+          <p:cNvPr id="3" name="Tytuł 2"/>
           <p:cNvSpPr>
             <a:spLocks noGrp="1"/>
           </p:cNvSpPr>
@@ -9133,37 +8621,24 @@
             <p:ph type="title"/>
           </p:nvPr>
         </p:nvSpPr>
-        <p:spPr>
-          <a:xfrm>
-            <a:off x="357158" y="500042"/>
-            <a:ext cx="8643966" cy="857256"/>
-          </a:xfrm>
-        </p:spPr>
-        <p:txBody>
-          <a:bodyPr>
-            <a:normAutofit fontScale="90000"/>
-          </a:bodyPr>
+        <p:spPr/>
+        <p:txBody>
+          <a:bodyPr/>
           <a:lstStyle/>
           <a:p>
+            <a:pPr algn="ctr"/>
             <a:r>
               <a:rPr lang="pl-PL" dirty="0" smtClean="0"/>
-              <a:t>Biblioteka LWiP - </a:t>
-            </a:r>
-            <a:r>
-              <a:rPr lang="pl-PL" b="1" dirty="0" err="1" smtClean="0"/>
-              <a:t>Lightweight</a:t>
-            </a:r>
-            <a:r>
-              <a:rPr lang="pl-PL" b="1" dirty="0" smtClean="0"/>
-              <a:t> </a:t>
-            </a:r>
-            <a:r>
-              <a:rPr lang="pl-PL" b="1" dirty="0" smtClean="0"/>
-              <a:t>TCP/IP</a:t>
-            </a:r>
-            <a:br>
-              <a:rPr lang="pl-PL" b="1" dirty="0" smtClean="0"/>
-            </a:br>
+              <a:t>MII </a:t>
+            </a:r>
+            <a:r>
+              <a:rPr lang="pl-PL" dirty="0" err="1" smtClean="0"/>
+              <a:t>vs</a:t>
+            </a:r>
+            <a:r>
+              <a:rPr lang="pl-PL" dirty="0" smtClean="0"/>
+              <a:t> RMII</a:t>
+            </a:r>
             <a:endParaRPr lang="pl-PL" dirty="0"/>
           </a:p>
         </p:txBody>
@@ -9176,8 +8651,8 @@
         </p:nvSpPr>
         <p:spPr>
           <a:xfrm>
-            <a:off x="2500298" y="5929330"/>
-            <a:ext cx="3442289" cy="369332"/>
+            <a:off x="3857620" y="6286520"/>
+            <a:ext cx="4807726" cy="461665"/>
           </a:xfrm>
           <a:prstGeom prst="rect">
             <a:avLst/>
@@ -9191,25 +8666,163 @@
           <a:lstStyle/>
           <a:p>
             <a:r>
-              <a:rPr lang="pl-PL" dirty="0" smtClean="0">
+              <a:rPr lang="pl-PL" sz="600" dirty="0" smtClean="0">
                 <a:hlinkClick r:id="rId2"/>
               </a:rPr>
-              <a:t>https://</a:t>
-            </a:r>
-            <a:r>
-              <a:rPr lang="pl-PL" dirty="0" smtClean="0">
-                <a:hlinkClick r:id="rId2"/>
+              <a:t>https://blog.51cto.com/u_15162069/2762519</a:t>
+            </a:r>
+            <a:r>
+              <a:rPr lang="pl-PL" sz="600" dirty="0" smtClean="0"/>
+              <a:t/>
+            </a:r>
+            <a:br>
+              <a:rPr lang="pl-PL" sz="600" dirty="0" smtClean="0"/>
+            </a:br>
+            <a:r>
+              <a:rPr lang="pl-PL" sz="600" dirty="0" smtClean="0">
+                <a:hlinkClick r:id="rId3"/>
               </a:rPr>
-              <a:t>pl.wikipedia.org/wiki/LwIP</a:t>
-            </a:r>
-            <a:r>
-              <a:rPr lang="pl-PL" dirty="0" smtClean="0"/>
+              <a:t>https://blog-51cto-com.translate.goog/u_15162069/2762519?_x_tr_sl=zh-TW&amp;_x_tr_tl=pl&amp;_x_tr_hl=pl&amp;_x_tr_pto=wapp</a:t>
+            </a:r>
+            <a:r>
+              <a:rPr lang="pl-PL" sz="600" dirty="0" smtClean="0"/>
               <a:t> </a:t>
             </a:r>
-            <a:endParaRPr lang="pl-PL" dirty="0"/>
-          </a:p>
-        </p:txBody>
-      </p:sp>
+            <a:br>
+              <a:rPr lang="pl-PL" sz="600" dirty="0" smtClean="0"/>
+            </a:br>
+            <a:r>
+              <a:rPr lang="pl-PL" sz="600" dirty="0" smtClean="0"/>
+              <a:t/>
+            </a:r>
+            <a:br>
+              <a:rPr lang="pl-PL" sz="600" dirty="0" smtClean="0"/>
+            </a:br>
+            <a:r>
+              <a:rPr lang="pl-PL" sz="600" dirty="0" smtClean="0"/>
+              <a:t>Przetłumaczyć </a:t>
+            </a:r>
+            <a:r>
+              <a:rPr lang="pl-PL" sz="600" dirty="0" err="1" smtClean="0"/>
+              <a:t>google</a:t>
+            </a:r>
+            <a:r>
+              <a:rPr lang="pl-PL" sz="600" dirty="0" smtClean="0"/>
+              <a:t> tłumaczem </a:t>
+            </a:r>
+            <a:r>
+              <a:rPr lang="pl-PL" sz="600" dirty="0" smtClean="0">
+                <a:sym typeface="Wingdings" pitchFamily="2" charset="2"/>
+              </a:rPr>
+              <a:t> </a:t>
+            </a:r>
+            <a:r>
+              <a:rPr lang="pl-PL" sz="600" dirty="0" smtClean="0"/>
+              <a:t> </a:t>
+            </a:r>
+            <a:endParaRPr lang="pl-PL" sz="600" dirty="0"/>
+          </a:p>
+        </p:txBody>
+      </p:sp>
+      <p:pic>
+        <p:nvPicPr>
+          <p:cNvPr id="15364" name="Picture 4"/>
+          <p:cNvPicPr>
+            <a:picLocks noChangeAspect="1" noChangeArrowheads="1"/>
+          </p:cNvPicPr>
+          <p:nvPr/>
+        </p:nvPicPr>
+        <p:blipFill>
+          <a:blip r:embed="rId4"/>
+          <a:srcRect/>
+          <a:stretch>
+            <a:fillRect/>
+          </a:stretch>
+        </p:blipFill>
+        <p:spPr bwMode="auto">
+          <a:xfrm>
+            <a:off x="4071934" y="1500174"/>
+            <a:ext cx="3895725" cy="2352675"/>
+          </a:xfrm>
+          <a:prstGeom prst="rect">
+            <a:avLst/>
+          </a:prstGeom>
+          <a:noFill/>
+          <a:ln w="9525">
+            <a:noFill/>
+            <a:miter lim="800000"/>
+            <a:headEnd/>
+            <a:tailEnd/>
+          </a:ln>
+          <a:effectLst/>
+        </p:spPr>
+      </p:pic>
+      <p:pic>
+        <p:nvPicPr>
+          <p:cNvPr id="15365" name="Picture 5"/>
+          <p:cNvPicPr>
+            <a:picLocks noChangeAspect="1" noChangeArrowheads="1"/>
+          </p:cNvPicPr>
+          <p:nvPr/>
+        </p:nvPicPr>
+        <p:blipFill>
+          <a:blip r:embed="rId5"/>
+          <a:srcRect/>
+          <a:stretch>
+            <a:fillRect/>
+          </a:stretch>
+        </p:blipFill>
+        <p:spPr bwMode="auto">
+          <a:xfrm>
+            <a:off x="428597" y="1428736"/>
+            <a:ext cx="3143272" cy="3280609"/>
+          </a:xfrm>
+          <a:prstGeom prst="rect">
+            <a:avLst/>
+          </a:prstGeom>
+          <a:noFill/>
+          <a:ln w="9525">
+            <a:noFill/>
+            <a:miter lim="800000"/>
+            <a:headEnd/>
+            <a:tailEnd/>
+          </a:ln>
+          <a:effectLst/>
+        </p:spPr>
+      </p:pic>
+      <p:pic>
+        <p:nvPicPr>
+          <p:cNvPr id="15366" name="Picture 6"/>
+          <p:cNvPicPr>
+            <a:picLocks noChangeAspect="1" noChangeArrowheads="1"/>
+          </p:cNvPicPr>
+          <p:nvPr/>
+        </p:nvPicPr>
+        <p:blipFill>
+          <a:blip r:embed="rId6"/>
+          <a:srcRect/>
+          <a:stretch>
+            <a:fillRect/>
+          </a:stretch>
+        </p:blipFill>
+        <p:spPr bwMode="auto">
+          <a:xfrm>
+            <a:off x="3760414" y="3929066"/>
+            <a:ext cx="5383586" cy="2071702"/>
+          </a:xfrm>
+          <a:prstGeom prst="rect">
+            <a:avLst/>
+          </a:prstGeom>
+          <a:noFill/>
+          <a:ln w="9525">
+            <a:noFill/>
+            <a:miter lim="800000"/>
+            <a:headEnd/>
+            <a:tailEnd/>
+          </a:ln>
+          <a:effectLst/>
+        </p:spPr>
+      </p:pic>
     </p:spTree>
   </p:cSld>
   <p:clrMapOvr>
@@ -9237,7 +8850,7 @@
       </p:grpSpPr>
       <p:sp>
         <p:nvSpPr>
-          <p:cNvPr id="2" name="Symbol zastępczy zawartości 1"/>
+          <p:cNvPr id="3" name="Symbol zastępczy zawartości 2"/>
           <p:cNvSpPr>
             <a:spLocks noGrp="1"/>
           </p:cNvSpPr>
@@ -9245,100 +8858,316 @@
             <p:ph idx="1"/>
           </p:nvPr>
         </p:nvSpPr>
-        <p:spPr>
-          <a:xfrm>
-            <a:off x="428596" y="1500174"/>
-            <a:ext cx="8229600" cy="4525963"/>
-          </a:xfrm>
-        </p:spPr>
+        <p:spPr/>
         <p:txBody>
           <a:bodyPr>
-            <a:normAutofit fontScale="92500" lnSpcReduction="20000"/>
+            <a:normAutofit fontScale="70000" lnSpcReduction="20000"/>
           </a:bodyPr>
           <a:lstStyle/>
           <a:p>
             <a:r>
-              <a:rPr lang="pl-PL" dirty="0" smtClean="0"/>
-              <a:t>Podczas implementacji będziemy bazować na sterowniku </a:t>
-            </a:r>
-            <a:r>
-              <a:rPr lang="pl-PL" dirty="0" smtClean="0"/>
-              <a:t>udostępnionym przez ST:</a:t>
-            </a:r>
-            <a:br>
-              <a:rPr lang="pl-PL" dirty="0" smtClean="0"/>
-            </a:br>
-            <a:r>
-              <a:rPr lang="pl-PL" dirty="0" smtClean="0"/>
+              <a:rPr lang="pl-PL" sz="1600" dirty="0" smtClean="0"/>
+              <a:t>powszechnie stosowany otwarty stos TCP/IP, zaprojektowany dla systemów wbudowanych. </a:t>
+            </a:r>
+            <a:r>
+              <a:rPr lang="pl-PL" sz="1600" dirty="0" err="1" smtClean="0"/>
+              <a:t>lwIP</a:t>
+            </a:r>
+            <a:r>
+              <a:rPr lang="pl-PL" sz="1600" dirty="0" smtClean="0"/>
+              <a:t> został pierwotnie opracowany przez Adama </a:t>
+            </a:r>
+            <a:r>
+              <a:rPr lang="pl-PL" sz="1600" dirty="0" err="1" smtClean="0"/>
+              <a:t>Dunkelsa</a:t>
+            </a:r>
+            <a:r>
+              <a:rPr lang="pl-PL" sz="1600" dirty="0" smtClean="0"/>
+              <a:t> w Szwedzkim Instytucie Informatyki i obecnie jest rozwijany i wspierany przez programistów z całego </a:t>
+            </a:r>
+            <a:r>
+              <a:rPr lang="pl-PL" sz="1600" dirty="0" err="1" smtClean="0"/>
+              <a:t>świata.lwIP</a:t>
+            </a:r>
+            <a:r>
+              <a:rPr lang="pl-PL" sz="1600" dirty="0" smtClean="0"/>
+              <a:t> jest używany przez wielu producentów systemów wbudowanych. Jako przykłady można podać </a:t>
+            </a:r>
+            <a:r>
+              <a:rPr lang="pl-PL" sz="1600" dirty="0" err="1" smtClean="0"/>
+              <a:t>Аlterа</a:t>
+            </a:r>
+            <a:r>
+              <a:rPr lang="pl-PL" sz="1600" dirty="0" smtClean="0"/>
+              <a:t> (w systemie operacyjnym </a:t>
+            </a:r>
+            <a:r>
+              <a:rPr lang="pl-PL" sz="1600" dirty="0" err="1" smtClean="0"/>
+              <a:t>Nios</a:t>
+            </a:r>
+            <a:r>
+              <a:rPr lang="pl-PL" sz="1600" dirty="0" smtClean="0"/>
+              <a:t> II), Analog Devices (dla </a:t>
+            </a:r>
+            <a:r>
+              <a:rPr lang="pl-PL" sz="1600" dirty="0" err="1" smtClean="0"/>
+              <a:t>czipów</a:t>
+            </a:r>
+            <a:r>
+              <a:rPr lang="pl-PL" sz="1600" dirty="0" smtClean="0"/>
               <a:t> </a:t>
             </a:r>
             <a:r>
-              <a:rPr lang="pl-PL" dirty="0" smtClean="0">
-                <a:hlinkClick r:id="rId2"/>
-              </a:rPr>
-              <a:t>https://</a:t>
-            </a:r>
-            <a:r>
-              <a:rPr lang="pl-PL" dirty="0" smtClean="0">
-                <a:hlinkClick r:id="rId2"/>
-              </a:rPr>
-              <a:t>www.st.com/en/embedded-software/stsw-stm32070.html#get-software</a:t>
-            </a:r>
-            <a:r>
-              <a:rPr lang="pl-PL" dirty="0" smtClean="0"/>
+              <a:rPr lang="pl-PL" sz="1600" dirty="0" err="1" smtClean="0"/>
+              <a:t>Blackfin</a:t>
+            </a:r>
+            <a:r>
+              <a:rPr lang="pl-PL" sz="1600" dirty="0" smtClean="0"/>
+              <a:t> DSP[1]), firmę </a:t>
+            </a:r>
+            <a:r>
+              <a:rPr lang="pl-PL" sz="1600" dirty="0" err="1" smtClean="0"/>
+              <a:t>Xilinx</a:t>
+            </a:r>
+            <a:r>
+              <a:rPr lang="pl-PL" sz="1600" dirty="0" smtClean="0"/>
+              <a:t>[2], Honeywell (dla systemów lotniczych certyfikowanych przez FAA) i </a:t>
+            </a:r>
+            <a:r>
+              <a:rPr lang="pl-PL" sz="1600" dirty="0" err="1" smtClean="0"/>
+              <a:t>Freescale</a:t>
+            </a:r>
+            <a:r>
+              <a:rPr lang="pl-PL" sz="1600" dirty="0" smtClean="0"/>
+              <a:t> Semiconductor (rozwiązania dla Automotive) oraz </a:t>
+            </a:r>
+            <a:r>
+              <a:rPr lang="pl-PL" sz="1600" dirty="0" err="1" smtClean="0"/>
+              <a:t>STMicroelectronics</a:t>
+            </a:r>
+            <a:r>
+              <a:rPr lang="pl-PL" sz="1600" dirty="0" smtClean="0"/>
+              <a:t>.</a:t>
+            </a:r>
+          </a:p>
+          <a:p>
+            <a:endParaRPr lang="pl-PL" sz="1600" dirty="0" smtClean="0"/>
+          </a:p>
+          <a:p>
+            <a:pPr>
+              <a:buNone/>
+            </a:pPr>
+            <a:r>
+              <a:rPr lang="pl-PL" sz="1600" dirty="0" smtClean="0"/>
+              <a:t>Cechy stosu:</a:t>
+            </a:r>
+          </a:p>
+          <a:p>
+            <a:r>
+              <a:rPr lang="pl-PL" sz="1600" dirty="0" smtClean="0"/>
+              <a:t>IP (Internet </a:t>
+            </a:r>
+            <a:r>
+              <a:rPr lang="pl-PL" sz="1600" dirty="0" err="1" smtClean="0"/>
+              <a:t>protocol</a:t>
+            </a:r>
+            <a:r>
+              <a:rPr lang="pl-PL" sz="1600" dirty="0" smtClean="0"/>
+              <a:t>), w tym przekazywanie pakietów pomiędzy kilkoma interfejsami sieciowymi</a:t>
+            </a:r>
+          </a:p>
+          <a:p>
+            <a:r>
+              <a:rPr lang="pl-PL" sz="1600" dirty="0" smtClean="0"/>
+              <a:t>Protokół ICMP (</a:t>
+            </a:r>
+            <a:r>
+              <a:rPr lang="pl-PL" sz="1600" dirty="0" err="1" smtClean="0"/>
+              <a:t>ICMP</a:t>
+            </a:r>
+            <a:r>
+              <a:rPr lang="pl-PL" sz="1600" dirty="0" smtClean="0"/>
+              <a:t>) do utrzymania sieci i </a:t>
+            </a:r>
+            <a:r>
+              <a:rPr lang="pl-PL" sz="1600" dirty="0" err="1" smtClean="0"/>
+              <a:t>debugowania</a:t>
+            </a:r>
+            <a:endParaRPr lang="pl-PL" sz="1600" dirty="0" smtClean="0"/>
+          </a:p>
+          <a:p>
+            <a:r>
+              <a:rPr lang="pl-PL" sz="1600" dirty="0" smtClean="0"/>
+              <a:t>Protokół IGMP (ang. Internet Group Management </a:t>
+            </a:r>
+            <a:r>
+              <a:rPr lang="pl-PL" sz="1600" dirty="0" err="1" smtClean="0"/>
+              <a:t>Protocol</a:t>
+            </a:r>
+            <a:r>
+              <a:rPr lang="pl-PL" sz="1600" dirty="0" smtClean="0"/>
+              <a:t>) do zarządzania grupami </a:t>
+            </a:r>
+            <a:r>
+              <a:rPr lang="pl-PL" sz="1600" dirty="0" err="1" smtClean="0"/>
+              <a:t>multicastowymi</a:t>
+            </a:r>
+            <a:r>
+              <a:rPr lang="pl-PL" sz="1600" dirty="0" smtClean="0"/>
+              <a:t> w sieci</a:t>
+            </a:r>
+          </a:p>
+          <a:p>
+            <a:pPr>
+              <a:buNone/>
+            </a:pPr>
+            <a:endParaRPr lang="pl-PL" sz="1600" dirty="0" smtClean="0"/>
+          </a:p>
+          <a:p>
+            <a:pPr>
+              <a:buNone/>
+            </a:pPr>
+            <a:r>
+              <a:rPr lang="pl-PL" sz="1600" dirty="0" smtClean="0"/>
+              <a:t>Warstwa transportowa</a:t>
+            </a:r>
+          </a:p>
+          <a:p>
+            <a:r>
+              <a:rPr lang="pl-PL" sz="1600" dirty="0" smtClean="0"/>
+              <a:t>Protokół UDP (protokół pakietów użytkownika)</a:t>
+            </a:r>
+          </a:p>
+          <a:p>
+            <a:r>
+              <a:rPr lang="pl-PL" sz="1600" dirty="0" smtClean="0"/>
+              <a:t>Protokół TCP (ang. </a:t>
+            </a:r>
+            <a:r>
+              <a:rPr lang="pl-PL" sz="1600" dirty="0" err="1" smtClean="0"/>
+              <a:t>Transmission</a:t>
+            </a:r>
+            <a:r>
+              <a:rPr lang="pl-PL" sz="1600" dirty="0" smtClean="0"/>
               <a:t> </a:t>
             </a:r>
-            <a:br>
-              <a:rPr lang="pl-PL" dirty="0" smtClean="0"/>
-            </a:br>
-            <a:r>
-              <a:rPr lang="pl-PL" dirty="0" smtClean="0"/>
-              <a:t/>
-            </a:r>
-            <a:br>
-              <a:rPr lang="pl-PL" dirty="0" smtClean="0"/>
-            </a:br>
-            <a:r>
-              <a:rPr lang="pl-PL" dirty="0" smtClean="0"/>
-              <a:t>Jest to nieco starsza implementacja udostępniona jeszcze przed powstaniem biblioteki „HAL” </a:t>
-            </a:r>
-            <a:br>
-              <a:rPr lang="pl-PL" dirty="0" smtClean="0"/>
-            </a:br>
-            <a:r>
-              <a:rPr lang="pl-PL" dirty="0" smtClean="0"/>
-              <a:t/>
-            </a:r>
-            <a:br>
-              <a:rPr lang="pl-PL" dirty="0" smtClean="0"/>
-            </a:br>
-            <a:r>
-              <a:rPr lang="pl-PL" dirty="0" smtClean="0"/>
-              <a:t>Podobnie też w przypadku USB – uogólniając jak chcemy zrobić implementacje jakiegoś swojego sterownika, lub go dobrze poznać polecam się wzorować na tych starszych implementacjach od ST - biblioteki „SPL- Serial </a:t>
-            </a:r>
-            <a:r>
-              <a:rPr lang="pl-PL" dirty="0" err="1" smtClean="0"/>
-              <a:t>Peripherial</a:t>
-            </a:r>
-            <a:r>
-              <a:rPr lang="pl-PL" dirty="0" smtClean="0"/>
+            <a:r>
+              <a:rPr lang="pl-PL" sz="1600" dirty="0" err="1" smtClean="0"/>
+              <a:t>Control</a:t>
+            </a:r>
+            <a:r>
+              <a:rPr lang="pl-PL" sz="1600" dirty="0" smtClean="0"/>
               <a:t> </a:t>
             </a:r>
             <a:r>
-              <a:rPr lang="pl-PL" dirty="0" err="1" smtClean="0"/>
-              <a:t>Library</a:t>
-            </a:r>
-            <a:r>
-              <a:rPr lang="pl-PL" dirty="0" smtClean="0"/>
-              <a:t>”</a:t>
-            </a:r>
-            <a:endParaRPr lang="pl-PL" dirty="0"/>
-          </a:p>
-        </p:txBody>
-      </p:sp>
-      <p:sp>
-        <p:nvSpPr>
-          <p:cNvPr id="3" name="Tytuł 2"/>
+              <a:rPr lang="pl-PL" sz="1600" dirty="0" err="1" smtClean="0"/>
+              <a:t>Protocol</a:t>
+            </a:r>
+            <a:r>
+              <a:rPr lang="pl-PL" sz="1600" dirty="0" smtClean="0"/>
+              <a:t>)</a:t>
+            </a:r>
+          </a:p>
+          <a:p>
+            <a:pPr>
+              <a:buNone/>
+            </a:pPr>
+            <a:endParaRPr lang="pl-PL" sz="1600" dirty="0" smtClean="0"/>
+          </a:p>
+          <a:p>
+            <a:pPr>
+              <a:buNone/>
+            </a:pPr>
+            <a:r>
+              <a:rPr lang="pl-PL" sz="1600" dirty="0" smtClean="0"/>
+              <a:t>Warstwa aplikacji</a:t>
+            </a:r>
+          </a:p>
+          <a:p>
+            <a:r>
+              <a:rPr lang="pl-PL" sz="1600" dirty="0" smtClean="0"/>
+              <a:t>DNS (system nazw domenowych)</a:t>
+            </a:r>
+          </a:p>
+          <a:p>
+            <a:r>
+              <a:rPr lang="pl-PL" sz="1600" dirty="0" smtClean="0"/>
+              <a:t>Protokół SNMP (ang. Simple Network Management </a:t>
+            </a:r>
+            <a:r>
+              <a:rPr lang="pl-PL" sz="1600" dirty="0" err="1" smtClean="0"/>
+              <a:t>Protocol</a:t>
+            </a:r>
+            <a:r>
+              <a:rPr lang="pl-PL" sz="1600" dirty="0" smtClean="0"/>
+              <a:t>)</a:t>
+            </a:r>
+          </a:p>
+          <a:p>
+            <a:r>
+              <a:rPr lang="pl-PL" sz="1600" dirty="0" smtClean="0"/>
+              <a:t>Protokół DHCP (protokół dynamicznego konfigurowania hostów)</a:t>
+            </a:r>
+          </a:p>
+          <a:p>
+            <a:pPr>
+              <a:buNone/>
+            </a:pPr>
+            <a:r>
+              <a:rPr lang="pl-PL" sz="1600" dirty="0" smtClean="0"/>
+              <a:t>Warstwa łącza</a:t>
+            </a:r>
+          </a:p>
+          <a:p>
+            <a:r>
+              <a:rPr lang="pl-PL" sz="1600" dirty="0" smtClean="0"/>
+              <a:t>PPP (</a:t>
+            </a:r>
+            <a:r>
+              <a:rPr lang="pl-PL" sz="1600" dirty="0" err="1" smtClean="0"/>
+              <a:t>point-to-point</a:t>
+            </a:r>
+            <a:r>
+              <a:rPr lang="pl-PL" sz="1600" dirty="0" smtClean="0"/>
+              <a:t> </a:t>
+            </a:r>
+            <a:r>
+              <a:rPr lang="pl-PL" sz="1600" dirty="0" err="1" smtClean="0"/>
+              <a:t>protocol</a:t>
+            </a:r>
+            <a:r>
+              <a:rPr lang="pl-PL" sz="1600" dirty="0" smtClean="0"/>
+              <a:t>)</a:t>
+            </a:r>
+          </a:p>
+          <a:p>
+            <a:r>
+              <a:rPr lang="pl-PL" sz="1600" dirty="0" smtClean="0"/>
+              <a:t>Protokół ARP (ang. </a:t>
+            </a:r>
+            <a:r>
+              <a:rPr lang="pl-PL" sz="1600" dirty="0" err="1" smtClean="0"/>
+              <a:t>Address</a:t>
+            </a:r>
+            <a:r>
+              <a:rPr lang="pl-PL" sz="1600" dirty="0" smtClean="0"/>
+              <a:t> Resolution </a:t>
+            </a:r>
+            <a:r>
+              <a:rPr lang="pl-PL" sz="1600" dirty="0" err="1" smtClean="0"/>
+              <a:t>Protocol</a:t>
+            </a:r>
+            <a:r>
+              <a:rPr lang="pl-PL" sz="1600" dirty="0" smtClean="0"/>
+              <a:t>) dla sieci Ethernet</a:t>
+            </a:r>
+            <a:endParaRPr lang="pl-PL" sz="1600" dirty="0"/>
+          </a:p>
+        </p:txBody>
+      </p:sp>
+      <p:sp>
+        <p:nvSpPr>
+          <p:cNvPr id="2" name="Tytuł 1"/>
           <p:cNvSpPr>
             <a:spLocks noGrp="1"/>
           </p:cNvSpPr>
@@ -9346,14 +9175,68 @@
             <p:ph type="title"/>
           </p:nvPr>
         </p:nvSpPr>
-        <p:spPr/>
-        <p:txBody>
-          <a:bodyPr/>
+        <p:spPr>
+          <a:xfrm>
+            <a:off x="357158" y="500042"/>
+            <a:ext cx="8643966" cy="857256"/>
+          </a:xfrm>
+        </p:spPr>
+        <p:txBody>
+          <a:bodyPr>
+            <a:normAutofit fontScale="90000"/>
+          </a:bodyPr>
           <a:lstStyle/>
           <a:p>
             <a:r>
               <a:rPr lang="pl-PL" dirty="0" smtClean="0"/>
-              <a:t>Bazowy sterownik Ethernetu</a:t>
+              <a:t>Biblioteka LWiP - </a:t>
+            </a:r>
+            <a:r>
+              <a:rPr lang="pl-PL" b="1" dirty="0" err="1" smtClean="0"/>
+              <a:t>Lightweight</a:t>
+            </a:r>
+            <a:r>
+              <a:rPr lang="pl-PL" b="1" dirty="0" smtClean="0"/>
+              <a:t> TCP/IP</a:t>
+            </a:r>
+            <a:br>
+              <a:rPr lang="pl-PL" b="1" dirty="0" smtClean="0"/>
+            </a:br>
+            <a:endParaRPr lang="pl-PL" dirty="0"/>
+          </a:p>
+        </p:txBody>
+      </p:sp>
+      <p:sp>
+        <p:nvSpPr>
+          <p:cNvPr id="4" name="pole tekstowe 3"/>
+          <p:cNvSpPr txBox="1"/>
+          <p:nvPr/>
+        </p:nvSpPr>
+        <p:spPr>
+          <a:xfrm>
+            <a:off x="2500298" y="5929330"/>
+            <a:ext cx="3442289" cy="369332"/>
+          </a:xfrm>
+          <a:prstGeom prst="rect">
+            <a:avLst/>
+          </a:prstGeom>
+          <a:noFill/>
+        </p:spPr>
+        <p:txBody>
+          <a:bodyPr wrap="none" rtlCol="0">
+            <a:spAutoFit/>
+          </a:bodyPr>
+          <a:lstStyle/>
+          <a:p>
+            <a:r>
+              <a:rPr lang="pl-PL" dirty="0" smtClean="0">
+                <a:hlinkClick r:id="rId2"/>
+              </a:rPr>
+              <a:t>https://pl.wikipedia.org/wiki/LwIP</a:t>
+            </a:r>
+            <a:r>
+              <a:rPr lang="pl-PL" dirty="0" smtClean="0"/>
+              <a:t> </a:t>
             </a:r>
             <a:endParaRPr lang="pl-PL" dirty="0"/>
           </a:p>
@@ -9394,112 +9277,84 @@
             <p:ph idx="1"/>
           </p:nvPr>
         </p:nvSpPr>
-        <p:spPr/>
+        <p:spPr>
+          <a:xfrm>
+            <a:off x="428596" y="1500174"/>
+            <a:ext cx="8229600" cy="4525963"/>
+          </a:xfrm>
+        </p:spPr>
         <p:txBody>
           <a:bodyPr>
-            <a:normAutofit/>
+            <a:normAutofit fontScale="92500" lnSpcReduction="20000"/>
           </a:bodyPr>
           <a:lstStyle/>
           <a:p>
             <a:r>
-              <a:rPr lang="pl-PL" sz="1200" dirty="0" smtClean="0"/>
-              <a:t>1. Mikrokontrolery STM32 w sieci Ethernet w przykładach - Marcin </a:t>
-            </a:r>
-            <a:r>
-              <a:rPr lang="pl-PL" sz="1200" dirty="0" err="1" smtClean="0"/>
-              <a:t>Peczarski</a:t>
-            </a:r>
-            <a:r>
-              <a:rPr lang="pl-PL" sz="1200" dirty="0" smtClean="0"/>
-              <a:t>, do zakupienia np. tutaj</a:t>
-            </a:r>
-            <a:r>
-              <a:rPr lang="pl-PL" sz="1200" dirty="0" smtClean="0"/>
-              <a:t>: </a:t>
-            </a:r>
-            <a:r>
-              <a:rPr lang="pl-PL" sz="1200" dirty="0" smtClean="0"/>
-              <a:t/>
+              <a:rPr lang="pl-PL" dirty="0" smtClean="0"/>
+              <a:t>Podczas implementacji będziemy bazować na sterowniku udostępnionym przez ST:</a:t>
             </a:r>
             <a:br>
-              <a:rPr lang="pl-PL" sz="1200" dirty="0" smtClean="0"/>
+              <a:rPr lang="pl-PL" dirty="0" smtClean="0"/>
             </a:br>
             <a:r>
-              <a:rPr lang="pl-PL" sz="1200" dirty="0" smtClean="0">
+              <a:rPr lang="pl-PL" dirty="0" smtClean="0"/>
+              <a:t> </a:t>
+            </a:r>
+            <a:r>
+              <a:rPr lang="pl-PL" dirty="0" smtClean="0">
                 <a:hlinkClick r:id="rId2"/>
               </a:rPr>
-              <a:t>https</a:t>
-            </a:r>
-            <a:r>
-              <a:rPr lang="pl-PL" sz="1200" dirty="0" smtClean="0">
-                <a:hlinkClick r:id="rId2"/>
-              </a:rPr>
-              <a:t>://</a:t>
-            </a:r>
-            <a:r>
-              <a:rPr lang="pl-PL" sz="1200" dirty="0" smtClean="0">
-                <a:hlinkClick r:id="rId2"/>
-              </a:rPr>
-              <a:t>botland.com.pl/ksiazki-i-kursy/3411-mikrokontrolery-stm32-w-sieci-ethernet-w-przykladach-marcin-peczarski-9788360233689.html</a:t>
-            </a:r>
-            <a:r>
-              <a:rPr lang="pl-PL" sz="1200" dirty="0" smtClean="0"/>
+              <a:t>https://www.st.com/en/embedded-software/stsw-stm32070.html#get-software</a:t>
+            </a:r>
+            <a:r>
+              <a:rPr lang="pl-PL" dirty="0" smtClean="0"/>
               <a:t> </a:t>
             </a:r>
-          </a:p>
-          <a:p>
-            <a:pPr>
-              <a:buNone/>
-            </a:pPr>
-            <a:endParaRPr lang="pl-PL" sz="1200" dirty="0" smtClean="0"/>
-          </a:p>
-          <a:p>
-            <a:r>
-              <a:rPr lang="pl-PL" sz="1200" dirty="0" smtClean="0"/>
-              <a:t>2. Lokalne sieci komputerowe, Tomasz </a:t>
-            </a:r>
-            <a:r>
-              <a:rPr lang="pl-PL" sz="1200" dirty="0" err="1" smtClean="0"/>
-              <a:t>Fitzermann</a:t>
-            </a:r>
-            <a:r>
-              <a:rPr lang="pl-PL" sz="1200" dirty="0" smtClean="0"/>
+            <a:br>
+              <a:rPr lang="pl-PL" dirty="0" smtClean="0"/>
+            </a:br>
+            <a:r>
+              <a:rPr lang="pl-PL" dirty="0" smtClean="0"/>
+              <a:t/>
+            </a:r>
+            <a:br>
+              <a:rPr lang="pl-PL" dirty="0" smtClean="0"/>
+            </a:br>
+            <a:r>
+              <a:rPr lang="pl-PL" dirty="0" smtClean="0"/>
+              <a:t>Jest to nieco starsza implementacja udostępniona jeszcze przed powstaniem biblioteki „HAL” </a:t>
+            </a:r>
+            <a:br>
+              <a:rPr lang="pl-PL" dirty="0" smtClean="0"/>
+            </a:br>
+            <a:r>
+              <a:rPr lang="pl-PL" dirty="0" smtClean="0"/>
+              <a:t/>
+            </a:r>
+            <a:br>
+              <a:rPr lang="pl-PL" dirty="0" smtClean="0"/>
+            </a:br>
+            <a:r>
+              <a:rPr lang="pl-PL" dirty="0" smtClean="0"/>
+              <a:t>Podobnie też w przypadku USB – uogólniając jak chcemy zrobić implementacje jakiegoś swojego sterownika, lub go dobrze poznać polecam się wzorować na tych starszych implementacjach od ST - biblioteki „SPL- Serial </a:t>
+            </a:r>
+            <a:r>
+              <a:rPr lang="pl-PL" dirty="0" err="1" smtClean="0"/>
+              <a:t>Peripherial</a:t>
+            </a:r>
+            <a:r>
+              <a:rPr lang="pl-PL" dirty="0" smtClean="0"/>
               <a:t> </a:t>
             </a:r>
-            <a:br>
-              <a:rPr lang="pl-PL" sz="1200" dirty="0" smtClean="0"/>
-            </a:br>
-            <a:r>
-              <a:rPr lang="pl-PL" sz="1200" dirty="0" smtClean="0">
-                <a:hlinkClick r:id="rId3"/>
-              </a:rPr>
-              <a:t>http</a:t>
-            </a:r>
-            <a:r>
-              <a:rPr lang="pl-PL" sz="1200" dirty="0" smtClean="0">
-                <a:hlinkClick r:id="rId3"/>
-              </a:rPr>
-              <a:t>://</a:t>
-            </a:r>
-            <a:r>
-              <a:rPr lang="pl-PL" sz="1200" dirty="0" smtClean="0">
-                <a:hlinkClick r:id="rId3"/>
-              </a:rPr>
-              <a:t>www.sosw.poznan.pl/tfitzer/sieci/sieci.pdf</a:t>
-            </a:r>
-            <a:r>
-              <a:rPr lang="pl-PL" sz="1200" dirty="0" smtClean="0"/>
-              <a:t>  [dostęp 28.01.2023]</a:t>
-            </a:r>
-          </a:p>
-          <a:p>
-            <a:endParaRPr lang="pl-PL" sz="1200" dirty="0" smtClean="0"/>
-          </a:p>
-          <a:p>
-            <a:pPr>
-              <a:buNone/>
-            </a:pPr>
-            <a:endParaRPr lang="pl-PL" sz="1200" dirty="0"/>
+            <a:r>
+              <a:rPr lang="pl-PL" dirty="0" err="1" smtClean="0"/>
+              <a:t>Library</a:t>
+            </a:r>
+            <a:r>
+              <a:rPr lang="pl-PL" dirty="0" smtClean="0"/>
+              <a:t>”</a:t>
+            </a:r>
+            <a:endParaRPr lang="pl-PL" dirty="0"/>
           </a:p>
         </p:txBody>
       </p:sp>
@@ -9515,14 +9370,12 @@
         </p:nvSpPr>
         <p:spPr/>
         <p:txBody>
-          <a:bodyPr>
-            <a:normAutofit/>
-          </a:bodyPr>
+          <a:bodyPr/>
           <a:lstStyle/>
           <a:p>
             <a:r>
               <a:rPr lang="pl-PL" dirty="0" smtClean="0"/>
-              <a:t>Polecana literatura:		</a:t>
+              <a:t>Bazowy sterownik Ethernetu</a:t>
             </a:r>
             <a:endParaRPr lang="pl-PL" dirty="0"/>
           </a:p>
@@ -9537,6 +9390,143 @@
 </file>
 
 <file path=ppt/slides/slide23.xml><?xml version="1.0" encoding="utf-8"?>
+<p:sld xmlns:a="http://schemas.openxmlformats.org/drawingml/2006/main" xmlns:r="http://schemas.openxmlformats.org/officeDocument/2006/relationships" xmlns:p="http://schemas.openxmlformats.org/presentationml/2006/main">
+  <p:cSld>
+    <p:spTree>
+      <p:nvGrpSpPr>
+        <p:cNvPr id="1" name=""/>
+        <p:cNvGrpSpPr/>
+        <p:nvPr/>
+      </p:nvGrpSpPr>
+      <p:grpSpPr>
+        <a:xfrm>
+          <a:off x="0" y="0"/>
+          <a:ext cx="0" cy="0"/>
+          <a:chOff x="0" y="0"/>
+          <a:chExt cx="0" cy="0"/>
+        </a:xfrm>
+      </p:grpSpPr>
+      <p:sp>
+        <p:nvSpPr>
+          <p:cNvPr id="2" name="Symbol zastępczy zawartości 1"/>
+          <p:cNvSpPr>
+            <a:spLocks noGrp="1"/>
+          </p:cNvSpPr>
+          <p:nvPr>
+            <p:ph idx="1"/>
+          </p:nvPr>
+        </p:nvSpPr>
+        <p:spPr/>
+        <p:txBody>
+          <a:bodyPr>
+            <a:normAutofit/>
+          </a:bodyPr>
+          <a:lstStyle/>
+          <a:p>
+            <a:r>
+              <a:rPr lang="pl-PL" sz="1200" dirty="0" smtClean="0"/>
+              <a:t>1. Mikrokontrolery STM32 w sieci Ethernet w przykładach - Marcin </a:t>
+            </a:r>
+            <a:r>
+              <a:rPr lang="pl-PL" sz="1200" dirty="0" err="1" smtClean="0"/>
+              <a:t>Peczarski</a:t>
+            </a:r>
+            <a:r>
+              <a:rPr lang="pl-PL" sz="1200" dirty="0" smtClean="0"/>
+              <a:t>, do zakupienia np. tutaj: </a:t>
+            </a:r>
+            <a:br>
+              <a:rPr lang="pl-PL" sz="1200" dirty="0" smtClean="0"/>
+            </a:br>
+            <a:r>
+              <a:rPr lang="pl-PL" sz="1200" dirty="0" smtClean="0">
+                <a:hlinkClick r:id="rId2"/>
+              </a:rPr>
+              <a:t>https://botland.com.pl/ksiazki-i-kursy/3411-mikrokontrolery-stm32-w-sieci-ethernet-w-przykladach-marcin-peczarski-9788360233689.html</a:t>
+            </a:r>
+            <a:r>
+              <a:rPr lang="pl-PL" sz="1200" dirty="0" smtClean="0"/>
+              <a:t> </a:t>
+            </a:r>
+          </a:p>
+          <a:p>
+            <a:pPr>
+              <a:buNone/>
+            </a:pPr>
+            <a:endParaRPr lang="pl-PL" sz="1200" dirty="0" smtClean="0"/>
+          </a:p>
+          <a:p>
+            <a:r>
+              <a:rPr lang="pl-PL" sz="1200" dirty="0" smtClean="0"/>
+              <a:t>2. Lokalne sieci komputerowe, Tomasz </a:t>
+            </a:r>
+            <a:r>
+              <a:rPr lang="pl-PL" sz="1200" dirty="0" err="1" smtClean="0"/>
+              <a:t>Fitzermann</a:t>
+            </a:r>
+            <a:r>
+              <a:rPr lang="pl-PL" sz="1200" dirty="0" smtClean="0"/>
+              <a:t> </a:t>
+            </a:r>
+            <a:br>
+              <a:rPr lang="pl-PL" sz="1200" dirty="0" smtClean="0"/>
+            </a:br>
+            <a:r>
+              <a:rPr lang="pl-PL" sz="1200" dirty="0" smtClean="0">
+                <a:hlinkClick r:id="rId3"/>
+              </a:rPr>
+              <a:t>http://www.sosw.poznan.pl/tfitzer/sieci/sieci.pdf</a:t>
+            </a:r>
+            <a:r>
+              <a:rPr lang="pl-PL" sz="1200" dirty="0" smtClean="0"/>
+              <a:t>  [dostęp 28.01.2023]</a:t>
+            </a:r>
+          </a:p>
+          <a:p>
+            <a:endParaRPr lang="pl-PL" sz="1200" dirty="0" smtClean="0"/>
+          </a:p>
+          <a:p>
+            <a:pPr>
+              <a:buNone/>
+            </a:pPr>
+            <a:endParaRPr lang="pl-PL" sz="1200" dirty="0"/>
+          </a:p>
+        </p:txBody>
+      </p:sp>
+      <p:sp>
+        <p:nvSpPr>
+          <p:cNvPr id="3" name="Tytuł 2"/>
+          <p:cNvSpPr>
+            <a:spLocks noGrp="1"/>
+          </p:cNvSpPr>
+          <p:nvPr>
+            <p:ph type="title"/>
+          </p:nvPr>
+        </p:nvSpPr>
+        <p:spPr/>
+        <p:txBody>
+          <a:bodyPr>
+            <a:normAutofit/>
+          </a:bodyPr>
+          <a:lstStyle/>
+          <a:p>
+            <a:r>
+              <a:rPr lang="pl-PL" dirty="0" smtClean="0"/>
+              <a:t>Polecana literatura:		</a:t>
+            </a:r>
+            <a:endParaRPr lang="pl-PL" dirty="0"/>
+          </a:p>
+        </p:txBody>
+      </p:sp>
+    </p:spTree>
+  </p:cSld>
+  <p:clrMapOvr>
+    <a:masterClrMapping/>
+  </p:clrMapOvr>
+</p:sld>
+</file>
+
+<file path=ppt/slides/slide24.xml><?xml version="1.0" encoding="utf-8"?>
 <p:sld xmlns:a="http://schemas.openxmlformats.org/drawingml/2006/main" xmlns:r="http://schemas.openxmlformats.org/officeDocument/2006/relationships" xmlns:p="http://schemas.openxmlformats.org/presentationml/2006/main">
   <p:cSld>
     <p:spTree>
@@ -9725,13 +9715,7 @@
               <a:rPr lang="pl-PL" sz="1200" dirty="0" smtClean="0">
                 <a:hlinkClick r:id="rId3"/>
               </a:rPr>
-              <a:t>https://</a:t>
-            </a:r>
-            <a:r>
-              <a:rPr lang="pl-PL" sz="1200" dirty="0" smtClean="0">
-                <a:hlinkClick r:id="rId3"/>
-              </a:rPr>
-              <a:t>pl.wikipedia.org/wiki/Ethernet</a:t>
+              <a:t>https://pl.wikipedia.org/wiki/Ethernet</a:t>
             </a:r>
             <a:r>
               <a:rPr lang="pl-PL" sz="1200" dirty="0" smtClean="0"/>
@@ -10112,13 +10096,7 @@
               <a:rPr lang="pl-PL" sz="1200" dirty="0" smtClean="0">
                 <a:hlinkClick r:id="rId2"/>
               </a:rPr>
-              <a:t>https://</a:t>
-            </a:r>
-            <a:r>
-              <a:rPr lang="pl-PL" sz="1200" dirty="0" smtClean="0">
-                <a:hlinkClick r:id="rId2"/>
-              </a:rPr>
-              <a:t>www.soisk-me.pl/klasa-iv-sieci/budowa-datagramu-ipv4-i-ipv6</a:t>
+              <a:t>https://www.soisk-me.pl/klasa-iv-sieci/budowa-datagramu-ipv4-i-ipv6</a:t>
             </a:r>
             <a:r>
               <a:rPr lang="pl-PL" sz="1200" dirty="0" smtClean="0"/>
@@ -10189,10 +10167,6 @@
               <a:rPr lang="pl-PL" dirty="0" smtClean="0"/>
               <a:t>Flagi: </a:t>
             </a:r>
-            <a:r>
-              <a:rPr lang="pl-PL" dirty="0" smtClean="0"/>
-              <a:t/>
-            </a:r>
             <a:br>
               <a:rPr lang="pl-PL" dirty="0" smtClean="0"/>
             </a:br>
@@ -10252,13 +10226,7 @@
               <a:rPr lang="pl-PL" sz="1200" dirty="0" smtClean="0">
                 <a:hlinkClick r:id="rId4"/>
               </a:rPr>
-              <a:t>https://</a:t>
-            </a:r>
-            <a:r>
-              <a:rPr lang="pl-PL" sz="1200" dirty="0" smtClean="0">
-                <a:hlinkClick r:id="rId4"/>
-              </a:rPr>
-              <a:t>mw.home.amu.edu.pl/zajecia/SIK2016/SIK07.html</a:t>
+              <a:t>https://mw.home.amu.edu.pl/zajecia/SIK2016/SIK07.html</a:t>
             </a:r>
             <a:r>
               <a:rPr lang="pl-PL" sz="1200" dirty="0" smtClean="0"/>
@@ -10508,13 +10476,7 @@
               <a:rPr lang="pl-PL" sz="1200" dirty="0" smtClean="0">
                 <a:hlinkClick r:id="rId2"/>
               </a:rPr>
-              <a:t>https://pasja-informatyki.pl/sieci-komputerowe/protokol-arp</a:t>
-            </a:r>
-            <a:r>
-              <a:rPr lang="pl-PL" sz="1200" dirty="0" smtClean="0">
-                <a:hlinkClick r:id="rId2"/>
-              </a:rPr>
-              <a:t>/</a:t>
+              <a:t>https://pasja-informatyki.pl/sieci-komputerowe/protokol-arp/</a:t>
             </a:r>
             <a:r>
               <a:rPr lang="pl-PL" sz="1200" dirty="0" smtClean="0"/>
@@ -10550,13 +10512,7 @@
               <a:rPr lang="pl-PL" sz="1200" dirty="0" smtClean="0">
                 <a:hlinkClick r:id="rId3"/>
               </a:rPr>
-              <a:t>https://williamdurand.fr/2022/02/17/on-writing-a-network-stack-part-1</a:t>
-            </a:r>
-            <a:r>
-              <a:rPr lang="pl-PL" sz="1200" dirty="0" smtClean="0">
-                <a:hlinkClick r:id="rId3"/>
-              </a:rPr>
-              <a:t>/</a:t>
+              <a:t>https://williamdurand.fr/2022/02/17/on-writing-a-network-stack-part-1/</a:t>
             </a:r>
             <a:r>
               <a:rPr lang="pl-PL" sz="1200" dirty="0" smtClean="0"/>
@@ -10625,13 +10581,7 @@
               <a:rPr lang="pl-PL" sz="1200" dirty="0" smtClean="0">
                 <a:hlinkClick r:id="rId5"/>
               </a:rPr>
-              <a:t>https://nexgent.com/what-is-arp-address-resolution-protocol</a:t>
-            </a:r>
-            <a:r>
-              <a:rPr lang="pl-PL" sz="1200" dirty="0" smtClean="0">
-                <a:hlinkClick r:id="rId5"/>
-              </a:rPr>
-              <a:t>/</a:t>
+              <a:t>https://nexgent.com/what-is-arp-address-resolution-protocol/</a:t>
             </a:r>
             <a:r>
               <a:rPr lang="pl-PL" sz="1200" dirty="0" smtClean="0"/>
@@ -10668,7 +10618,7 @@
       </p:grpSpPr>
       <p:sp>
         <p:nvSpPr>
-          <p:cNvPr id="2" name="Tytuł 1"/>
+          <p:cNvPr id="3" name="Tytuł 2"/>
           <p:cNvSpPr>
             <a:spLocks noGrp="1"/>
           </p:cNvSpPr>
@@ -10676,183 +10626,29 @@
             <p:ph type="title"/>
           </p:nvPr>
         </p:nvSpPr>
-        <p:spPr>
-          <a:xfrm>
-            <a:off x="357158" y="0"/>
-            <a:ext cx="8229600" cy="1143000"/>
-          </a:xfrm>
-        </p:spPr>
-        <p:txBody>
-          <a:bodyPr>
-            <a:normAutofit fontScale="90000"/>
-          </a:bodyPr>
+        <p:spPr/>
+        <p:txBody>
+          <a:bodyPr/>
           <a:lstStyle/>
           <a:p>
             <a:r>
               <a:rPr lang="pl-PL" dirty="0" smtClean="0"/>
-              <a:t>Internet / </a:t>
-            </a:r>
-            <a:r>
-              <a:rPr lang="pl-PL" dirty="0" err="1" smtClean="0"/>
-              <a:t>sub</a:t>
-            </a:r>
-            <a:r>
-              <a:rPr lang="pl-PL" dirty="0" smtClean="0"/>
-              <a:t> sieci / intersieci /</a:t>
-            </a:r>
-            <a:br>
-              <a:rPr lang="pl-PL" dirty="0" smtClean="0"/>
-            </a:br>
-            <a:r>
-              <a:rPr lang="pl-PL" dirty="0" smtClean="0"/>
-              <a:t>sieci lokalne</a:t>
+              <a:t>Domowa sieć lokalna</a:t>
             </a:r>
             <a:endParaRPr lang="pl-PL" dirty="0"/>
-          </a:p>
-        </p:txBody>
-      </p:sp>
-      <p:sp>
-        <p:nvSpPr>
-          <p:cNvPr id="8" name="pole tekstowe 7"/>
-          <p:cNvSpPr txBox="1"/>
-          <p:nvPr/>
-        </p:nvSpPr>
-        <p:spPr>
-          <a:xfrm>
-            <a:off x="5857884" y="5214950"/>
-            <a:ext cx="2765501" cy="215444"/>
-          </a:xfrm>
-          <a:prstGeom prst="rect">
-            <a:avLst/>
-          </a:prstGeom>
-          <a:noFill/>
-        </p:spPr>
-        <p:txBody>
-          <a:bodyPr wrap="none" rtlCol="0">
-            <a:spAutoFit/>
-          </a:bodyPr>
-          <a:lstStyle/>
-          <a:p>
-            <a:r>
-              <a:rPr lang="pl-PL" sz="800" dirty="0" smtClean="0">
-                <a:hlinkClick r:id="rId2"/>
-              </a:rPr>
-              <a:t>https://ipcisco.com/lesson/subnetting-examples</a:t>
-            </a:r>
-            <a:r>
-              <a:rPr lang="pl-PL" sz="800" dirty="0" smtClean="0">
-                <a:hlinkClick r:id="rId2"/>
-              </a:rPr>
-              <a:t>/</a:t>
-            </a:r>
-            <a:r>
-              <a:rPr lang="pl-PL" sz="800" dirty="0" smtClean="0"/>
-              <a:t> </a:t>
-            </a:r>
-            <a:endParaRPr lang="pl-PL" sz="800" dirty="0"/>
-          </a:p>
-        </p:txBody>
-      </p:sp>
-      <p:sp>
-        <p:nvSpPr>
-          <p:cNvPr id="9" name="pole tekstowe 8"/>
-          <p:cNvSpPr txBox="1"/>
-          <p:nvPr/>
-        </p:nvSpPr>
-        <p:spPr>
-          <a:xfrm>
-            <a:off x="5857884" y="5500702"/>
-            <a:ext cx="2714644" cy="215444"/>
-          </a:xfrm>
-          <a:prstGeom prst="rect">
-            <a:avLst/>
-          </a:prstGeom>
-          <a:noFill/>
-        </p:spPr>
-        <p:txBody>
-          <a:bodyPr wrap="square" rtlCol="0">
-            <a:spAutoFit/>
-          </a:bodyPr>
-          <a:lstStyle/>
-          <a:p>
-            <a:r>
-              <a:rPr lang="pl-PL" sz="800" dirty="0" smtClean="0">
-                <a:hlinkClick r:id="rId3"/>
-              </a:rPr>
-              <a:t>https://avinetworks.com/glossary/subnet-mask</a:t>
-            </a:r>
-            <a:r>
-              <a:rPr lang="pl-PL" sz="800" dirty="0" smtClean="0">
-                <a:hlinkClick r:id="rId3"/>
-              </a:rPr>
-              <a:t>/</a:t>
-            </a:r>
-            <a:r>
-              <a:rPr lang="pl-PL" sz="800" dirty="0" smtClean="0"/>
-              <a:t> </a:t>
-            </a:r>
-            <a:endParaRPr lang="pl-PL" sz="800" dirty="0"/>
-          </a:p>
-        </p:txBody>
-      </p:sp>
-      <p:sp>
-        <p:nvSpPr>
-          <p:cNvPr id="13" name="pole tekstowe 12"/>
-          <p:cNvSpPr txBox="1"/>
-          <p:nvPr/>
-        </p:nvSpPr>
-        <p:spPr>
-          <a:xfrm>
-            <a:off x="5929322" y="5786454"/>
-            <a:ext cx="3143272" cy="215444"/>
-          </a:xfrm>
-          <a:prstGeom prst="rect">
-            <a:avLst/>
-          </a:prstGeom>
-          <a:noFill/>
-        </p:spPr>
-        <p:txBody>
-          <a:bodyPr wrap="square" rtlCol="0">
-            <a:spAutoFit/>
-          </a:bodyPr>
-          <a:lstStyle/>
-          <a:p>
-            <a:r>
-              <a:rPr lang="pl-PL" sz="800" dirty="0" smtClean="0">
-                <a:hlinkClick r:id="rId4"/>
-              </a:rPr>
-              <a:t>https://42.pl/</a:t>
-            </a:r>
-            <a:r>
-              <a:rPr lang="pl-PL" sz="800" dirty="0" err="1" smtClean="0">
-                <a:hlinkClick r:id="rId4"/>
-              </a:rPr>
-              <a:t>ipcalc</a:t>
-            </a:r>
-            <a:r>
-              <a:rPr lang="pl-PL" sz="800" dirty="0" smtClean="0">
-                <a:hlinkClick r:id="rId4"/>
-              </a:rPr>
-              <a:t>/</a:t>
-            </a:r>
-            <a:r>
-              <a:rPr lang="pl-PL" sz="800" dirty="0" smtClean="0"/>
-              <a:t> </a:t>
-            </a:r>
-            <a:endParaRPr lang="pl-PL" sz="800" dirty="0"/>
           </a:p>
         </p:txBody>
       </p:sp>
       <p:pic>
         <p:nvPicPr>
-          <p:cNvPr id="3076" name="Picture 4"/>
+          <p:cNvPr id="1026" name="Picture 2"/>
           <p:cNvPicPr>
             <a:picLocks noChangeAspect="1" noChangeArrowheads="1"/>
           </p:cNvPicPr>
           <p:nvPr/>
         </p:nvPicPr>
         <p:blipFill>
-          <a:blip r:embed="rId5"/>
+          <a:blip r:embed="rId2"/>
           <a:srcRect/>
           <a:stretch>
             <a:fillRect/>
@@ -10860,8 +10656,8 @@
         </p:blipFill>
         <p:spPr bwMode="auto">
           <a:xfrm>
-            <a:off x="5275285" y="928670"/>
-            <a:ext cx="3868715" cy="1061553"/>
+            <a:off x="1500166" y="2000240"/>
+            <a:ext cx="6215106" cy="3723301"/>
           </a:xfrm>
           <a:prstGeom prst="rect">
             <a:avLst/>
@@ -10876,902 +10672,18 @@
           <a:effectLst/>
         </p:spPr>
       </p:pic>
-      <p:sp>
-        <p:nvSpPr>
-          <p:cNvPr id="14" name="pole tekstowe 13"/>
-          <p:cNvSpPr txBox="1"/>
-          <p:nvPr/>
-        </p:nvSpPr>
-        <p:spPr>
-          <a:xfrm>
-            <a:off x="5786446" y="6000768"/>
-            <a:ext cx="3065263" cy="215444"/>
-          </a:xfrm>
-          <a:prstGeom prst="rect">
-            <a:avLst/>
-          </a:prstGeom>
-          <a:noFill/>
-        </p:spPr>
-        <p:txBody>
-          <a:bodyPr wrap="none" rtlCol="0">
-            <a:spAutoFit/>
-          </a:bodyPr>
-          <a:lstStyle/>
-          <a:p>
-            <a:r>
-              <a:rPr lang="pl-PL" sz="800" dirty="0" smtClean="0">
-                <a:hlinkClick r:id="rId6"/>
-              </a:rPr>
-              <a:t>https://pasja-informatyki.pl/sieci-komputerowe/ruting</a:t>
-            </a:r>
-            <a:r>
-              <a:rPr lang="pl-PL" sz="800" dirty="0" smtClean="0">
-                <a:hlinkClick r:id="rId6"/>
-              </a:rPr>
-              <a:t>/</a:t>
-            </a:r>
-            <a:r>
-              <a:rPr lang="pl-PL" sz="800" dirty="0" smtClean="0"/>
-              <a:t> </a:t>
-            </a:r>
-            <a:endParaRPr lang="pl-PL" sz="800" dirty="0"/>
-          </a:p>
-        </p:txBody>
-      </p:sp>
-      <p:sp>
-        <p:nvSpPr>
-          <p:cNvPr id="15" name="pole tekstowe 14"/>
-          <p:cNvSpPr txBox="1"/>
-          <p:nvPr/>
-        </p:nvSpPr>
-        <p:spPr>
-          <a:xfrm>
-            <a:off x="4214810" y="6215082"/>
-            <a:ext cx="4455066" cy="215444"/>
-          </a:xfrm>
-          <a:prstGeom prst="rect">
-            <a:avLst/>
-          </a:prstGeom>
-          <a:noFill/>
-        </p:spPr>
-        <p:txBody>
-          <a:bodyPr wrap="none" rtlCol="0">
-            <a:spAutoFit/>
-          </a:bodyPr>
-          <a:lstStyle/>
-          <a:p>
-            <a:r>
-              <a:rPr lang="pl-PL" sz="800" dirty="0" smtClean="0">
-                <a:hlinkClick r:id="rId7"/>
-              </a:rPr>
-              <a:t>http://</a:t>
-            </a:r>
-            <a:r>
-              <a:rPr lang="pl-PL" sz="800" dirty="0" smtClean="0">
-                <a:hlinkClick r:id="rId7"/>
-              </a:rPr>
-              <a:t>slow7.pl/sieci-komputerowe/</a:t>
-            </a:r>
-            <a:r>
-              <a:rPr lang="pl-PL" sz="800" dirty="0" err="1" smtClean="0">
-                <a:hlinkClick r:id="rId7"/>
-              </a:rPr>
-              <a:t>item</a:t>
-            </a:r>
-            <a:r>
-              <a:rPr lang="pl-PL" sz="800" dirty="0" smtClean="0">
-                <a:hlinkClick r:id="rId7"/>
-              </a:rPr>
-              <a:t>/41-co-w-sieci-siedzi-routing-dynamiczny</a:t>
-            </a:r>
-            <a:r>
-              <a:rPr lang="pl-PL" sz="800" dirty="0" smtClean="0"/>
-              <a:t> </a:t>
-            </a:r>
-            <a:endParaRPr lang="pl-PL" sz="800" dirty="0"/>
-          </a:p>
-        </p:txBody>
-      </p:sp>
-      <p:sp>
-        <p:nvSpPr>
-          <p:cNvPr id="16" name="pole tekstowe 15"/>
-          <p:cNvSpPr txBox="1"/>
-          <p:nvPr/>
-        </p:nvSpPr>
-        <p:spPr>
-          <a:xfrm>
-            <a:off x="4643438" y="6429396"/>
-            <a:ext cx="4270721" cy="215444"/>
-          </a:xfrm>
-          <a:prstGeom prst="rect">
-            <a:avLst/>
-          </a:prstGeom>
-          <a:noFill/>
-        </p:spPr>
-        <p:txBody>
-          <a:bodyPr wrap="none" rtlCol="0">
-            <a:spAutoFit/>
-          </a:bodyPr>
-          <a:lstStyle/>
-          <a:p>
-            <a:r>
-              <a:rPr lang="pl-PL" sz="800" dirty="0" smtClean="0">
-                <a:hlinkClick r:id="rId8"/>
-              </a:rPr>
-              <a:t>https://pasja-informatyki.pl/sieci-komputerowe/testowanie-warstwy-sieciowej/</a:t>
-            </a:r>
-            <a:r>
-              <a:rPr lang="pl-PL" sz="800" dirty="0" smtClean="0"/>
-              <a:t> </a:t>
-            </a:r>
-            <a:endParaRPr lang="pl-PL" sz="800" dirty="0"/>
-          </a:p>
-        </p:txBody>
-      </p:sp>
-      <p:graphicFrame>
-        <p:nvGraphicFramePr>
-          <p:cNvPr id="18" name="Tabela 17"/>
-          <p:cNvGraphicFramePr>
-            <a:graphicFrameLocks noGrp="1"/>
-          </p:cNvGraphicFramePr>
-          <p:nvPr/>
-        </p:nvGraphicFramePr>
-        <p:xfrm>
-          <a:off x="642910" y="4643446"/>
-          <a:ext cx="3429024" cy="1045850"/>
-        </p:xfrm>
-        <a:graphic>
-          <a:graphicData uri="http://schemas.openxmlformats.org/drawingml/2006/table">
-            <a:tbl>
-              <a:tblPr firstRow="1" bandRow="1">
-                <a:tableStyleId>{5C22544A-7EE6-4342-B048-85BDC9FD1C3A}</a:tableStyleId>
-              </a:tblPr>
-              <a:tblGrid>
-                <a:gridCol w="1285884"/>
-                <a:gridCol w="1000132"/>
-                <a:gridCol w="1143008"/>
-              </a:tblGrid>
-              <a:tr h="309565">
-                <a:tc>
-                  <a:txBody>
-                    <a:bodyPr/>
-                    <a:lstStyle/>
-                    <a:p>
-                      <a:r>
-                        <a:rPr lang="pl-PL" sz="1100" dirty="0" smtClean="0"/>
-                        <a:t>Adres odbiorcy</a:t>
-                      </a:r>
-                      <a:br>
-                        <a:rPr lang="pl-PL" sz="1100" dirty="0" smtClean="0"/>
-                      </a:br>
-                      <a:r>
-                        <a:rPr lang="pl-PL" sz="1100" dirty="0" smtClean="0"/>
-                        <a:t>RA</a:t>
-                      </a:r>
-                      <a:endParaRPr lang="pl-PL" sz="1100" dirty="0"/>
-                    </a:p>
-                  </a:txBody>
-                  <a:tcPr/>
-                </a:tc>
-                <a:tc>
-                  <a:txBody>
-                    <a:bodyPr/>
-                    <a:lstStyle/>
-                    <a:p>
-                      <a:r>
-                        <a:rPr lang="pl-PL" sz="1100" dirty="0" smtClean="0"/>
-                        <a:t>Interfejs</a:t>
-                      </a:r>
-                      <a:endParaRPr lang="pl-PL" sz="1100" dirty="0"/>
-                    </a:p>
-                  </a:txBody>
-                  <a:tcPr/>
-                </a:tc>
-                <a:tc>
-                  <a:txBody>
-                    <a:bodyPr/>
-                    <a:lstStyle/>
-                    <a:p>
-                      <a:r>
-                        <a:rPr lang="pl-PL" sz="1100" dirty="0" smtClean="0"/>
-                        <a:t>Następny</a:t>
-                      </a:r>
-                      <a:endParaRPr lang="pl-PL" sz="1100" dirty="0"/>
-                    </a:p>
-                  </a:txBody>
-                  <a:tcPr/>
-                </a:tc>
-              </a:tr>
-              <a:tr h="309565">
-                <a:tc>
-                  <a:txBody>
-                    <a:bodyPr/>
-                    <a:lstStyle/>
-                    <a:p>
-                      <a:r>
-                        <a:rPr lang="pl-PL" sz="1100" dirty="0" smtClean="0"/>
-                        <a:t>72.14.15.0/26</a:t>
-                      </a:r>
-                      <a:endParaRPr lang="pl-PL" sz="1100" dirty="0"/>
-                    </a:p>
-                  </a:txBody>
-                  <a:tcPr/>
-                </a:tc>
-                <a:tc>
-                  <a:txBody>
-                    <a:bodyPr/>
-                    <a:lstStyle/>
-                    <a:p>
-                      <a:r>
-                        <a:rPr lang="pl-PL" sz="1100" dirty="0" smtClean="0"/>
-                        <a:t>Eth2-62</a:t>
-                      </a:r>
-                      <a:endParaRPr lang="pl-PL" sz="1100" dirty="0"/>
-                    </a:p>
-                  </a:txBody>
-                  <a:tcPr/>
-                </a:tc>
-                <a:tc>
-                  <a:txBody>
-                    <a:bodyPr/>
-                    <a:lstStyle/>
-                    <a:p>
-                      <a:r>
-                        <a:rPr lang="pl-PL" sz="1100" dirty="0" smtClean="0"/>
-                        <a:t>Bezpośrednio</a:t>
-                      </a:r>
-                      <a:endParaRPr lang="pl-PL" sz="1100" dirty="0"/>
-                    </a:p>
-                  </a:txBody>
-                  <a:tcPr/>
-                </a:tc>
-              </a:tr>
-              <a:tr h="309565">
-                <a:tc>
-                  <a:txBody>
-                    <a:bodyPr/>
-                    <a:lstStyle/>
-                    <a:p>
-                      <a:r>
-                        <a:rPr lang="pl-PL" sz="1100" dirty="0" smtClean="0"/>
-                        <a:t>Dowolny</a:t>
-                      </a:r>
-                      <a:endParaRPr lang="pl-PL" sz="1100" dirty="0"/>
-                    </a:p>
-                  </a:txBody>
-                  <a:tcPr/>
-                </a:tc>
-                <a:tc>
-                  <a:txBody>
-                    <a:bodyPr/>
-                    <a:lstStyle/>
-                    <a:p>
-                      <a:r>
-                        <a:rPr lang="pl-PL" sz="1100" dirty="0" smtClean="0"/>
-                        <a:t>eth0</a:t>
-                      </a:r>
-                      <a:endParaRPr lang="pl-PL" sz="1100" dirty="0"/>
-                    </a:p>
-                  </a:txBody>
-                  <a:tcPr/>
-                </a:tc>
-                <a:tc>
-                  <a:txBody>
-                    <a:bodyPr/>
-                    <a:lstStyle/>
-                    <a:p>
-                      <a:r>
-                        <a:rPr lang="pl-PL" sz="1100" dirty="0" smtClean="0"/>
-                        <a:t>72.14.15.1</a:t>
-                      </a:r>
-                      <a:endParaRPr lang="pl-PL" sz="1100" dirty="0"/>
-                    </a:p>
-                  </a:txBody>
-                  <a:tcPr/>
-                </a:tc>
-              </a:tr>
-            </a:tbl>
-          </a:graphicData>
-        </a:graphic>
-      </p:graphicFrame>
-      <p:graphicFrame>
-        <p:nvGraphicFramePr>
-          <p:cNvPr id="25" name="Tabela 24"/>
-          <p:cNvGraphicFramePr>
-            <a:graphicFrameLocks noGrp="1"/>
-          </p:cNvGraphicFramePr>
-          <p:nvPr/>
-        </p:nvGraphicFramePr>
-        <p:xfrm>
-          <a:off x="4786314" y="2143116"/>
-          <a:ext cx="3429024" cy="1564010"/>
-        </p:xfrm>
-        <a:graphic>
-          <a:graphicData uri="http://schemas.openxmlformats.org/drawingml/2006/table">
-            <a:tbl>
-              <a:tblPr firstRow="1" bandRow="1">
-                <a:tableStyleId>{5C22544A-7EE6-4342-B048-85BDC9FD1C3A}</a:tableStyleId>
-              </a:tblPr>
-              <a:tblGrid>
-                <a:gridCol w="1428760"/>
-                <a:gridCol w="857256"/>
-                <a:gridCol w="1143008"/>
-              </a:tblGrid>
-              <a:tr h="309565">
-                <a:tc>
-                  <a:txBody>
-                    <a:bodyPr/>
-                    <a:lstStyle/>
-                    <a:p>
-                      <a:r>
-                        <a:rPr lang="pl-PL" sz="1100" dirty="0" smtClean="0"/>
-                        <a:t>Adres odbiorcy</a:t>
-                      </a:r>
-                      <a:br>
-                        <a:rPr lang="pl-PL" sz="1100" dirty="0" smtClean="0"/>
-                      </a:br>
-                      <a:r>
-                        <a:rPr lang="pl-PL" sz="1100" dirty="0" smtClean="0"/>
-                        <a:t>RB</a:t>
-                      </a:r>
-                      <a:endParaRPr lang="pl-PL" sz="1100" dirty="0"/>
-                    </a:p>
-                  </a:txBody>
-                  <a:tcPr/>
-                </a:tc>
-                <a:tc>
-                  <a:txBody>
-                    <a:bodyPr/>
-                    <a:lstStyle/>
-                    <a:p>
-                      <a:r>
-                        <a:rPr lang="pl-PL" sz="1100" dirty="0" smtClean="0"/>
-                        <a:t>Interfejs</a:t>
-                      </a:r>
-                      <a:endParaRPr lang="pl-PL" sz="1100" dirty="0"/>
-                    </a:p>
-                  </a:txBody>
-                  <a:tcPr/>
-                </a:tc>
-                <a:tc>
-                  <a:txBody>
-                    <a:bodyPr/>
-                    <a:lstStyle/>
-                    <a:p>
-                      <a:r>
-                        <a:rPr lang="pl-PL" sz="1100" dirty="0" smtClean="0"/>
-                        <a:t>Następny</a:t>
-                      </a:r>
-                      <a:endParaRPr lang="pl-PL" sz="1100" dirty="0"/>
-                    </a:p>
-                  </a:txBody>
-                  <a:tcPr/>
-                </a:tc>
-              </a:tr>
-              <a:tr h="309565">
-                <a:tc>
-                  <a:txBody>
-                    <a:bodyPr/>
-                    <a:lstStyle/>
-                    <a:p>
-                      <a:r>
-                        <a:rPr lang="pl-PL" sz="1100" dirty="0" smtClean="0"/>
-                        <a:t>72.14.15.192/26</a:t>
-                      </a:r>
-                      <a:endParaRPr lang="pl-PL" sz="1100" dirty="0"/>
-                    </a:p>
-                  </a:txBody>
-                  <a:tcPr/>
-                </a:tc>
-                <a:tc>
-                  <a:txBody>
-                    <a:bodyPr/>
-                    <a:lstStyle/>
-                    <a:p>
-                      <a:r>
-                        <a:rPr lang="pl-PL" sz="1100" dirty="0" smtClean="0"/>
-                        <a:t>eth4</a:t>
-                      </a:r>
-                      <a:endParaRPr lang="pl-PL" sz="1100" dirty="0"/>
-                    </a:p>
-                  </a:txBody>
-                  <a:tcPr/>
-                </a:tc>
-                <a:tc>
-                  <a:txBody>
-                    <a:bodyPr/>
-                    <a:lstStyle/>
-                    <a:p>
-                      <a:r>
-                        <a:rPr lang="pl-PL" sz="1100" dirty="0" smtClean="0"/>
-                        <a:t>72.14.15.193</a:t>
-                      </a:r>
-                      <a:endParaRPr lang="pl-PL" sz="1100" dirty="0"/>
-                    </a:p>
-                  </a:txBody>
-                  <a:tcPr/>
-                </a:tc>
-              </a:tr>
-              <a:tr h="192409">
-                <a:tc>
-                  <a:txBody>
-                    <a:bodyPr/>
-                    <a:lstStyle/>
-                    <a:p>
-                      <a:r>
-                        <a:rPr lang="pl-PL" sz="1100" dirty="0" smtClean="0"/>
-                        <a:t>..</a:t>
-                      </a:r>
-                      <a:endParaRPr lang="pl-PL" sz="1100" dirty="0"/>
-                    </a:p>
-                  </a:txBody>
-                  <a:tcPr/>
-                </a:tc>
-                <a:tc>
-                  <a:txBody>
-                    <a:bodyPr/>
-                    <a:lstStyle/>
-                    <a:p>
-                      <a:endParaRPr lang="pl-PL" sz="1100" dirty="0"/>
-                    </a:p>
-                  </a:txBody>
-                  <a:tcPr/>
-                </a:tc>
-                <a:tc>
-                  <a:txBody>
-                    <a:bodyPr/>
-                    <a:lstStyle/>
-                    <a:p>
-                      <a:endParaRPr lang="pl-PL" sz="1100" dirty="0"/>
-                    </a:p>
-                  </a:txBody>
-                  <a:tcPr/>
-                </a:tc>
-              </a:tr>
-              <a:tr h="147643">
-                <a:tc>
-                  <a:txBody>
-                    <a:bodyPr/>
-                    <a:lstStyle/>
-                    <a:p>
-                      <a:r>
-                        <a:rPr lang="pl-PL" sz="1100" dirty="0" smtClean="0"/>
-                        <a:t>..</a:t>
-                      </a:r>
-                      <a:endParaRPr lang="pl-PL" sz="1100" dirty="0"/>
-                    </a:p>
-                  </a:txBody>
-                  <a:tcPr/>
-                </a:tc>
-                <a:tc>
-                  <a:txBody>
-                    <a:bodyPr/>
-                    <a:lstStyle/>
-                    <a:p>
-                      <a:endParaRPr lang="pl-PL" sz="1100" dirty="0"/>
-                    </a:p>
-                  </a:txBody>
-                  <a:tcPr/>
-                </a:tc>
-                <a:tc>
-                  <a:txBody>
-                    <a:bodyPr/>
-                    <a:lstStyle/>
-                    <a:p>
-                      <a:endParaRPr lang="pl-PL" sz="1100" dirty="0"/>
-                    </a:p>
-                  </a:txBody>
-                  <a:tcPr/>
-                </a:tc>
-              </a:tr>
-              <a:tr h="309565">
-                <a:tc>
-                  <a:txBody>
-                    <a:bodyPr/>
-                    <a:lstStyle/>
-                    <a:p>
-                      <a:r>
-                        <a:rPr lang="pl-PL" sz="1100" dirty="0" smtClean="0"/>
-                        <a:t>Dowolny</a:t>
-                      </a:r>
-                      <a:endParaRPr lang="pl-PL" sz="1100" dirty="0"/>
-                    </a:p>
-                  </a:txBody>
-                  <a:tcPr/>
-                </a:tc>
-                <a:tc>
-                  <a:txBody>
-                    <a:bodyPr/>
-                    <a:lstStyle/>
-                    <a:p>
-                      <a:r>
-                        <a:rPr lang="pl-PL" sz="1100" dirty="0" smtClean="0"/>
-                        <a:t>eth0?</a:t>
-                      </a:r>
-                      <a:endParaRPr lang="pl-PL" sz="1100" dirty="0"/>
-                    </a:p>
-                  </a:txBody>
-                  <a:tcPr/>
-                </a:tc>
-                <a:tc>
-                  <a:txBody>
-                    <a:bodyPr/>
-                    <a:lstStyle/>
-                    <a:p>
-                      <a:r>
-                        <a:rPr lang="pl-PL" sz="1100" dirty="0" smtClean="0"/>
-                        <a:t>Internet?</a:t>
-                      </a:r>
-                      <a:endParaRPr lang="pl-PL" sz="1100" dirty="0"/>
-                    </a:p>
-                  </a:txBody>
-                  <a:tcPr/>
-                </a:tc>
-              </a:tr>
-            </a:tbl>
-          </a:graphicData>
-        </a:graphic>
-      </p:graphicFrame>
-      <p:graphicFrame>
-        <p:nvGraphicFramePr>
-          <p:cNvPr id="26" name="Tabela 25"/>
-          <p:cNvGraphicFramePr>
-            <a:graphicFrameLocks noGrp="1"/>
-          </p:cNvGraphicFramePr>
-          <p:nvPr/>
-        </p:nvGraphicFramePr>
-        <p:xfrm>
-          <a:off x="4357686" y="4143380"/>
-          <a:ext cx="3786214" cy="1045850"/>
-        </p:xfrm>
-        <a:graphic>
-          <a:graphicData uri="http://schemas.openxmlformats.org/drawingml/2006/table">
-            <a:tbl>
-              <a:tblPr firstRow="1" bandRow="1">
-                <a:tableStyleId>{5C22544A-7EE6-4342-B048-85BDC9FD1C3A}</a:tableStyleId>
-              </a:tblPr>
-              <a:tblGrid>
-                <a:gridCol w="1419831"/>
-                <a:gridCol w="1104312"/>
-                <a:gridCol w="1262071"/>
-              </a:tblGrid>
-              <a:tr h="309565">
-                <a:tc>
-                  <a:txBody>
-                    <a:bodyPr/>
-                    <a:lstStyle/>
-                    <a:p>
-                      <a:r>
-                        <a:rPr lang="pl-PL" sz="1100" dirty="0" smtClean="0"/>
-                        <a:t>Adres odbiorcy</a:t>
-                      </a:r>
-                      <a:br>
-                        <a:rPr lang="pl-PL" sz="1100" dirty="0" smtClean="0"/>
-                      </a:br>
-                      <a:r>
-                        <a:rPr lang="pl-PL" sz="1100" dirty="0" smtClean="0"/>
-                        <a:t>RC</a:t>
-                      </a:r>
-                      <a:endParaRPr lang="pl-PL" sz="1100" dirty="0"/>
-                    </a:p>
-                  </a:txBody>
-                  <a:tcPr/>
-                </a:tc>
-                <a:tc>
-                  <a:txBody>
-                    <a:bodyPr/>
-                    <a:lstStyle/>
-                    <a:p>
-                      <a:r>
-                        <a:rPr lang="pl-PL" sz="1100" dirty="0" smtClean="0"/>
-                        <a:t>Interfejs</a:t>
-                      </a:r>
-                      <a:endParaRPr lang="pl-PL" sz="1100" dirty="0"/>
-                    </a:p>
-                  </a:txBody>
-                  <a:tcPr/>
-                </a:tc>
-                <a:tc>
-                  <a:txBody>
-                    <a:bodyPr/>
-                    <a:lstStyle/>
-                    <a:p>
-                      <a:r>
-                        <a:rPr lang="pl-PL" sz="1100" dirty="0" smtClean="0"/>
-                        <a:t>Następny</a:t>
-                      </a:r>
-                      <a:endParaRPr lang="pl-PL" sz="1100" dirty="0"/>
-                    </a:p>
-                  </a:txBody>
-                  <a:tcPr/>
-                </a:tc>
-              </a:tr>
-              <a:tr h="309565">
-                <a:tc>
-                  <a:txBody>
-                    <a:bodyPr/>
-                    <a:lstStyle/>
-                    <a:p>
-                      <a:r>
-                        <a:rPr lang="pl-PL" sz="1100" dirty="0" smtClean="0"/>
-                        <a:t>72.14.15.192/26</a:t>
-                      </a:r>
-                      <a:endParaRPr lang="pl-PL" sz="1100" dirty="0"/>
-                    </a:p>
-                  </a:txBody>
-                  <a:tcPr/>
-                </a:tc>
-                <a:tc>
-                  <a:txBody>
-                    <a:bodyPr/>
-                    <a:lstStyle/>
-                    <a:p>
-                      <a:r>
-                        <a:rPr lang="pl-PL" sz="1100" dirty="0" smtClean="0"/>
-                        <a:t>Eth2-62</a:t>
-                      </a:r>
-                      <a:endParaRPr lang="pl-PL" sz="1100" dirty="0"/>
-                    </a:p>
-                  </a:txBody>
-                  <a:tcPr/>
-                </a:tc>
-                <a:tc>
-                  <a:txBody>
-                    <a:bodyPr/>
-                    <a:lstStyle/>
-                    <a:p>
-                      <a:r>
-                        <a:rPr lang="pl-PL" sz="1100" dirty="0" smtClean="0"/>
-                        <a:t>Bezpośrednio</a:t>
-                      </a:r>
-                      <a:endParaRPr lang="pl-PL" sz="1100" dirty="0"/>
-                    </a:p>
-                  </a:txBody>
-                  <a:tcPr/>
-                </a:tc>
-              </a:tr>
-              <a:tr h="309565">
-                <a:tc>
-                  <a:txBody>
-                    <a:bodyPr/>
-                    <a:lstStyle/>
-                    <a:p>
-                      <a:r>
-                        <a:rPr lang="pl-PL" sz="1100" dirty="0" smtClean="0"/>
-                        <a:t>Dowolny</a:t>
-                      </a:r>
-                      <a:endParaRPr lang="pl-PL" sz="1100" dirty="0"/>
-                    </a:p>
-                  </a:txBody>
-                  <a:tcPr/>
-                </a:tc>
-                <a:tc>
-                  <a:txBody>
-                    <a:bodyPr/>
-                    <a:lstStyle/>
-                    <a:p>
-                      <a:r>
-                        <a:rPr lang="pl-PL" sz="1100" dirty="0" smtClean="0"/>
-                        <a:t>eth0</a:t>
-                      </a:r>
-                      <a:endParaRPr lang="pl-PL" sz="1100" dirty="0"/>
-                    </a:p>
-                  </a:txBody>
-                  <a:tcPr/>
-                </a:tc>
-                <a:tc>
-                  <a:txBody>
-                    <a:bodyPr/>
-                    <a:lstStyle/>
-                    <a:p>
-                      <a:r>
-                        <a:rPr lang="pl-PL" sz="1100" dirty="0" smtClean="0"/>
-                        <a:t>72.14.15.0</a:t>
-                      </a:r>
-                      <a:endParaRPr lang="pl-PL" sz="1100" dirty="0"/>
-                    </a:p>
-                  </a:txBody>
-                  <a:tcPr/>
-                </a:tc>
-              </a:tr>
-            </a:tbl>
-          </a:graphicData>
-        </a:graphic>
-      </p:graphicFrame>
-      <p:sp>
-        <p:nvSpPr>
-          <p:cNvPr id="28" name="pole tekstowe 27"/>
-          <p:cNvSpPr txBox="1"/>
-          <p:nvPr/>
-        </p:nvSpPr>
-        <p:spPr>
-          <a:xfrm>
-            <a:off x="142844" y="3929066"/>
-            <a:ext cx="3950120" cy="369332"/>
-          </a:xfrm>
-          <a:prstGeom prst="rect">
-            <a:avLst/>
-          </a:prstGeom>
-          <a:noFill/>
-        </p:spPr>
-        <p:txBody>
-          <a:bodyPr wrap="none" rtlCol="0">
-            <a:spAutoFit/>
-          </a:bodyPr>
-          <a:lstStyle/>
-          <a:p>
-            <a:r>
-              <a:rPr lang="pl-PL" dirty="0" smtClean="0"/>
-              <a:t>Założenie: W1 wysyła dane do WX</a:t>
-            </a:r>
-            <a:endParaRPr lang="pl-PL" dirty="0"/>
-          </a:p>
-        </p:txBody>
-      </p:sp>
-      <p:pic>
-        <p:nvPicPr>
-          <p:cNvPr id="3082" name="Picture 10"/>
-          <p:cNvPicPr>
-            <a:picLocks noChangeAspect="1" noChangeArrowheads="1"/>
-          </p:cNvPicPr>
-          <p:nvPr/>
-        </p:nvPicPr>
-        <p:blipFill>
-          <a:blip r:embed="rId9"/>
-          <a:srcRect/>
-          <a:stretch>
-            <a:fillRect/>
-          </a:stretch>
-        </p:blipFill>
-        <p:spPr bwMode="auto">
-          <a:xfrm>
-            <a:off x="357158" y="1214422"/>
-            <a:ext cx="3000396" cy="2589531"/>
-          </a:xfrm>
-          <a:prstGeom prst="rect">
-            <a:avLst/>
-          </a:prstGeom>
-          <a:noFill/>
-          <a:ln w="9525">
-            <a:noFill/>
-            <a:miter lim="800000"/>
-            <a:headEnd/>
-            <a:tailEnd/>
-          </a:ln>
-          <a:effectLst/>
-        </p:spPr>
-      </p:pic>
-      <p:sp>
-        <p:nvSpPr>
-          <p:cNvPr id="31" name="pole tekstowe 30"/>
-          <p:cNvSpPr txBox="1"/>
-          <p:nvPr/>
-        </p:nvSpPr>
-        <p:spPr>
-          <a:xfrm>
-            <a:off x="3071802" y="5929330"/>
-            <a:ext cx="1721946" cy="184666"/>
-          </a:xfrm>
-          <a:prstGeom prst="rect">
-            <a:avLst/>
-          </a:prstGeom>
-          <a:noFill/>
-        </p:spPr>
-        <p:txBody>
-          <a:bodyPr wrap="none" rtlCol="0">
-            <a:spAutoFit/>
-          </a:bodyPr>
-          <a:lstStyle/>
-          <a:p>
-            <a:r>
-              <a:rPr lang="pl-PL" sz="600" dirty="0" smtClean="0">
-                <a:hlinkClick r:id="rId10"/>
-              </a:rPr>
-              <a:t>https://www.nastykusieci.pl/nat-teoria</a:t>
-            </a:r>
-            <a:r>
-              <a:rPr lang="pl-PL" sz="600" dirty="0" smtClean="0">
-                <a:hlinkClick r:id="rId10"/>
-              </a:rPr>
-              <a:t>/</a:t>
-            </a:r>
-            <a:r>
-              <a:rPr lang="pl-PL" sz="600" dirty="0" smtClean="0"/>
-              <a:t> </a:t>
-            </a:r>
-            <a:endParaRPr lang="pl-PL" sz="600" dirty="0"/>
-          </a:p>
-        </p:txBody>
-      </p:sp>
-      <p:sp>
-        <p:nvSpPr>
-          <p:cNvPr id="32" name="pole tekstowe 31"/>
-          <p:cNvSpPr txBox="1"/>
-          <p:nvPr/>
-        </p:nvSpPr>
-        <p:spPr>
-          <a:xfrm>
-            <a:off x="2857488" y="5715016"/>
-            <a:ext cx="2529860" cy="215444"/>
-          </a:xfrm>
-          <a:prstGeom prst="rect">
-            <a:avLst/>
-          </a:prstGeom>
-          <a:noFill/>
-        </p:spPr>
-        <p:txBody>
-          <a:bodyPr wrap="none" rtlCol="0">
-            <a:spAutoFit/>
-          </a:bodyPr>
-          <a:lstStyle/>
-          <a:p>
-            <a:r>
-              <a:rPr lang="pl-PL" sz="800" dirty="0" smtClean="0">
-                <a:hlinkClick r:id="rId11"/>
-              </a:rPr>
-              <a:t>https://itwiz.pl/nat-i-prywatna-adresacja-ip</a:t>
-            </a:r>
-            <a:r>
-              <a:rPr lang="pl-PL" sz="800" dirty="0" smtClean="0">
-                <a:hlinkClick r:id="rId11"/>
-              </a:rPr>
-              <a:t>/</a:t>
-            </a:r>
-            <a:r>
-              <a:rPr lang="pl-PL" sz="800" dirty="0" smtClean="0"/>
-              <a:t> </a:t>
-            </a:r>
-            <a:endParaRPr lang="pl-PL" sz="800" dirty="0"/>
-          </a:p>
-        </p:txBody>
-      </p:sp>
-      <p:sp>
-        <p:nvSpPr>
-          <p:cNvPr id="33" name="pole tekstowe 32"/>
-          <p:cNvSpPr txBox="1"/>
-          <p:nvPr/>
-        </p:nvSpPr>
-        <p:spPr>
-          <a:xfrm>
-            <a:off x="2071670" y="6072206"/>
-            <a:ext cx="3156633" cy="184666"/>
-          </a:xfrm>
-          <a:prstGeom prst="rect">
-            <a:avLst/>
-          </a:prstGeom>
-          <a:noFill/>
-        </p:spPr>
-        <p:txBody>
-          <a:bodyPr wrap="none" rtlCol="0">
-            <a:spAutoFit/>
-          </a:bodyPr>
-          <a:lstStyle/>
-          <a:p>
-            <a:r>
-              <a:rPr lang="pl-PL" sz="600" dirty="0" smtClean="0">
-                <a:hlinkClick r:id="rId12"/>
-              </a:rPr>
-              <a:t>https://marken.com.pl/2021/03/02/brama-siecowa-podstawowe-informacje</a:t>
-            </a:r>
-            <a:r>
-              <a:rPr lang="pl-PL" sz="600" dirty="0" smtClean="0">
-                <a:hlinkClick r:id="rId12"/>
-              </a:rPr>
-              <a:t>/</a:t>
-            </a:r>
-            <a:r>
-              <a:rPr lang="pl-PL" sz="600" dirty="0" smtClean="0"/>
-              <a:t> </a:t>
-            </a:r>
-            <a:endParaRPr lang="pl-PL" sz="600" dirty="0"/>
-          </a:p>
-        </p:txBody>
-      </p:sp>
     </p:spTree>
   </p:cSld>
   <p:clrMapOvr>
     <a:masterClrMapping/>
   </p:clrMapOvr>
+  <p:timing>
+    <p:tnLst>
+      <p:par>
+        <p:cTn id="1" dur="indefinite" restart="never" nodeType="tmRoot"/>
+      </p:par>
+    </p:tnLst>
+  </p:timing>
 </p:sld>
 </file>
 
@@ -11792,6 +10704,1361 @@
           <a:chExt cx="0" cy="0"/>
         </a:xfrm>
       </p:grpSpPr>
+      <p:pic>
+        <p:nvPicPr>
+          <p:cNvPr id="2054" name="Picture 6"/>
+          <p:cNvPicPr>
+            <a:picLocks noChangeAspect="1" noChangeArrowheads="1"/>
+          </p:cNvPicPr>
+          <p:nvPr/>
+        </p:nvPicPr>
+        <p:blipFill>
+          <a:blip r:embed="rId2"/>
+          <a:srcRect/>
+          <a:stretch>
+            <a:fillRect/>
+          </a:stretch>
+        </p:blipFill>
+        <p:spPr bwMode="auto">
+          <a:xfrm>
+            <a:off x="214282" y="1071546"/>
+            <a:ext cx="5390829" cy="3714776"/>
+          </a:xfrm>
+          <a:prstGeom prst="rect">
+            <a:avLst/>
+          </a:prstGeom>
+          <a:noFill/>
+          <a:ln w="9525">
+            <a:noFill/>
+            <a:miter lim="800000"/>
+            <a:headEnd/>
+            <a:tailEnd/>
+          </a:ln>
+          <a:effectLst/>
+        </p:spPr>
+      </p:pic>
+      <p:sp>
+        <p:nvSpPr>
+          <p:cNvPr id="2" name="Tytuł 1"/>
+          <p:cNvSpPr>
+            <a:spLocks noGrp="1"/>
+          </p:cNvSpPr>
+          <p:nvPr>
+            <p:ph type="title"/>
+          </p:nvPr>
+        </p:nvSpPr>
+        <p:spPr>
+          <a:xfrm>
+            <a:off x="357158" y="0"/>
+            <a:ext cx="8229600" cy="1143000"/>
+          </a:xfrm>
+        </p:spPr>
+        <p:txBody>
+          <a:bodyPr>
+            <a:normAutofit fontScale="90000"/>
+          </a:bodyPr>
+          <a:lstStyle/>
+          <a:p>
+            <a:r>
+              <a:rPr lang="pl-PL" dirty="0" smtClean="0"/>
+              <a:t>Internet / </a:t>
+            </a:r>
+            <a:r>
+              <a:rPr lang="pl-PL" dirty="0" err="1" smtClean="0"/>
+              <a:t>sub</a:t>
+            </a:r>
+            <a:r>
+              <a:rPr lang="pl-PL" dirty="0" smtClean="0"/>
+              <a:t> sieci / intersieci /</a:t>
+            </a:r>
+            <a:br>
+              <a:rPr lang="pl-PL" dirty="0" smtClean="0"/>
+            </a:br>
+            <a:r>
+              <a:rPr lang="pl-PL" dirty="0" smtClean="0"/>
+              <a:t>sieci lokalne</a:t>
+            </a:r>
+            <a:endParaRPr lang="pl-PL" dirty="0"/>
+          </a:p>
+        </p:txBody>
+      </p:sp>
+      <p:sp>
+        <p:nvSpPr>
+          <p:cNvPr id="8" name="pole tekstowe 7"/>
+          <p:cNvSpPr txBox="1"/>
+          <p:nvPr/>
+        </p:nvSpPr>
+        <p:spPr>
+          <a:xfrm>
+            <a:off x="6378499" y="5857892"/>
+            <a:ext cx="2765501" cy="215444"/>
+          </a:xfrm>
+          <a:prstGeom prst="rect">
+            <a:avLst/>
+          </a:prstGeom>
+          <a:noFill/>
+        </p:spPr>
+        <p:txBody>
+          <a:bodyPr wrap="none" rtlCol="0">
+            <a:spAutoFit/>
+          </a:bodyPr>
+          <a:lstStyle/>
+          <a:p>
+            <a:r>
+              <a:rPr lang="pl-PL" sz="800" dirty="0" smtClean="0">
+                <a:hlinkClick r:id="rId3"/>
+              </a:rPr>
+              <a:t>https://ipcisco.com/lesson/subnetting-examples/</a:t>
+            </a:r>
+            <a:r>
+              <a:rPr lang="pl-PL" sz="800" dirty="0" smtClean="0"/>
+              <a:t> </a:t>
+            </a:r>
+            <a:endParaRPr lang="pl-PL" sz="800" dirty="0"/>
+          </a:p>
+        </p:txBody>
+      </p:sp>
+      <p:sp>
+        <p:nvSpPr>
+          <p:cNvPr id="9" name="pole tekstowe 8"/>
+          <p:cNvSpPr txBox="1"/>
+          <p:nvPr/>
+        </p:nvSpPr>
+        <p:spPr>
+          <a:xfrm>
+            <a:off x="5572132" y="6072206"/>
+            <a:ext cx="2714644" cy="215444"/>
+          </a:xfrm>
+          <a:prstGeom prst="rect">
+            <a:avLst/>
+          </a:prstGeom>
+          <a:noFill/>
+        </p:spPr>
+        <p:txBody>
+          <a:bodyPr wrap="square" rtlCol="0">
+            <a:spAutoFit/>
+          </a:bodyPr>
+          <a:lstStyle/>
+          <a:p>
+            <a:r>
+              <a:rPr lang="pl-PL" sz="800" dirty="0" smtClean="0">
+                <a:hlinkClick r:id="rId4"/>
+              </a:rPr>
+              <a:t>https://avinetworks.com/glossary/subnet-mask/</a:t>
+            </a:r>
+            <a:r>
+              <a:rPr lang="pl-PL" sz="800" dirty="0" smtClean="0"/>
+              <a:t> </a:t>
+            </a:r>
+            <a:endParaRPr lang="pl-PL" sz="800" dirty="0"/>
+          </a:p>
+        </p:txBody>
+      </p:sp>
+      <p:sp>
+        <p:nvSpPr>
+          <p:cNvPr id="13" name="pole tekstowe 12"/>
+          <p:cNvSpPr txBox="1"/>
+          <p:nvPr/>
+        </p:nvSpPr>
+        <p:spPr>
+          <a:xfrm>
+            <a:off x="3857620" y="6072206"/>
+            <a:ext cx="3143272" cy="215444"/>
+          </a:xfrm>
+          <a:prstGeom prst="rect">
+            <a:avLst/>
+          </a:prstGeom>
+          <a:noFill/>
+        </p:spPr>
+        <p:txBody>
+          <a:bodyPr wrap="square" rtlCol="0">
+            <a:spAutoFit/>
+          </a:bodyPr>
+          <a:lstStyle/>
+          <a:p>
+            <a:r>
+              <a:rPr lang="pl-PL" sz="800" dirty="0" smtClean="0">
+                <a:hlinkClick r:id="rId5"/>
+              </a:rPr>
+              <a:t>https://42.pl/</a:t>
+            </a:r>
+            <a:r>
+              <a:rPr lang="pl-PL" sz="800" dirty="0" err="1" smtClean="0">
+                <a:hlinkClick r:id="rId5"/>
+              </a:rPr>
+              <a:t>ipcalc</a:t>
+            </a:r>
+            <a:r>
+              <a:rPr lang="pl-PL" sz="800" dirty="0" smtClean="0">
+                <a:hlinkClick r:id="rId5"/>
+              </a:rPr>
+              <a:t>/</a:t>
+            </a:r>
+            <a:r>
+              <a:rPr lang="pl-PL" sz="800" dirty="0" smtClean="0"/>
+              <a:t> </a:t>
+            </a:r>
+            <a:endParaRPr lang="pl-PL" sz="800" dirty="0"/>
+          </a:p>
+        </p:txBody>
+      </p:sp>
+      <p:pic>
+        <p:nvPicPr>
+          <p:cNvPr id="3076" name="Picture 4"/>
+          <p:cNvPicPr>
+            <a:picLocks noChangeAspect="1" noChangeArrowheads="1"/>
+          </p:cNvPicPr>
+          <p:nvPr/>
+        </p:nvPicPr>
+        <p:blipFill>
+          <a:blip r:embed="rId6"/>
+          <a:srcRect/>
+          <a:stretch>
+            <a:fillRect/>
+          </a:stretch>
+        </p:blipFill>
+        <p:spPr bwMode="auto">
+          <a:xfrm>
+            <a:off x="3929058" y="928670"/>
+            <a:ext cx="2603475" cy="714379"/>
+          </a:xfrm>
+          <a:prstGeom prst="rect">
+            <a:avLst/>
+          </a:prstGeom>
+          <a:noFill/>
+          <a:ln w="9525">
+            <a:noFill/>
+            <a:miter lim="800000"/>
+            <a:headEnd/>
+            <a:tailEnd/>
+          </a:ln>
+          <a:effectLst/>
+        </p:spPr>
+      </p:pic>
+      <p:sp>
+        <p:nvSpPr>
+          <p:cNvPr id="14" name="pole tekstowe 13"/>
+          <p:cNvSpPr txBox="1"/>
+          <p:nvPr/>
+        </p:nvSpPr>
+        <p:spPr>
+          <a:xfrm>
+            <a:off x="3428992" y="6286520"/>
+            <a:ext cx="3065263" cy="215444"/>
+          </a:xfrm>
+          <a:prstGeom prst="rect">
+            <a:avLst/>
+          </a:prstGeom>
+          <a:noFill/>
+        </p:spPr>
+        <p:txBody>
+          <a:bodyPr wrap="none" rtlCol="0">
+            <a:spAutoFit/>
+          </a:bodyPr>
+          <a:lstStyle/>
+          <a:p>
+            <a:r>
+              <a:rPr lang="pl-PL" sz="800" dirty="0" smtClean="0">
+                <a:hlinkClick r:id="rId7"/>
+              </a:rPr>
+              <a:t>https://pasja-informatyki.pl/sieci-komputerowe/ruting/</a:t>
+            </a:r>
+            <a:r>
+              <a:rPr lang="pl-PL" sz="800" dirty="0" smtClean="0"/>
+              <a:t> </a:t>
+            </a:r>
+            <a:endParaRPr lang="pl-PL" sz="800" dirty="0"/>
+          </a:p>
+        </p:txBody>
+      </p:sp>
+      <p:sp>
+        <p:nvSpPr>
+          <p:cNvPr id="15" name="pole tekstowe 14"/>
+          <p:cNvSpPr txBox="1"/>
+          <p:nvPr/>
+        </p:nvSpPr>
+        <p:spPr>
+          <a:xfrm>
+            <a:off x="642910" y="5715016"/>
+            <a:ext cx="4455066" cy="215444"/>
+          </a:xfrm>
+          <a:prstGeom prst="rect">
+            <a:avLst/>
+          </a:prstGeom>
+          <a:noFill/>
+        </p:spPr>
+        <p:txBody>
+          <a:bodyPr wrap="none" rtlCol="0">
+            <a:spAutoFit/>
+          </a:bodyPr>
+          <a:lstStyle/>
+          <a:p>
+            <a:r>
+              <a:rPr lang="pl-PL" sz="800" dirty="0" smtClean="0">
+                <a:hlinkClick r:id="rId8"/>
+              </a:rPr>
+              <a:t>http://slow7.pl/sieci-komputerowe/</a:t>
+            </a:r>
+            <a:r>
+              <a:rPr lang="pl-PL" sz="800" dirty="0" err="1" smtClean="0">
+                <a:hlinkClick r:id="rId8"/>
+              </a:rPr>
+              <a:t>item</a:t>
+            </a:r>
+            <a:r>
+              <a:rPr lang="pl-PL" sz="800" dirty="0" smtClean="0">
+                <a:hlinkClick r:id="rId8"/>
+              </a:rPr>
+              <a:t>/41-co-w-sieci-siedzi-routing-dynamiczny</a:t>
+            </a:r>
+            <a:r>
+              <a:rPr lang="pl-PL" sz="800" dirty="0" smtClean="0"/>
+              <a:t> </a:t>
+            </a:r>
+            <a:endParaRPr lang="pl-PL" sz="800" dirty="0"/>
+          </a:p>
+        </p:txBody>
+      </p:sp>
+      <p:sp>
+        <p:nvSpPr>
+          <p:cNvPr id="16" name="pole tekstowe 15"/>
+          <p:cNvSpPr txBox="1"/>
+          <p:nvPr/>
+        </p:nvSpPr>
+        <p:spPr>
+          <a:xfrm>
+            <a:off x="4143372" y="6500834"/>
+            <a:ext cx="4270721" cy="215444"/>
+          </a:xfrm>
+          <a:prstGeom prst="rect">
+            <a:avLst/>
+          </a:prstGeom>
+          <a:noFill/>
+        </p:spPr>
+        <p:txBody>
+          <a:bodyPr wrap="none" rtlCol="0">
+            <a:spAutoFit/>
+          </a:bodyPr>
+          <a:lstStyle/>
+          <a:p>
+            <a:r>
+              <a:rPr lang="pl-PL" sz="800" dirty="0" smtClean="0">
+                <a:hlinkClick r:id="rId9"/>
+              </a:rPr>
+              <a:t>https://pasja-informatyki.pl/sieci-komputerowe/testowanie-warstwy-sieciowej/</a:t>
+            </a:r>
+            <a:r>
+              <a:rPr lang="pl-PL" sz="800" dirty="0" smtClean="0"/>
+              <a:t> </a:t>
+            </a:r>
+            <a:endParaRPr lang="pl-PL" sz="800" dirty="0"/>
+          </a:p>
+        </p:txBody>
+      </p:sp>
+      <p:graphicFrame>
+        <p:nvGraphicFramePr>
+          <p:cNvPr id="18" name="Tabela 17"/>
+          <p:cNvGraphicFramePr>
+            <a:graphicFrameLocks noGrp="1"/>
+          </p:cNvGraphicFramePr>
+          <p:nvPr/>
+        </p:nvGraphicFramePr>
+        <p:xfrm>
+          <a:off x="6572264" y="4286256"/>
+          <a:ext cx="2286016" cy="988701"/>
+        </p:xfrm>
+        <a:graphic>
+          <a:graphicData uri="http://schemas.openxmlformats.org/drawingml/2006/table">
+            <a:tbl>
+              <a:tblPr firstRow="1" bandRow="1">
+                <a:tableStyleId>{5C22544A-7EE6-4342-B048-85BDC9FD1C3A}</a:tableStyleId>
+              </a:tblPr>
+              <a:tblGrid>
+                <a:gridCol w="857257"/>
+                <a:gridCol w="666754"/>
+                <a:gridCol w="762005"/>
+              </a:tblGrid>
+              <a:tr h="238127">
+                <a:tc>
+                  <a:txBody>
+                    <a:bodyPr/>
+                    <a:lstStyle/>
+                    <a:p>
+                      <a:r>
+                        <a:rPr lang="pl-PL" sz="600" dirty="0" smtClean="0"/>
+                        <a:t>Router R3</a:t>
+                      </a:r>
+                      <a:br>
+                        <a:rPr lang="pl-PL" sz="600" dirty="0" smtClean="0"/>
+                      </a:br>
+                      <a:r>
+                        <a:rPr lang="pl-PL" sz="600" dirty="0" smtClean="0"/>
+                        <a:t>Adres Odbiorcy</a:t>
+                      </a:r>
+                      <a:endParaRPr lang="pl-PL" sz="600" dirty="0"/>
+                    </a:p>
+                  </a:txBody>
+                  <a:tcPr/>
+                </a:tc>
+                <a:tc>
+                  <a:txBody>
+                    <a:bodyPr/>
+                    <a:lstStyle/>
+                    <a:p>
+                      <a:r>
+                        <a:rPr lang="pl-PL" sz="600" dirty="0" smtClean="0"/>
+                        <a:t>Interfejs</a:t>
+                      </a:r>
+                      <a:endParaRPr lang="pl-PL" sz="600" dirty="0"/>
+                    </a:p>
+                  </a:txBody>
+                  <a:tcPr/>
+                </a:tc>
+                <a:tc>
+                  <a:txBody>
+                    <a:bodyPr/>
+                    <a:lstStyle/>
+                    <a:p>
+                      <a:r>
+                        <a:rPr lang="pl-PL" sz="600" dirty="0" smtClean="0"/>
+                        <a:t>Następny</a:t>
+                      </a:r>
+                      <a:endParaRPr lang="pl-PL" sz="600" dirty="0"/>
+                    </a:p>
+                  </a:txBody>
+                  <a:tcPr/>
+                </a:tc>
+              </a:tr>
+              <a:tr h="238127">
+                <a:tc>
+                  <a:txBody>
+                    <a:bodyPr/>
+                    <a:lstStyle/>
+                    <a:p>
+                      <a:r>
+                        <a:rPr lang="pl-PL" sz="600" dirty="0" smtClean="0"/>
+                        <a:t>192.168.0.2/28</a:t>
+                      </a:r>
+                      <a:endParaRPr lang="pl-PL" sz="600" dirty="0"/>
+                    </a:p>
+                  </a:txBody>
+                  <a:tcPr/>
+                </a:tc>
+                <a:tc>
+                  <a:txBody>
+                    <a:bodyPr/>
+                    <a:lstStyle/>
+                    <a:p>
+                      <a:r>
+                        <a:rPr lang="pl-PL" sz="600" dirty="0" smtClean="0"/>
+                        <a:t>int1</a:t>
+                      </a:r>
+                      <a:endParaRPr lang="pl-PL" sz="600" dirty="0"/>
+                    </a:p>
+                  </a:txBody>
+                  <a:tcPr/>
+                </a:tc>
+                <a:tc>
+                  <a:txBody>
+                    <a:bodyPr/>
+                    <a:lstStyle/>
+                    <a:p>
+                      <a:r>
+                        <a:rPr lang="pl-PL" sz="600" dirty="0" smtClean="0"/>
+                        <a:t>Bezpośrednio</a:t>
+                      </a:r>
+                      <a:endParaRPr lang="pl-PL" sz="600" dirty="0"/>
+                    </a:p>
+                  </a:txBody>
+                  <a:tcPr/>
+                </a:tc>
+              </a:tr>
+              <a:tr h="238127">
+                <a:tc>
+                  <a:txBody>
+                    <a:bodyPr/>
+                    <a:lstStyle/>
+                    <a:p>
+                      <a:r>
+                        <a:rPr lang="pl-PL" sz="600" dirty="0" smtClean="0"/>
+                        <a:t>…</a:t>
+                      </a:r>
+                      <a:endParaRPr lang="pl-PL" sz="600" dirty="0"/>
+                    </a:p>
+                  </a:txBody>
+                  <a:tcPr/>
+                </a:tc>
+                <a:tc>
+                  <a:txBody>
+                    <a:bodyPr/>
+                    <a:lstStyle/>
+                    <a:p>
+                      <a:endParaRPr lang="pl-PL" sz="600" dirty="0"/>
+                    </a:p>
+                  </a:txBody>
+                  <a:tcPr/>
+                </a:tc>
+                <a:tc>
+                  <a:txBody>
+                    <a:bodyPr/>
+                    <a:lstStyle/>
+                    <a:p>
+                      <a:endParaRPr lang="pl-PL" sz="600" dirty="0"/>
+                    </a:p>
+                  </a:txBody>
+                  <a:tcPr/>
+                </a:tc>
+              </a:tr>
+              <a:tr h="238127">
+                <a:tc>
+                  <a:txBody>
+                    <a:bodyPr/>
+                    <a:lstStyle/>
+                    <a:p>
+                      <a:r>
+                        <a:rPr lang="pl-PL" sz="600" dirty="0" smtClean="0"/>
+                        <a:t>Dowolny</a:t>
+                      </a:r>
+                      <a:endParaRPr lang="pl-PL" sz="600" dirty="0"/>
+                    </a:p>
+                  </a:txBody>
+                  <a:tcPr/>
+                </a:tc>
+                <a:tc>
+                  <a:txBody>
+                    <a:bodyPr/>
+                    <a:lstStyle/>
+                    <a:p>
+                      <a:r>
+                        <a:rPr lang="pl-PL" sz="600" dirty="0" smtClean="0"/>
+                        <a:t>int0</a:t>
+                      </a:r>
+                      <a:endParaRPr lang="pl-PL" sz="600" dirty="0"/>
+                    </a:p>
+                  </a:txBody>
+                  <a:tcPr/>
+                </a:tc>
+                <a:tc>
+                  <a:txBody>
+                    <a:bodyPr/>
+                    <a:lstStyle/>
+                    <a:p>
+                      <a:r>
+                        <a:rPr lang="pl-PL" sz="600" dirty="0" smtClean="0"/>
+                        <a:t>192.168.0.1</a:t>
+                      </a:r>
+                      <a:endParaRPr lang="pl-PL" sz="600" dirty="0"/>
+                    </a:p>
+                  </a:txBody>
+                  <a:tcPr/>
+                </a:tc>
+              </a:tr>
+            </a:tbl>
+          </a:graphicData>
+        </a:graphic>
+      </p:graphicFrame>
+      <p:graphicFrame>
+        <p:nvGraphicFramePr>
+          <p:cNvPr id="25" name="Tabela 24"/>
+          <p:cNvGraphicFramePr>
+            <a:graphicFrameLocks noGrp="1"/>
+          </p:cNvGraphicFramePr>
+          <p:nvPr/>
+        </p:nvGraphicFramePr>
+        <p:xfrm>
+          <a:off x="6572264" y="642918"/>
+          <a:ext cx="2428892" cy="1219200"/>
+        </p:xfrm>
+        <a:graphic>
+          <a:graphicData uri="http://schemas.openxmlformats.org/drawingml/2006/table">
+            <a:tbl>
+              <a:tblPr firstRow="1" bandRow="1">
+                <a:tableStyleId>{5C22544A-7EE6-4342-B048-85BDC9FD1C3A}</a:tableStyleId>
+              </a:tblPr>
+              <a:tblGrid>
+                <a:gridCol w="1012039"/>
+                <a:gridCol w="607223"/>
+                <a:gridCol w="809630"/>
+              </a:tblGrid>
+              <a:tr h="169593">
+                <a:tc>
+                  <a:txBody>
+                    <a:bodyPr/>
+                    <a:lstStyle/>
+                    <a:p>
+                      <a:r>
+                        <a:rPr lang="pl-PL" sz="600" dirty="0" smtClean="0"/>
+                        <a:t>Router R1</a:t>
+                      </a:r>
+                      <a:br>
+                        <a:rPr lang="pl-PL" sz="600" dirty="0" smtClean="0"/>
+                      </a:br>
+                      <a:r>
+                        <a:rPr lang="pl-PL" sz="600" dirty="0" smtClean="0"/>
+                        <a:t>Adres Odbiorcy</a:t>
+                      </a:r>
+                      <a:endParaRPr lang="pl-PL" sz="600" dirty="0"/>
+                    </a:p>
+                  </a:txBody>
+                  <a:tcPr/>
+                </a:tc>
+                <a:tc>
+                  <a:txBody>
+                    <a:bodyPr/>
+                    <a:lstStyle/>
+                    <a:p>
+                      <a:r>
+                        <a:rPr lang="pl-PL" sz="600" dirty="0" smtClean="0"/>
+                        <a:t>Interfejs</a:t>
+                      </a:r>
+                      <a:endParaRPr lang="pl-PL" sz="600" dirty="0"/>
+                    </a:p>
+                  </a:txBody>
+                  <a:tcPr/>
+                </a:tc>
+                <a:tc>
+                  <a:txBody>
+                    <a:bodyPr/>
+                    <a:lstStyle/>
+                    <a:p>
+                      <a:r>
+                        <a:rPr lang="pl-PL" sz="600" dirty="0" smtClean="0"/>
+                        <a:t>Adres IP</a:t>
+                      </a:r>
+                      <a:endParaRPr lang="pl-PL" sz="600" dirty="0"/>
+                    </a:p>
+                  </a:txBody>
+                  <a:tcPr/>
+                </a:tc>
+              </a:tr>
+              <a:tr h="169593">
+                <a:tc>
+                  <a:txBody>
+                    <a:bodyPr/>
+                    <a:lstStyle/>
+                    <a:p>
+                      <a:r>
+                        <a:rPr lang="pl-PL" sz="600" dirty="0" smtClean="0"/>
+                        <a:t>10.0.0.0/24</a:t>
+                      </a:r>
+                      <a:endParaRPr lang="pl-PL" sz="600" dirty="0"/>
+                    </a:p>
+                  </a:txBody>
+                  <a:tcPr/>
+                </a:tc>
+                <a:tc>
+                  <a:txBody>
+                    <a:bodyPr/>
+                    <a:lstStyle/>
+                    <a:p>
+                      <a:r>
+                        <a:rPr lang="pl-PL" sz="600" dirty="0" smtClean="0"/>
+                        <a:t>int1</a:t>
+                      </a:r>
+                      <a:endParaRPr lang="pl-PL" sz="600" dirty="0"/>
+                    </a:p>
+                  </a:txBody>
+                  <a:tcPr/>
+                </a:tc>
+                <a:tc>
+                  <a:txBody>
+                    <a:bodyPr/>
+                    <a:lstStyle/>
+                    <a:p>
+                      <a:pPr algn="l"/>
+                      <a:r>
+                        <a:rPr lang="pl-PL" sz="600" dirty="0" smtClean="0"/>
+                        <a:t>bezpośrednio</a:t>
+                      </a:r>
+                      <a:endParaRPr lang="pl-PL" sz="600" dirty="0"/>
+                    </a:p>
+                  </a:txBody>
+                  <a:tcPr/>
+                </a:tc>
+              </a:tr>
+              <a:tr h="169593">
+                <a:tc>
+                  <a:txBody>
+                    <a:bodyPr/>
+                    <a:lstStyle/>
+                    <a:p>
+                      <a:r>
+                        <a:rPr lang="pl-PL" sz="600" dirty="0" smtClean="0"/>
+                        <a:t>72.14.15.192/20</a:t>
+                      </a:r>
+                      <a:endParaRPr lang="pl-PL" sz="600" dirty="0"/>
+                    </a:p>
+                  </a:txBody>
+                  <a:tcPr/>
+                </a:tc>
+                <a:tc>
+                  <a:txBody>
+                    <a:bodyPr/>
+                    <a:lstStyle/>
+                    <a:p>
+                      <a:r>
+                        <a:rPr lang="pl-PL" sz="600" dirty="0" smtClean="0"/>
+                        <a:t>Int2</a:t>
+                      </a:r>
+                      <a:endParaRPr lang="pl-PL" sz="600" dirty="0"/>
+                    </a:p>
+                  </a:txBody>
+                  <a:tcPr/>
+                </a:tc>
+                <a:tc>
+                  <a:txBody>
+                    <a:bodyPr/>
+                    <a:lstStyle/>
+                    <a:p>
+                      <a:pPr algn="l"/>
+                      <a:r>
+                        <a:rPr lang="pl-PL" sz="600" dirty="0" smtClean="0"/>
+                        <a:t>10.0.0.6</a:t>
+                      </a:r>
+                      <a:endParaRPr lang="pl-PL" sz="600" dirty="0"/>
+                    </a:p>
+                  </a:txBody>
+                  <a:tcPr/>
+                </a:tc>
+              </a:tr>
+              <a:tr h="0">
+                <a:tc>
+                  <a:txBody>
+                    <a:bodyPr/>
+                    <a:lstStyle/>
+                    <a:p>
+                      <a:r>
+                        <a:rPr lang="pl-PL" sz="600" dirty="0" smtClean="0"/>
+                        <a:t>192.168.0.0/26</a:t>
+                      </a:r>
+                      <a:endParaRPr lang="pl-PL" sz="600" dirty="0"/>
+                    </a:p>
+                  </a:txBody>
+                  <a:tcPr/>
+                </a:tc>
+                <a:tc>
+                  <a:txBody>
+                    <a:bodyPr/>
+                    <a:lstStyle/>
+                    <a:p>
+                      <a:r>
+                        <a:rPr lang="pl-PL" sz="600" dirty="0" smtClean="0"/>
+                        <a:t>Int2</a:t>
+                      </a:r>
+                      <a:endParaRPr lang="pl-PL" sz="600" dirty="0"/>
+                    </a:p>
+                  </a:txBody>
+                  <a:tcPr/>
+                </a:tc>
+                <a:tc>
+                  <a:txBody>
+                    <a:bodyPr/>
+                    <a:lstStyle/>
+                    <a:p>
+                      <a:r>
+                        <a:rPr lang="pl-PL" sz="800" dirty="0" smtClean="0"/>
+                        <a:t>10.0.0.0/24</a:t>
+                      </a:r>
+                      <a:endParaRPr lang="pl-PL" sz="600" dirty="0"/>
+                    </a:p>
+                  </a:txBody>
+                  <a:tcPr/>
+                </a:tc>
+              </a:tr>
+              <a:tr h="0">
+                <a:tc>
+                  <a:txBody>
+                    <a:bodyPr/>
+                    <a:lstStyle/>
+                    <a:p>
+                      <a:r>
+                        <a:rPr lang="pl-PL" sz="600" dirty="0" smtClean="0"/>
+                        <a:t>..</a:t>
+                      </a:r>
+                      <a:endParaRPr lang="pl-PL" sz="600" dirty="0"/>
+                    </a:p>
+                  </a:txBody>
+                  <a:tcPr/>
+                </a:tc>
+                <a:tc>
+                  <a:txBody>
+                    <a:bodyPr/>
+                    <a:lstStyle/>
+                    <a:p>
+                      <a:endParaRPr lang="pl-PL" sz="600" dirty="0"/>
+                    </a:p>
+                  </a:txBody>
+                  <a:tcPr/>
+                </a:tc>
+                <a:tc>
+                  <a:txBody>
+                    <a:bodyPr/>
+                    <a:lstStyle/>
+                    <a:p>
+                      <a:endParaRPr lang="pl-PL" sz="600" dirty="0"/>
+                    </a:p>
+                  </a:txBody>
+                  <a:tcPr/>
+                </a:tc>
+              </a:tr>
+              <a:tr h="169593">
+                <a:tc>
+                  <a:txBody>
+                    <a:bodyPr/>
+                    <a:lstStyle/>
+                    <a:p>
+                      <a:r>
+                        <a:rPr lang="pl-PL" sz="600" dirty="0" smtClean="0"/>
+                        <a:t>Dowolny</a:t>
+                      </a:r>
+                      <a:endParaRPr lang="pl-PL" sz="600" dirty="0"/>
+                    </a:p>
+                  </a:txBody>
+                  <a:tcPr/>
+                </a:tc>
+                <a:tc>
+                  <a:txBody>
+                    <a:bodyPr/>
+                    <a:lstStyle/>
+                    <a:p>
+                      <a:r>
+                        <a:rPr lang="pl-PL" sz="600" dirty="0" smtClean="0"/>
+                        <a:t>eth0?</a:t>
+                      </a:r>
+                      <a:endParaRPr lang="pl-PL" sz="600" dirty="0"/>
+                    </a:p>
+                  </a:txBody>
+                  <a:tcPr/>
+                </a:tc>
+                <a:tc>
+                  <a:txBody>
+                    <a:bodyPr/>
+                    <a:lstStyle/>
+                    <a:p>
+                      <a:r>
+                        <a:rPr lang="pl-PL" sz="600" dirty="0" smtClean="0"/>
+                        <a:t>Internet?</a:t>
+                      </a:r>
+                      <a:endParaRPr lang="pl-PL" sz="600" dirty="0"/>
+                    </a:p>
+                  </a:txBody>
+                  <a:tcPr/>
+                </a:tc>
+              </a:tr>
+            </a:tbl>
+          </a:graphicData>
+        </a:graphic>
+      </p:graphicFrame>
+      <p:graphicFrame>
+        <p:nvGraphicFramePr>
+          <p:cNvPr id="26" name="Tabela 25"/>
+          <p:cNvGraphicFramePr>
+            <a:graphicFrameLocks noGrp="1"/>
+          </p:cNvGraphicFramePr>
+          <p:nvPr/>
+        </p:nvGraphicFramePr>
+        <p:xfrm>
+          <a:off x="6572264" y="2214554"/>
+          <a:ext cx="2428892" cy="1459374"/>
+        </p:xfrm>
+        <a:graphic>
+          <a:graphicData uri="http://schemas.openxmlformats.org/drawingml/2006/table">
+            <a:tbl>
+              <a:tblPr firstRow="1" bandRow="1">
+                <a:tableStyleId>{5C22544A-7EE6-4342-B048-85BDC9FD1C3A}</a:tableStyleId>
+              </a:tblPr>
+              <a:tblGrid>
+                <a:gridCol w="910835"/>
+                <a:gridCol w="708427"/>
+                <a:gridCol w="809630"/>
+              </a:tblGrid>
+              <a:tr h="336779">
+                <a:tc>
+                  <a:txBody>
+                    <a:bodyPr/>
+                    <a:lstStyle/>
+                    <a:p>
+                      <a:r>
+                        <a:rPr lang="pl-PL" sz="600" dirty="0" smtClean="0"/>
+                        <a:t>Router R2</a:t>
+                      </a:r>
+                      <a:br>
+                        <a:rPr lang="pl-PL" sz="600" dirty="0" smtClean="0"/>
+                      </a:br>
+                      <a:r>
+                        <a:rPr lang="pl-PL" sz="600" dirty="0" smtClean="0"/>
+                        <a:t>Adres Odbiorcy</a:t>
+                      </a:r>
+                      <a:endParaRPr lang="pl-PL" sz="600" dirty="0"/>
+                    </a:p>
+                  </a:txBody>
+                  <a:tcPr/>
+                </a:tc>
+                <a:tc>
+                  <a:txBody>
+                    <a:bodyPr/>
+                    <a:lstStyle/>
+                    <a:p>
+                      <a:r>
+                        <a:rPr lang="pl-PL" sz="600" dirty="0" smtClean="0"/>
+                        <a:t>Interfejs</a:t>
+                      </a:r>
+                      <a:endParaRPr lang="pl-PL" sz="600" dirty="0"/>
+                    </a:p>
+                  </a:txBody>
+                  <a:tcPr/>
+                </a:tc>
+                <a:tc>
+                  <a:txBody>
+                    <a:bodyPr/>
+                    <a:lstStyle/>
+                    <a:p>
+                      <a:r>
+                        <a:rPr lang="pl-PL" sz="600" dirty="0" smtClean="0"/>
+                        <a:t>Następny</a:t>
+                      </a:r>
+                      <a:endParaRPr lang="pl-PL" sz="600" dirty="0"/>
+                    </a:p>
+                  </a:txBody>
+                  <a:tcPr/>
+                </a:tc>
+              </a:tr>
+              <a:tr h="224519">
+                <a:tc>
+                  <a:txBody>
+                    <a:bodyPr/>
+                    <a:lstStyle/>
+                    <a:p>
+                      <a:r>
+                        <a:rPr lang="pl-PL" sz="600" dirty="0" smtClean="0"/>
+                        <a:t>192.168.0.0/26</a:t>
+                      </a:r>
+                      <a:endParaRPr lang="pl-PL" sz="600" dirty="0"/>
+                    </a:p>
+                  </a:txBody>
+                  <a:tcPr/>
+                </a:tc>
+                <a:tc>
+                  <a:txBody>
+                    <a:bodyPr/>
+                    <a:lstStyle/>
+                    <a:p>
+                      <a:r>
+                        <a:rPr lang="pl-PL" sz="600" dirty="0" smtClean="0"/>
+                        <a:t>int1</a:t>
+                      </a:r>
+                      <a:endParaRPr lang="pl-PL" sz="600" dirty="0"/>
+                    </a:p>
+                  </a:txBody>
+                  <a:tcPr/>
+                </a:tc>
+                <a:tc>
+                  <a:txBody>
+                    <a:bodyPr/>
+                    <a:lstStyle/>
+                    <a:p>
+                      <a:r>
+                        <a:rPr lang="pl-PL" sz="600" dirty="0" smtClean="0"/>
+                        <a:t>Bezpośrednio</a:t>
+                      </a:r>
+                      <a:endParaRPr lang="pl-PL" sz="600" dirty="0"/>
+                    </a:p>
+                  </a:txBody>
+                  <a:tcPr/>
+                </a:tc>
+              </a:tr>
+              <a:tr h="224519">
+                <a:tc>
+                  <a:txBody>
+                    <a:bodyPr/>
+                    <a:lstStyle/>
+                    <a:p>
+                      <a:r>
+                        <a:rPr lang="pl-PL" sz="600" dirty="0" smtClean="0"/>
+                        <a:t>72.14.15.192/28</a:t>
+                      </a:r>
+                      <a:endParaRPr lang="pl-PL" sz="600" dirty="0"/>
+                    </a:p>
+                  </a:txBody>
+                  <a:tcPr/>
+                </a:tc>
+                <a:tc>
+                  <a:txBody>
+                    <a:bodyPr/>
+                    <a:lstStyle/>
+                    <a:p>
+                      <a:r>
+                        <a:rPr lang="pl-PL" sz="600" dirty="0" smtClean="0"/>
+                        <a:t>int2</a:t>
+                      </a:r>
+                      <a:endParaRPr lang="pl-PL" sz="600" dirty="0"/>
+                    </a:p>
+                  </a:txBody>
+                  <a:tcPr/>
+                </a:tc>
+                <a:tc>
+                  <a:txBody>
+                    <a:bodyPr/>
+                    <a:lstStyle/>
+                    <a:p>
+                      <a:r>
+                        <a:rPr lang="pl-PL" sz="600" dirty="0" smtClean="0"/>
+                        <a:t>192.168.0.2</a:t>
+                      </a:r>
+                      <a:endParaRPr lang="pl-PL" sz="600" dirty="0"/>
+                    </a:p>
+                  </a:txBody>
+                  <a:tcPr/>
+                </a:tc>
+              </a:tr>
+              <a:tr h="224519">
+                <a:tc>
+                  <a:txBody>
+                    <a:bodyPr/>
+                    <a:lstStyle/>
+                    <a:p>
+                      <a:r>
+                        <a:rPr lang="pl-PL" sz="600" dirty="0" smtClean="0"/>
+                        <a:t>10.0.0.0/24</a:t>
+                      </a:r>
+                      <a:endParaRPr lang="pl-PL" sz="600" dirty="0"/>
+                    </a:p>
+                  </a:txBody>
+                  <a:tcPr/>
+                </a:tc>
+                <a:tc>
+                  <a:txBody>
+                    <a:bodyPr/>
+                    <a:lstStyle/>
+                    <a:p>
+                      <a:r>
+                        <a:rPr lang="pl-PL" sz="600" dirty="0" smtClean="0"/>
+                        <a:t>int0</a:t>
+                      </a:r>
+                      <a:endParaRPr lang="pl-PL" sz="600" dirty="0"/>
+                    </a:p>
+                  </a:txBody>
+                  <a:tcPr/>
+                </a:tc>
+                <a:tc>
+                  <a:txBody>
+                    <a:bodyPr/>
+                    <a:lstStyle/>
+                    <a:p>
+                      <a:r>
+                        <a:rPr lang="pl-PL" sz="600" dirty="0" smtClean="0"/>
+                        <a:t>10.0.0.5</a:t>
+                      </a:r>
+                      <a:endParaRPr lang="pl-PL" sz="600" dirty="0"/>
+                    </a:p>
+                  </a:txBody>
+                  <a:tcPr/>
+                </a:tc>
+              </a:tr>
+              <a:tr h="224519">
+                <a:tc>
+                  <a:txBody>
+                    <a:bodyPr/>
+                    <a:lstStyle/>
+                    <a:p>
+                      <a:r>
+                        <a:rPr lang="pl-PL" sz="600" dirty="0" smtClean="0"/>
+                        <a:t>..</a:t>
+                      </a:r>
+                      <a:endParaRPr lang="pl-PL" sz="600" dirty="0"/>
+                    </a:p>
+                  </a:txBody>
+                  <a:tcPr/>
+                </a:tc>
+                <a:tc>
+                  <a:txBody>
+                    <a:bodyPr/>
+                    <a:lstStyle/>
+                    <a:p>
+                      <a:endParaRPr lang="pl-PL" sz="600" dirty="0"/>
+                    </a:p>
+                  </a:txBody>
+                  <a:tcPr/>
+                </a:tc>
+                <a:tc>
+                  <a:txBody>
+                    <a:bodyPr/>
+                    <a:lstStyle/>
+                    <a:p>
+                      <a:endParaRPr lang="pl-PL" sz="600" dirty="0"/>
+                    </a:p>
+                  </a:txBody>
+                  <a:tcPr/>
+                </a:tc>
+              </a:tr>
+              <a:tr h="224519">
+                <a:tc>
+                  <a:txBody>
+                    <a:bodyPr/>
+                    <a:lstStyle/>
+                    <a:p>
+                      <a:r>
+                        <a:rPr lang="pl-PL" sz="600" dirty="0" smtClean="0"/>
+                        <a:t>Dowolny</a:t>
+                      </a:r>
+                      <a:endParaRPr lang="pl-PL" sz="600" dirty="0"/>
+                    </a:p>
+                  </a:txBody>
+                  <a:tcPr/>
+                </a:tc>
+                <a:tc>
+                  <a:txBody>
+                    <a:bodyPr/>
+                    <a:lstStyle/>
+                    <a:p>
+                      <a:r>
+                        <a:rPr lang="pl-PL" sz="600" dirty="0" smtClean="0"/>
+                        <a:t>int0</a:t>
+                      </a:r>
+                      <a:endParaRPr lang="pl-PL" sz="600" dirty="0"/>
+                    </a:p>
+                  </a:txBody>
+                  <a:tcPr/>
+                </a:tc>
+                <a:tc>
+                  <a:txBody>
+                    <a:bodyPr/>
+                    <a:lstStyle/>
+                    <a:p>
+                      <a:r>
+                        <a:rPr lang="pl-PL" sz="600" dirty="0" smtClean="0"/>
+                        <a:t>10.0.0.5</a:t>
+                      </a:r>
+                      <a:endParaRPr lang="pl-PL" sz="600" dirty="0"/>
+                    </a:p>
+                  </a:txBody>
+                  <a:tcPr/>
+                </a:tc>
+              </a:tr>
+            </a:tbl>
+          </a:graphicData>
+        </a:graphic>
+      </p:graphicFrame>
+      <p:sp>
+        <p:nvSpPr>
+          <p:cNvPr id="28" name="pole tekstowe 27"/>
+          <p:cNvSpPr txBox="1"/>
+          <p:nvPr/>
+        </p:nvSpPr>
+        <p:spPr>
+          <a:xfrm>
+            <a:off x="71406" y="4643446"/>
+            <a:ext cx="4669868" cy="369332"/>
+          </a:xfrm>
+          <a:prstGeom prst="rect">
+            <a:avLst/>
+          </a:prstGeom>
+          <a:noFill/>
+        </p:spPr>
+        <p:txBody>
+          <a:bodyPr wrap="none" rtlCol="0">
+            <a:spAutoFit/>
+          </a:bodyPr>
+          <a:lstStyle/>
+          <a:p>
+            <a:r>
+              <a:rPr lang="pl-PL" dirty="0" smtClean="0"/>
+              <a:t>Założenie: </a:t>
+            </a:r>
+            <a:r>
+              <a:rPr lang="pl-PL" dirty="0" smtClean="0"/>
+              <a:t>PC1</a:t>
+            </a:r>
+            <a:r>
+              <a:rPr lang="pl-PL" dirty="0" smtClean="0"/>
+              <a:t> </a:t>
+            </a:r>
+            <a:r>
+              <a:rPr lang="pl-PL" dirty="0" smtClean="0"/>
+              <a:t>wysyła dane do </a:t>
+            </a:r>
+            <a:r>
+              <a:rPr lang="pl-PL" dirty="0" smtClean="0"/>
+              <a:t>Drukarki</a:t>
+            </a:r>
+            <a:endParaRPr lang="pl-PL" dirty="0"/>
+          </a:p>
+        </p:txBody>
+      </p:sp>
+      <p:sp>
+        <p:nvSpPr>
+          <p:cNvPr id="31" name="pole tekstowe 30"/>
+          <p:cNvSpPr txBox="1"/>
+          <p:nvPr/>
+        </p:nvSpPr>
+        <p:spPr>
+          <a:xfrm>
+            <a:off x="214282" y="5214950"/>
+            <a:ext cx="1721946" cy="184666"/>
+          </a:xfrm>
+          <a:prstGeom prst="rect">
+            <a:avLst/>
+          </a:prstGeom>
+          <a:noFill/>
+        </p:spPr>
+        <p:txBody>
+          <a:bodyPr wrap="none" rtlCol="0">
+            <a:spAutoFit/>
+          </a:bodyPr>
+          <a:lstStyle/>
+          <a:p>
+            <a:r>
+              <a:rPr lang="pl-PL" sz="600" dirty="0" smtClean="0">
+                <a:hlinkClick r:id="rId10"/>
+              </a:rPr>
+              <a:t>https://www.nastykusieci.pl/nat-teoria/</a:t>
+            </a:r>
+            <a:r>
+              <a:rPr lang="pl-PL" sz="600" dirty="0" smtClean="0"/>
+              <a:t> </a:t>
+            </a:r>
+            <a:endParaRPr lang="pl-PL" sz="600" dirty="0"/>
+          </a:p>
+        </p:txBody>
+      </p:sp>
+      <p:sp>
+        <p:nvSpPr>
+          <p:cNvPr id="32" name="pole tekstowe 31"/>
+          <p:cNvSpPr txBox="1"/>
+          <p:nvPr/>
+        </p:nvSpPr>
+        <p:spPr>
+          <a:xfrm>
+            <a:off x="142844" y="5000636"/>
+            <a:ext cx="2529860" cy="215444"/>
+          </a:xfrm>
+          <a:prstGeom prst="rect">
+            <a:avLst/>
+          </a:prstGeom>
+          <a:noFill/>
+        </p:spPr>
+        <p:txBody>
+          <a:bodyPr wrap="none" rtlCol="0">
+            <a:spAutoFit/>
+          </a:bodyPr>
+          <a:lstStyle/>
+          <a:p>
+            <a:r>
+              <a:rPr lang="pl-PL" sz="800" dirty="0" smtClean="0">
+                <a:hlinkClick r:id="rId11"/>
+              </a:rPr>
+              <a:t>https://itwiz.pl/nat-i-prywatna-adresacja-ip/</a:t>
+            </a:r>
+            <a:r>
+              <a:rPr lang="pl-PL" sz="800" dirty="0" smtClean="0"/>
+              <a:t> </a:t>
+            </a:r>
+            <a:endParaRPr lang="pl-PL" sz="800" dirty="0"/>
+          </a:p>
+        </p:txBody>
+      </p:sp>
+      <p:sp>
+        <p:nvSpPr>
+          <p:cNvPr id="33" name="pole tekstowe 32"/>
+          <p:cNvSpPr txBox="1"/>
+          <p:nvPr/>
+        </p:nvSpPr>
+        <p:spPr>
+          <a:xfrm>
+            <a:off x="142844" y="5500702"/>
+            <a:ext cx="3156633" cy="184666"/>
+          </a:xfrm>
+          <a:prstGeom prst="rect">
+            <a:avLst/>
+          </a:prstGeom>
+          <a:noFill/>
+        </p:spPr>
+        <p:txBody>
+          <a:bodyPr wrap="none" rtlCol="0">
+            <a:spAutoFit/>
+          </a:bodyPr>
+          <a:lstStyle/>
+          <a:p>
+            <a:r>
+              <a:rPr lang="pl-PL" sz="600" dirty="0" smtClean="0">
+                <a:hlinkClick r:id="rId12"/>
+              </a:rPr>
+              <a:t>https://marken.com.pl/2021/03/02/brama-siecowa-podstawowe-informacje/</a:t>
+            </a:r>
+            <a:r>
+              <a:rPr lang="pl-PL" sz="600" dirty="0" smtClean="0"/>
+              <a:t> </a:t>
+            </a:r>
+            <a:endParaRPr lang="pl-PL" sz="600" dirty="0"/>
+          </a:p>
+        </p:txBody>
+      </p:sp>
+      <p:sp>
+        <p:nvSpPr>
+          <p:cNvPr id="19" name="pole tekstowe 18"/>
+          <p:cNvSpPr txBox="1"/>
+          <p:nvPr/>
+        </p:nvSpPr>
+        <p:spPr>
+          <a:xfrm>
+            <a:off x="3929058" y="642918"/>
+            <a:ext cx="2182008" cy="369332"/>
+          </a:xfrm>
+          <a:prstGeom prst="rect">
+            <a:avLst/>
+          </a:prstGeom>
+          <a:noFill/>
+        </p:spPr>
+        <p:txBody>
+          <a:bodyPr wrap="none" rtlCol="0">
+            <a:spAutoFit/>
+          </a:bodyPr>
+          <a:lstStyle/>
+          <a:p>
+            <a:r>
+              <a:rPr lang="pl-PL" dirty="0" err="1" smtClean="0"/>
+              <a:t>Routing</a:t>
+            </a:r>
+            <a:r>
+              <a:rPr lang="pl-PL" dirty="0" smtClean="0"/>
+              <a:t> statyczny</a:t>
+            </a:r>
+            <a:endParaRPr lang="pl-PL" dirty="0"/>
+          </a:p>
+        </p:txBody>
+      </p:sp>
+    </p:spTree>
+  </p:cSld>
+  <p:clrMapOvr>
+    <a:masterClrMapping/>
+  </p:clrMapOvr>
+  <p:timing>
+    <p:tnLst>
+      <p:par>
+        <p:cTn id="1" dur="indefinite" restart="never" nodeType="tmRoot"/>
+      </p:par>
+    </p:tnLst>
+  </p:timing>
+</p:sld>
+</file>
+
+<file path=ppt/slides/slide8.xml><?xml version="1.0" encoding="utf-8"?>
+<p:sld xmlns:a="http://schemas.openxmlformats.org/drawingml/2006/main" xmlns:r="http://schemas.openxmlformats.org/officeDocument/2006/relationships" xmlns:p="http://schemas.openxmlformats.org/presentationml/2006/main">
+  <p:cSld>
+    <p:spTree>
+      <p:nvGrpSpPr>
+        <p:cNvPr id="1" name=""/>
+        <p:cNvGrpSpPr/>
+        <p:nvPr/>
+      </p:nvGrpSpPr>
+      <p:grpSpPr>
+        <a:xfrm>
+          <a:off x="0" y="0"/>
+          <a:ext cx="0" cy="0"/>
+          <a:chOff x="0" y="0"/>
+          <a:chExt cx="0" cy="0"/>
+        </a:xfrm>
+      </p:grpSpPr>
       <p:sp>
         <p:nvSpPr>
           <p:cNvPr id="3" name="Tytuł 2"/>
@@ -11860,10 +12127,17 @@
   <p:clrMapOvr>
     <a:masterClrMapping/>
   </p:clrMapOvr>
+  <p:timing>
+    <p:tnLst>
+      <p:par>
+        <p:cTn id="1" dur="indefinite" restart="never" nodeType="tmRoot"/>
+      </p:par>
+    </p:tnLst>
+  </p:timing>
 </p:sld>
 </file>
 
-<file path=ppt/slides/slide8.xml><?xml version="1.0" encoding="utf-8"?>
+<file path=ppt/slides/slide9.xml><?xml version="1.0" encoding="utf-8"?>
 <p:sld xmlns:a="http://schemas.openxmlformats.org/drawingml/2006/main" xmlns:r="http://schemas.openxmlformats.org/officeDocument/2006/relationships" xmlns:p="http://schemas.openxmlformats.org/presentationml/2006/main">
   <p:cSld>
     <p:spTree>
@@ -11974,185 +12248,13 @@
   <p:clrMapOvr>
     <a:masterClrMapping/>
   </p:clrMapOvr>
-</p:sld>
-</file>
-
-<file path=ppt/slides/slide9.xml><?xml version="1.0" encoding="utf-8"?>
-<p:sld xmlns:a="http://schemas.openxmlformats.org/drawingml/2006/main" xmlns:r="http://schemas.openxmlformats.org/officeDocument/2006/relationships" xmlns:p="http://schemas.openxmlformats.org/presentationml/2006/main">
-  <p:cSld>
-    <p:spTree>
-      <p:nvGrpSpPr>
-        <p:cNvPr id="1" name=""/>
-        <p:cNvGrpSpPr/>
-        <p:nvPr/>
-      </p:nvGrpSpPr>
-      <p:grpSpPr>
-        <a:xfrm>
-          <a:off x="0" y="0"/>
-          <a:ext cx="0" cy="0"/>
-          <a:chOff x="0" y="0"/>
-          <a:chExt cx="0" cy="0"/>
-        </a:xfrm>
-      </p:grpSpPr>
-      <p:pic>
-        <p:nvPicPr>
-          <p:cNvPr id="2050" name="Picture 2"/>
-          <p:cNvPicPr>
-            <a:picLocks noGrp="1" noChangeAspect="1" noChangeArrowheads="1"/>
-          </p:cNvPicPr>
-          <p:nvPr>
-            <p:ph idx="1"/>
-          </p:nvPr>
-        </p:nvPicPr>
-        <p:blipFill>
-          <a:blip r:embed="rId2"/>
-          <a:srcRect/>
-          <a:stretch>
-            <a:fillRect/>
-          </a:stretch>
-        </p:blipFill>
-        <p:spPr bwMode="auto">
-          <a:xfrm>
-            <a:off x="1285852" y="1500174"/>
-            <a:ext cx="4601217" cy="3600953"/>
-          </a:xfrm>
-          <a:prstGeom prst="rect">
-            <a:avLst/>
-          </a:prstGeom>
-          <a:noFill/>
-          <a:ln w="9525">
-            <a:noFill/>
-            <a:miter lim="800000"/>
-            <a:headEnd/>
-            <a:tailEnd/>
-          </a:ln>
-          <a:effectLst/>
-        </p:spPr>
-      </p:pic>
-      <p:sp>
-        <p:nvSpPr>
-          <p:cNvPr id="2" name="Tytuł 1"/>
-          <p:cNvSpPr>
-            <a:spLocks noGrp="1"/>
-          </p:cNvSpPr>
-          <p:nvPr>
-            <p:ph type="title"/>
-          </p:nvPr>
-        </p:nvSpPr>
-        <p:spPr/>
-        <p:txBody>
-          <a:bodyPr/>
-          <a:lstStyle/>
-          <a:p>
-            <a:r>
-              <a:rPr lang="pl-PL" dirty="0" smtClean="0"/>
-              <a:t>Cisco </a:t>
-            </a:r>
-            <a:r>
-              <a:rPr lang="pl-PL" dirty="0" err="1" smtClean="0"/>
-              <a:t>Packet</a:t>
-            </a:r>
-            <a:r>
-              <a:rPr lang="pl-PL" dirty="0" smtClean="0"/>
-              <a:t> </a:t>
-            </a:r>
-            <a:r>
-              <a:rPr lang="pl-PL" dirty="0" err="1" smtClean="0"/>
-              <a:t>Tracer</a:t>
-            </a:r>
-            <a:endParaRPr lang="pl-PL" dirty="0"/>
-          </a:p>
-        </p:txBody>
-      </p:sp>
-      <p:sp>
-        <p:nvSpPr>
-          <p:cNvPr id="7" name="pole tekstowe 6"/>
-          <p:cNvSpPr txBox="1"/>
-          <p:nvPr/>
-        </p:nvSpPr>
-        <p:spPr>
-          <a:xfrm>
-            <a:off x="1714480" y="5572140"/>
-            <a:ext cx="7002238" cy="276999"/>
-          </a:xfrm>
-          <a:prstGeom prst="rect">
-            <a:avLst/>
-          </a:prstGeom>
-          <a:noFill/>
-        </p:spPr>
-        <p:txBody>
-          <a:bodyPr wrap="none" rtlCol="0">
-            <a:spAutoFit/>
-          </a:bodyPr>
-          <a:lstStyle/>
-          <a:p>
-            <a:r>
-              <a:rPr lang="pl-PL" sz="1200" dirty="0" smtClean="0">
-                <a:hlinkClick r:id="rId3"/>
-              </a:rPr>
-              <a:t>https://www.geeksforgeeks.org/implementing-star-topology-using-cisco-packet-tracer</a:t>
-            </a:r>
-            <a:r>
-              <a:rPr lang="pl-PL" sz="1200" dirty="0" smtClean="0">
-                <a:hlinkClick r:id="rId3"/>
-              </a:rPr>
-              <a:t>/</a:t>
-            </a:r>
-            <a:r>
-              <a:rPr lang="pl-PL" sz="1200" dirty="0" smtClean="0"/>
-              <a:t> </a:t>
-            </a:r>
-            <a:endParaRPr lang="pl-PL" sz="1200" dirty="0"/>
-          </a:p>
-        </p:txBody>
-      </p:sp>
-      <p:sp>
-        <p:nvSpPr>
-          <p:cNvPr id="8" name="pole tekstowe 7"/>
-          <p:cNvSpPr txBox="1"/>
-          <p:nvPr/>
-        </p:nvSpPr>
-        <p:spPr>
-          <a:xfrm>
-            <a:off x="2714612" y="6000768"/>
-            <a:ext cx="2052165" cy="276999"/>
-          </a:xfrm>
-          <a:prstGeom prst="rect">
-            <a:avLst/>
-          </a:prstGeom>
-          <a:noFill/>
-        </p:spPr>
-        <p:txBody>
-          <a:bodyPr wrap="none" rtlCol="0">
-            <a:spAutoFit/>
-          </a:bodyPr>
-          <a:lstStyle/>
-          <a:p>
-            <a:r>
-              <a:rPr lang="pl-PL" sz="1200" dirty="0" smtClean="0">
-                <a:hlinkClick r:id="rId4"/>
-              </a:rPr>
-              <a:t>https://www.cisco.com</a:t>
-            </a:r>
-            <a:r>
-              <a:rPr lang="pl-PL" sz="1200" dirty="0" smtClean="0">
-                <a:hlinkClick r:id="rId4"/>
-              </a:rPr>
-              <a:t>/</a:t>
-            </a:r>
-            <a:r>
-              <a:rPr lang="pl-PL" sz="1200" dirty="0" smtClean="0"/>
-              <a:t> </a:t>
-            </a:r>
-            <a:endParaRPr lang="pl-PL" sz="1200" dirty="0"/>
-          </a:p>
-        </p:txBody>
-      </p:sp>
-    </p:spTree>
-  </p:cSld>
-  <p:clrMapOvr>
-    <a:masterClrMapping/>
-  </p:clrMapOvr>
+  <p:timing>
+    <p:tnLst>
+      <p:par>
+        <p:cTn id="1" dur="indefinite" restart="never" nodeType="tmRoot"/>
+      </p:par>
+    </p:tnLst>
+  </p:timing>
 </p:sld>
 </file>
 

--- a/Ethernet_Pr.pptx
+++ b/Ethernet_Pr.pptx
@@ -26,9 +26,12 @@
     <p:sldId id="271" r:id="rId20"/>
     <p:sldId id="272" r:id="rId21"/>
     <p:sldId id="268" r:id="rId22"/>
-    <p:sldId id="275" r:id="rId23"/>
-    <p:sldId id="277" r:id="rId24"/>
-    <p:sldId id="276" r:id="rId25"/>
+    <p:sldId id="281" r:id="rId23"/>
+    <p:sldId id="282" r:id="rId24"/>
+    <p:sldId id="275" r:id="rId25"/>
+    <p:sldId id="276" r:id="rId26"/>
+    <p:sldId id="283" r:id="rId27"/>
+    <p:sldId id="277" r:id="rId28"/>
   </p:sldIdLst>
   <p:sldSz cx="9144000" cy="6858000" type="screen4x3"/>
   <p:notesSz cx="6858000" cy="9144000"/>
@@ -756,7 +759,7 @@
             <a:fld id="{66221E02-25CB-4963-84BC-0813985E7D90}" type="datetimeFigureOut">
               <a:rPr lang="pl-PL" smtClean="0"/>
               <a:pPr/>
-              <a:t>01.02.2023</a:t>
+              <a:t>08.02.2023</a:t>
             </a:fld>
             <a:endParaRPr lang="pl-PL"/>
           </a:p>
@@ -954,7 +957,7 @@
             <a:fld id="{66221E02-25CB-4963-84BC-0813985E7D90}" type="datetimeFigureOut">
               <a:rPr lang="pl-PL" smtClean="0"/>
               <a:pPr/>
-              <a:t>01.02.2023</a:t>
+              <a:t>08.02.2023</a:t>
             </a:fld>
             <a:endParaRPr lang="pl-PL"/>
           </a:p>
@@ -1141,7 +1144,7 @@
             <a:fld id="{66221E02-25CB-4963-84BC-0813985E7D90}" type="datetimeFigureOut">
               <a:rPr lang="pl-PL" smtClean="0"/>
               <a:pPr/>
-              <a:t>01.02.2023</a:t>
+              <a:t>08.02.2023</a:t>
             </a:fld>
             <a:endParaRPr lang="pl-PL"/>
           </a:p>
@@ -1293,7 +1296,7 @@
             <a:fld id="{66221E02-25CB-4963-84BC-0813985E7D90}" type="datetimeFigureOut">
               <a:rPr lang="pl-PL" smtClean="0"/>
               <a:pPr/>
-              <a:t>01.02.2023</a:t>
+              <a:t>08.02.2023</a:t>
             </a:fld>
             <a:endParaRPr lang="pl-PL"/>
           </a:p>
@@ -1550,7 +1553,7 @@
             <a:fld id="{66221E02-25CB-4963-84BC-0813985E7D90}" type="datetimeFigureOut">
               <a:rPr lang="pl-PL" smtClean="0"/>
               <a:pPr/>
-              <a:t>01.02.2023</a:t>
+              <a:t>08.02.2023</a:t>
             </a:fld>
             <a:endParaRPr lang="pl-PL"/>
           </a:p>
@@ -1961,7 +1964,7 @@
             <a:fld id="{66221E02-25CB-4963-84BC-0813985E7D90}" type="datetimeFigureOut">
               <a:rPr lang="pl-PL" smtClean="0"/>
               <a:pPr/>
-              <a:t>01.02.2023</a:t>
+              <a:t>08.02.2023</a:t>
             </a:fld>
             <a:endParaRPr lang="pl-PL"/>
           </a:p>
@@ -2409,7 +2412,7 @@
             <a:fld id="{66221E02-25CB-4963-84BC-0813985E7D90}" type="datetimeFigureOut">
               <a:rPr lang="pl-PL" smtClean="0"/>
               <a:pPr/>
-              <a:t>01.02.2023</a:t>
+              <a:t>08.02.2023</a:t>
             </a:fld>
             <a:endParaRPr lang="pl-PL"/>
           </a:p>
@@ -2512,7 +2515,7 @@
             <a:fld id="{66221E02-25CB-4963-84BC-0813985E7D90}" type="datetimeFigureOut">
               <a:rPr lang="pl-PL" smtClean="0"/>
               <a:pPr/>
-              <a:t>01.02.2023</a:t>
+              <a:t>08.02.2023</a:t>
             </a:fld>
             <a:endParaRPr lang="pl-PL"/>
           </a:p>
@@ -2635,7 +2638,7 @@
             <a:fld id="{66221E02-25CB-4963-84BC-0813985E7D90}" type="datetimeFigureOut">
               <a:rPr lang="pl-PL" smtClean="0"/>
               <a:pPr/>
-              <a:t>01.02.2023</a:t>
+              <a:t>08.02.2023</a:t>
             </a:fld>
             <a:endParaRPr lang="pl-PL"/>
           </a:p>
@@ -2911,7 +2914,7 @@
             <a:fld id="{66221E02-25CB-4963-84BC-0813985E7D90}" type="datetimeFigureOut">
               <a:rPr lang="pl-PL" smtClean="0"/>
               <a:pPr/>
-              <a:t>01.02.2023</a:t>
+              <a:t>08.02.2023</a:t>
             </a:fld>
             <a:endParaRPr lang="pl-PL"/>
           </a:p>
@@ -3118,7 +3121,7 @@
             <a:fld id="{66221E02-25CB-4963-84BC-0813985E7D90}" type="datetimeFigureOut">
               <a:rPr lang="pl-PL" smtClean="0"/>
               <a:pPr/>
-              <a:t>01.02.2023</a:t>
+              <a:t>08.02.2023</a:t>
             </a:fld>
             <a:endParaRPr lang="pl-PL"/>
           </a:p>
@@ -4229,7 +4232,7 @@
             <a:fld id="{66221E02-25CB-4963-84BC-0813985E7D90}" type="datetimeFigureOut">
               <a:rPr lang="pl-PL" smtClean="0"/>
               <a:pPr/>
-              <a:t>01.02.2023</a:t>
+              <a:t>08.02.2023</a:t>
             </a:fld>
             <a:endParaRPr lang="pl-PL"/>
           </a:p>
@@ -8222,7 +8225,7 @@
         </p:nvSpPr>
         <p:spPr>
           <a:xfrm>
-            <a:off x="4857752" y="6396335"/>
+            <a:off x="4857752" y="6143644"/>
             <a:ext cx="4143404" cy="461665"/>
           </a:xfrm>
           <a:prstGeom prst="rect">
@@ -8867,7 +8870,7 @@
           <a:p>
             <a:r>
               <a:rPr lang="pl-PL" sz="1600" dirty="0" smtClean="0"/>
-              <a:t>powszechnie stosowany otwarty stos TCP/IP, zaprojektowany dla systemów wbudowanych. </a:t>
+              <a:t>Powszechnie stosowany otwarty stos TCP/IP, zaprojektowany dla systemów wbudowanych. </a:t>
             </a:r>
             <a:r>
               <a:rPr lang="pl-PL" sz="1600" dirty="0" err="1" smtClean="0"/>
@@ -8883,11 +8886,11 @@
             </a:r>
             <a:r>
               <a:rPr lang="pl-PL" sz="1600" dirty="0" smtClean="0"/>
-              <a:t> w Szwedzkim Instytucie Informatyki i obecnie jest rozwijany i wspierany przez programistów z całego </a:t>
+              <a:t> w Szwedzkim Instytucie Informatyki i obecnie jest rozwijany i wspierany przez programistów z całego świata. </a:t>
             </a:r>
             <a:r>
               <a:rPr lang="pl-PL" sz="1600" dirty="0" err="1" smtClean="0"/>
-              <a:t>świata.lwIP</a:t>
+              <a:t>LwIP</a:t>
             </a:r>
             <a:r>
               <a:rPr lang="pl-PL" sz="1600" dirty="0" smtClean="0"/>
@@ -8948,73 +8951,6 @@
             <a:r>
               <a:rPr lang="pl-PL" sz="1600" dirty="0" smtClean="0"/>
               <a:t>.</a:t>
-            </a:r>
-          </a:p>
-          <a:p>
-            <a:endParaRPr lang="pl-PL" sz="1600" dirty="0" smtClean="0"/>
-          </a:p>
-          <a:p>
-            <a:pPr>
-              <a:buNone/>
-            </a:pPr>
-            <a:r>
-              <a:rPr lang="pl-PL" sz="1600" dirty="0" smtClean="0"/>
-              <a:t>Cechy stosu:</a:t>
-            </a:r>
-          </a:p>
-          <a:p>
-            <a:r>
-              <a:rPr lang="pl-PL" sz="1600" dirty="0" smtClean="0"/>
-              <a:t>IP (Internet </a:t>
-            </a:r>
-            <a:r>
-              <a:rPr lang="pl-PL" sz="1600" dirty="0" err="1" smtClean="0"/>
-              <a:t>protocol</a:t>
-            </a:r>
-            <a:r>
-              <a:rPr lang="pl-PL" sz="1600" dirty="0" smtClean="0"/>
-              <a:t>), w tym przekazywanie pakietów pomiędzy kilkoma interfejsami sieciowymi</a:t>
-            </a:r>
-          </a:p>
-          <a:p>
-            <a:r>
-              <a:rPr lang="pl-PL" sz="1600" dirty="0" smtClean="0"/>
-              <a:t>Protokół ICMP (</a:t>
-            </a:r>
-            <a:r>
-              <a:rPr lang="pl-PL" sz="1600" dirty="0" err="1" smtClean="0"/>
-              <a:t>ICMP</a:t>
-            </a:r>
-            <a:r>
-              <a:rPr lang="pl-PL" sz="1600" dirty="0" smtClean="0"/>
-              <a:t>) do utrzymania sieci i </a:t>
-            </a:r>
-            <a:r>
-              <a:rPr lang="pl-PL" sz="1600" dirty="0" err="1" smtClean="0"/>
-              <a:t>debugowania</a:t>
-            </a:r>
-            <a:endParaRPr lang="pl-PL" sz="1600" dirty="0" smtClean="0"/>
-          </a:p>
-          <a:p>
-            <a:r>
-              <a:rPr lang="pl-PL" sz="1600" dirty="0" smtClean="0"/>
-              <a:t>Protokół IGMP (ang. Internet Group Management </a:t>
-            </a:r>
-            <a:r>
-              <a:rPr lang="pl-PL" sz="1600" dirty="0" err="1" smtClean="0"/>
-              <a:t>Protocol</a:t>
-            </a:r>
-            <a:r>
-              <a:rPr lang="pl-PL" sz="1600" dirty="0" smtClean="0"/>
-              <a:t>) do zarządzania grupami </a:t>
-            </a:r>
-            <a:r>
-              <a:rPr lang="pl-PL" sz="1600" dirty="0" err="1" smtClean="0"/>
-              <a:t>multicastowymi</a:t>
-            </a:r>
-            <a:r>
-              <a:rPr lang="pl-PL" sz="1600" dirty="0" smtClean="0"/>
-              <a:t> w sieci</a:t>
             </a:r>
           </a:p>
           <a:p>
@@ -9029,44 +8965,41 @@
             </a:pPr>
             <a:r>
               <a:rPr lang="pl-PL" sz="1600" dirty="0" smtClean="0"/>
-              <a:t>Warstwa transportowa</a:t>
+              <a:t>Cechy stosu:</a:t>
             </a:r>
           </a:p>
           <a:p>
             <a:r>
               <a:rPr lang="pl-PL" sz="1600" dirty="0" smtClean="0"/>
-              <a:t>Protokół UDP (protokół pakietów użytkownika)</a:t>
-            </a:r>
-          </a:p>
-          <a:p>
+              <a:t>IP (Internet </a:t>
+            </a:r>
+            <a:r>
+              <a:rPr lang="pl-PL" sz="1600" dirty="0" err="1" smtClean="0"/>
+              <a:t>protocol</a:t>
+            </a:r>
             <a:r>
               <a:rPr lang="pl-PL" sz="1600" dirty="0" smtClean="0"/>
-              <a:t>Protokół TCP (ang. </a:t>
+              <a:t>), w tym przekazywanie pakietów pomiędzy kilkoma interfejsami sieciowymi</a:t>
+            </a:r>
+          </a:p>
+          <a:p>
+            <a:r>
+              <a:rPr lang="pl-PL" sz="1600" dirty="0" smtClean="0"/>
+              <a:t>Protokół ICMP (</a:t>
             </a:r>
             <a:r>
               <a:rPr lang="pl-PL" sz="1600" dirty="0" err="1" smtClean="0"/>
-              <a:t>Transmission</a:t>
+              <a:t>ICMP</a:t>
             </a:r>
             <a:r>
               <a:rPr lang="pl-PL" sz="1600" dirty="0" smtClean="0"/>
-              <a:t> </a:t>
+              <a:t>) do utrzymania sieci i </a:t>
             </a:r>
             <a:r>
               <a:rPr lang="pl-PL" sz="1600" dirty="0" err="1" smtClean="0"/>
-              <a:t>Control</a:t>
-            </a:r>
-            <a:r>
-              <a:rPr lang="pl-PL" sz="1600" dirty="0" smtClean="0"/>
-              <a:t> </a:t>
-            </a:r>
-            <a:r>
-              <a:rPr lang="pl-PL" sz="1600" dirty="0" err="1" smtClean="0"/>
-              <a:t>Protocol</a:t>
-            </a:r>
-            <a:r>
-              <a:rPr lang="pl-PL" sz="1600" dirty="0" smtClean="0"/>
-              <a:t>)</a:t>
-            </a:r>
+              <a:t>debugowania</a:t>
+            </a:r>
+            <a:endParaRPr lang="pl-PL" sz="1600" dirty="0" smtClean="0"/>
           </a:p>
           <a:p>
             <a:pPr>
@@ -9080,13 +9013,64 @@
             </a:pPr>
             <a:r>
               <a:rPr lang="pl-PL" sz="1600" dirty="0" smtClean="0"/>
+              <a:t>Warstwa transportowa</a:t>
+            </a:r>
+          </a:p>
+          <a:p>
+            <a:r>
+              <a:rPr lang="pl-PL" sz="1600" dirty="0" smtClean="0"/>
+              <a:t>Protokół UDP (protokół pakietów użytkownika)</a:t>
+            </a:r>
+          </a:p>
+          <a:p>
+            <a:r>
+              <a:rPr lang="pl-PL" sz="1600" dirty="0" smtClean="0"/>
+              <a:t>Protokół TCP (ang. </a:t>
+            </a:r>
+            <a:r>
+              <a:rPr lang="pl-PL" sz="1600" dirty="0" err="1" smtClean="0"/>
+              <a:t>Transmission</a:t>
+            </a:r>
+            <a:r>
+              <a:rPr lang="pl-PL" sz="1600" dirty="0" smtClean="0"/>
+              <a:t> </a:t>
+            </a:r>
+            <a:r>
+              <a:rPr lang="pl-PL" sz="1600" dirty="0" err="1" smtClean="0"/>
+              <a:t>Control</a:t>
+            </a:r>
+            <a:r>
+              <a:rPr lang="pl-PL" sz="1600" dirty="0" smtClean="0"/>
+              <a:t> </a:t>
+            </a:r>
+            <a:r>
+              <a:rPr lang="pl-PL" sz="1600" dirty="0" err="1" smtClean="0"/>
+              <a:t>Protocol</a:t>
+            </a:r>
+            <a:r>
+              <a:rPr lang="pl-PL" sz="1600" dirty="0" smtClean="0"/>
+              <a:t>)</a:t>
+            </a:r>
+          </a:p>
+          <a:p>
+            <a:pPr>
+              <a:buNone/>
+            </a:pPr>
+            <a:endParaRPr lang="pl-PL" sz="1600" dirty="0" smtClean="0"/>
+          </a:p>
+          <a:p>
+            <a:pPr>
+              <a:buNone/>
+            </a:pPr>
+            <a:r>
+              <a:rPr lang="pl-PL" sz="1600" dirty="0" smtClean="0"/>
               <a:t>Warstwa aplikacji</a:t>
             </a:r>
           </a:p>
           <a:p>
             <a:r>
               <a:rPr lang="pl-PL" sz="1600" dirty="0" smtClean="0"/>
-              <a:t>DNS (system nazw domenowych)</a:t>
+              <a:t>HTTP(system nazw domenowych)</a:t>
             </a:r>
           </a:p>
           <a:p>
@@ -9108,6 +9092,18 @@
               <a:rPr lang="pl-PL" sz="1600" dirty="0" smtClean="0"/>
               <a:t>Protokół DHCP (protokół dynamicznego konfigurowania hostów)</a:t>
             </a:r>
+          </a:p>
+          <a:p>
+            <a:r>
+              <a:rPr lang="pl-PL" sz="1600" dirty="0" smtClean="0"/>
+              <a:t>MQQT</a:t>
+            </a:r>
+          </a:p>
+          <a:p>
+            <a:pPr>
+              <a:buNone/>
+            </a:pPr>
+            <a:endParaRPr lang="pl-PL" sz="1600" dirty="0" smtClean="0"/>
           </a:p>
           <a:p>
             <a:pPr>
@@ -9277,84 +9273,42 @@
             <p:ph idx="1"/>
           </p:nvPr>
         </p:nvSpPr>
-        <p:spPr>
-          <a:xfrm>
-            <a:off x="428596" y="1500174"/>
-            <a:ext cx="8229600" cy="4525963"/>
-          </a:xfrm>
-        </p:spPr>
+        <p:spPr/>
         <p:txBody>
           <a:bodyPr>
-            <a:normAutofit fontScale="92500" lnSpcReduction="20000"/>
+            <a:normAutofit/>
           </a:bodyPr>
           <a:lstStyle/>
           <a:p>
             <a:r>
-              <a:rPr lang="pl-PL" dirty="0" smtClean="0"/>
-              <a:t>Podczas implementacji będziemy bazować na sterowniku udostępnionym przez ST:</a:t>
-            </a:r>
-            <a:br>
-              <a:rPr lang="pl-PL" dirty="0" smtClean="0"/>
-            </a:br>
-            <a:r>
-              <a:rPr lang="pl-PL" dirty="0" smtClean="0"/>
-              <a:t> </a:t>
-            </a:r>
-            <a:r>
-              <a:rPr lang="pl-PL" dirty="0" smtClean="0">
-                <a:hlinkClick r:id="rId2"/>
-              </a:rPr>
-              <a:t>https://www.st.com/en/embedded-software/stsw-stm32070.html#get-software</a:t>
-            </a:r>
-            <a:r>
-              <a:rPr lang="pl-PL" dirty="0" smtClean="0"/>
-              <a:t> </a:t>
-            </a:r>
-            <a:br>
-              <a:rPr lang="pl-PL" dirty="0" smtClean="0"/>
-            </a:br>
-            <a:r>
-              <a:rPr lang="pl-PL" dirty="0" smtClean="0"/>
-              <a:t/>
-            </a:r>
-            <a:br>
-              <a:rPr lang="pl-PL" dirty="0" smtClean="0"/>
-            </a:br>
-            <a:r>
-              <a:rPr lang="pl-PL" dirty="0" smtClean="0"/>
-              <a:t>Jest to nieco starsza implementacja udostępniona jeszcze przed powstaniem biblioteki „HAL” </a:t>
-            </a:r>
-            <a:br>
-              <a:rPr lang="pl-PL" dirty="0" smtClean="0"/>
-            </a:br>
-            <a:r>
-              <a:rPr lang="pl-PL" dirty="0" smtClean="0"/>
-              <a:t/>
-            </a:r>
-            <a:br>
-              <a:rPr lang="pl-PL" dirty="0" smtClean="0"/>
-            </a:br>
-            <a:r>
-              <a:rPr lang="pl-PL" dirty="0" smtClean="0"/>
-              <a:t>Podobnie też w przypadku USB – uogólniając jak chcemy zrobić implementacje jakiegoś swojego sterownika, lub go dobrze poznać polecam się wzorować na tych starszych implementacjach od ST - biblioteki „SPL- Serial </a:t>
-            </a:r>
-            <a:r>
-              <a:rPr lang="pl-PL" dirty="0" err="1" smtClean="0"/>
-              <a:t>Peripherial</a:t>
-            </a:r>
-            <a:r>
-              <a:rPr lang="pl-PL" dirty="0" smtClean="0"/>
-              <a:t> </a:t>
-            </a:r>
-            <a:r>
-              <a:rPr lang="pl-PL" dirty="0" err="1" smtClean="0"/>
-              <a:t>Library</a:t>
-            </a:r>
-            <a:r>
-              <a:rPr lang="pl-PL" dirty="0" smtClean="0"/>
-              <a:t>”</a:t>
-            </a:r>
-            <a:endParaRPr lang="pl-PL" dirty="0"/>
+              <a:rPr lang="pl-PL" sz="1200" dirty="0" smtClean="0"/>
+              <a:t>Łańcuch może zawierać jeden lub wiele buforów. Koniec łańcucha można rozpoznać za pomocą składowych </a:t>
+            </a:r>
+            <a:r>
+              <a:rPr lang="pl-PL" sz="1200" dirty="0" err="1" smtClean="0"/>
+              <a:t>tot_len</a:t>
+            </a:r>
+            <a:r>
+              <a:rPr lang="pl-PL" sz="1200" dirty="0" smtClean="0"/>
+              <a:t> i len. Składowa len zawiera długość bufora. Składowa </a:t>
+            </a:r>
+            <a:r>
+              <a:rPr lang="pl-PL" sz="1200" dirty="0" err="1" smtClean="0"/>
+              <a:t>tot_len</a:t>
+            </a:r>
+            <a:r>
+              <a:rPr lang="pl-PL" sz="1200" dirty="0" smtClean="0"/>
+              <a:t> zawieracałkowitą długość pakietu, czyli sumę długości wszystkich buforów w łańcuchu. Ostatnia struktura w łańcuchu ma równe wartości tych składowych i jest to jedyny poprawny sposób rozpoznawania końca łańcucha buforów.</a:t>
+            </a:r>
+          </a:p>
+          <a:p>
+            <a:endParaRPr lang="pl-PL" sz="1200" dirty="0" smtClean="0"/>
+          </a:p>
+          <a:p>
+            <a:pPr>
+              <a:buNone/>
+            </a:pPr>
+            <a:endParaRPr lang="pl-PL" sz="1200" dirty="0" smtClean="0"/>
           </a:p>
         </p:txBody>
       </p:sp>
@@ -9375,9 +9329,81 @@
           <a:p>
             <a:r>
               <a:rPr lang="pl-PL" dirty="0" smtClean="0"/>
-              <a:t>Bazowy sterownik Ethernetu</a:t>
+              <a:t>Struktura </a:t>
+            </a:r>
+            <a:r>
+              <a:rPr lang="pl-PL" dirty="0" err="1" smtClean="0"/>
+              <a:t>pbuf</a:t>
             </a:r>
             <a:endParaRPr lang="pl-PL" dirty="0"/>
+          </a:p>
+        </p:txBody>
+      </p:sp>
+      <p:pic>
+        <p:nvPicPr>
+          <p:cNvPr id="6" name="Picture 2"/>
+          <p:cNvPicPr>
+            <a:picLocks noChangeAspect="1" noChangeArrowheads="1"/>
+          </p:cNvPicPr>
+          <p:nvPr/>
+        </p:nvPicPr>
+        <p:blipFill>
+          <a:blip r:embed="rId2"/>
+          <a:srcRect/>
+          <a:stretch>
+            <a:fillRect/>
+          </a:stretch>
+        </p:blipFill>
+        <p:spPr bwMode="auto">
+          <a:xfrm>
+            <a:off x="4000496" y="2428868"/>
+            <a:ext cx="4000528" cy="3493540"/>
+          </a:xfrm>
+          <a:prstGeom prst="rect">
+            <a:avLst/>
+          </a:prstGeom>
+          <a:noFill/>
+          <a:ln w="9525">
+            <a:noFill/>
+            <a:miter lim="800000"/>
+            <a:headEnd/>
+            <a:tailEnd/>
+          </a:ln>
+          <a:effectLst/>
+        </p:spPr>
+      </p:pic>
+      <p:sp>
+        <p:nvSpPr>
+          <p:cNvPr id="7" name="Prostokąt 6"/>
+          <p:cNvSpPr/>
+          <p:nvPr/>
+        </p:nvSpPr>
+        <p:spPr>
+          <a:xfrm>
+            <a:off x="142844" y="5500702"/>
+            <a:ext cx="4071934" cy="246221"/>
+          </a:xfrm>
+          <a:prstGeom prst="rect">
+            <a:avLst/>
+          </a:prstGeom>
+        </p:spPr>
+        <p:txBody>
+          <a:bodyPr wrap="square">
+            <a:spAutoFit/>
+          </a:bodyPr>
+          <a:lstStyle/>
+          <a:p>
+            <a:r>
+              <a:rPr lang="pl-PL" sz="1000" dirty="0" smtClean="0">
+                <a:hlinkClick r:id="rId3"/>
+              </a:rPr>
+              <a:t>https://www.artila.com/download/RIO/RIO-2010PG/lwip.pdf</a:t>
+            </a:r>
+            <a:r>
+              <a:rPr lang="pl-PL" sz="1000" dirty="0" smtClean="0"/>
+              <a:t> </a:t>
+            </a:r>
+            <a:endParaRPr lang="pl-PL" sz="1000" dirty="0"/>
           </a:p>
         </p:txBody>
       </p:sp>
@@ -9418,78 +9444,14 @@
         </p:nvSpPr>
         <p:spPr/>
         <p:txBody>
-          <a:bodyPr>
-            <a:normAutofit/>
-          </a:bodyPr>
+          <a:bodyPr/>
           <a:lstStyle/>
           <a:p>
             <a:r>
-              <a:rPr lang="pl-PL" sz="1200" dirty="0" smtClean="0"/>
-              <a:t>1. Mikrokontrolery STM32 w sieci Ethernet w przykładach - Marcin </a:t>
-            </a:r>
-            <a:r>
-              <a:rPr lang="pl-PL" sz="1200" dirty="0" err="1" smtClean="0"/>
-              <a:t>Peczarski</a:t>
-            </a:r>
-            <a:r>
-              <a:rPr lang="pl-PL" sz="1200" dirty="0" smtClean="0"/>
-              <a:t>, do zakupienia np. tutaj: </a:t>
-            </a:r>
-            <a:br>
-              <a:rPr lang="pl-PL" sz="1200" dirty="0" smtClean="0"/>
-            </a:br>
-            <a:r>
-              <a:rPr lang="pl-PL" sz="1200" dirty="0" smtClean="0">
-                <a:hlinkClick r:id="rId2"/>
-              </a:rPr>
-              <a:t>https://botland.com.pl/ksiazki-i-kursy/3411-mikrokontrolery-stm32-w-sieci-ethernet-w-przykladach-marcin-peczarski-9788360233689.html</a:t>
-            </a:r>
-            <a:r>
-              <a:rPr lang="pl-PL" sz="1200" dirty="0" smtClean="0"/>
-              <a:t> </a:t>
-            </a:r>
-          </a:p>
-          <a:p>
-            <a:pPr>
-              <a:buNone/>
-            </a:pPr>
-            <a:endParaRPr lang="pl-PL" sz="1200" dirty="0" smtClean="0"/>
-          </a:p>
-          <a:p>
-            <a:r>
-              <a:rPr lang="pl-PL" sz="1200" dirty="0" smtClean="0"/>
-              <a:t>2. Lokalne sieci komputerowe, Tomasz </a:t>
-            </a:r>
-            <a:r>
-              <a:rPr lang="pl-PL" sz="1200" dirty="0" err="1" smtClean="0"/>
-              <a:t>Fitzermann</a:t>
-            </a:r>
-            <a:r>
-              <a:rPr lang="pl-PL" sz="1200" dirty="0" smtClean="0"/>
-              <a:t> </a:t>
-            </a:r>
-            <a:br>
-              <a:rPr lang="pl-PL" sz="1200" dirty="0" smtClean="0"/>
-            </a:br>
-            <a:r>
-              <a:rPr lang="pl-PL" sz="1200" dirty="0" smtClean="0">
-                <a:hlinkClick r:id="rId3"/>
-              </a:rPr>
-              <a:t>http://www.sosw.poznan.pl/tfitzer/sieci/sieci.pdf</a:t>
-            </a:r>
-            <a:r>
-              <a:rPr lang="pl-PL" sz="1200" dirty="0" smtClean="0"/>
-              <a:t>  [dostęp 28.01.2023]</a:t>
-            </a:r>
-          </a:p>
-          <a:p>
-            <a:endParaRPr lang="pl-PL" sz="1200" dirty="0" smtClean="0"/>
-          </a:p>
-          <a:p>
-            <a:pPr>
-              <a:buNone/>
-            </a:pPr>
-            <a:endParaRPr lang="pl-PL" sz="1200" dirty="0"/>
+              <a:rPr lang="pl-PL" dirty="0" smtClean="0"/>
+              <a:t>Służy do opisania naszego interfejsu i jego parametrów wewnątrz biblioteki</a:t>
+            </a:r>
+            <a:endParaRPr lang="pl-PL" dirty="0"/>
           </a:p>
         </p:txBody>
       </p:sp>
@@ -9505,19 +9467,54 @@
         </p:nvSpPr>
         <p:spPr/>
         <p:txBody>
-          <a:bodyPr>
-            <a:normAutofit/>
-          </a:bodyPr>
+          <a:bodyPr/>
           <a:lstStyle/>
           <a:p>
             <a:r>
               <a:rPr lang="pl-PL" dirty="0" smtClean="0"/>
-              <a:t>Polecana literatura:		</a:t>
+              <a:t>Struktura </a:t>
+            </a:r>
+            <a:r>
+              <a:rPr lang="pl-PL" dirty="0" err="1" smtClean="0"/>
+              <a:t>netif</a:t>
             </a:r>
             <a:endParaRPr lang="pl-PL" dirty="0"/>
           </a:p>
         </p:txBody>
       </p:sp>
+      <p:pic>
+        <p:nvPicPr>
+          <p:cNvPr id="2051" name="Picture 3"/>
+          <p:cNvPicPr>
+            <a:picLocks noChangeAspect="1" noChangeArrowheads="1"/>
+          </p:cNvPicPr>
+          <p:nvPr/>
+        </p:nvPicPr>
+        <p:blipFill>
+          <a:blip r:embed="rId2"/>
+          <a:srcRect/>
+          <a:stretch>
+            <a:fillRect/>
+          </a:stretch>
+        </p:blipFill>
+        <p:spPr bwMode="auto">
+          <a:xfrm>
+            <a:off x="571472" y="3071810"/>
+            <a:ext cx="6683359" cy="2625648"/>
+          </a:xfrm>
+          <a:prstGeom prst="rect">
+            <a:avLst/>
+          </a:prstGeom>
+          <a:noFill/>
+          <a:ln w="9525">
+            <a:noFill/>
+            <a:miter lim="800000"/>
+            <a:headEnd/>
+            <a:tailEnd/>
+          </a:ln>
+          <a:effectLst/>
+        </p:spPr>
+      </p:pic>
     </p:spTree>
   </p:cSld>
   <p:clrMapOvr>
@@ -9555,29 +9552,80 @@
         </p:nvSpPr>
         <p:spPr>
           <a:xfrm>
-            <a:off x="457200" y="1481329"/>
-            <a:ext cx="8229600" cy="2590614"/>
+            <a:off x="428596" y="1500174"/>
+            <a:ext cx="8229600" cy="4525963"/>
           </a:xfrm>
         </p:spPr>
         <p:txBody>
-          <a:bodyPr/>
+          <a:bodyPr>
+            <a:normAutofit fontScale="92500" lnSpcReduction="20000"/>
+          </a:bodyPr>
           <a:lstStyle/>
           <a:p>
             <a:r>
               <a:rPr lang="pl-PL" dirty="0" smtClean="0"/>
-              <a:t>1. Poznajmy implementacje sterownika </a:t>
-            </a:r>
-          </a:p>
-          <a:p>
-            <a:r>
+              <a:t>Podczas implementacji będziemy bazować na sterowniku udostępnionym przez ST:</a:t>
+            </a:r>
+            <a:br>
               <a:rPr lang="pl-PL" dirty="0" smtClean="0"/>
-              <a:t>2. Z integrujmy bibliotekę LWiP </a:t>
-            </a:r>
-          </a:p>
-          <a:p>
+            </a:br>
             <a:r>
               <a:rPr lang="pl-PL" dirty="0" smtClean="0"/>
-              <a:t>3. Uruchommy prostą stronę internetową korzystając z biblioteki LWiP</a:t>
+              <a:t> </a:t>
+            </a:r>
+            <a:r>
+              <a:rPr lang="pl-PL" dirty="0" smtClean="0">
+                <a:hlinkClick r:id="rId2"/>
+              </a:rPr>
+              <a:t>https://www.st.com/en/embedded-software/stsw-stm32070.html#get-software</a:t>
+            </a:r>
+            <a:r>
+              <a:rPr lang="pl-PL" dirty="0" smtClean="0"/>
+              <a:t> </a:t>
+            </a:r>
+            <a:br>
+              <a:rPr lang="pl-PL" dirty="0" smtClean="0"/>
+            </a:br>
+            <a:r>
+              <a:rPr lang="pl-PL" dirty="0" smtClean="0"/>
+              <a:t/>
+            </a:r>
+            <a:br>
+              <a:rPr lang="pl-PL" dirty="0" smtClean="0"/>
+            </a:br>
+            <a:r>
+              <a:rPr lang="pl-PL" dirty="0" smtClean="0"/>
+              <a:t>Jest to nieco starsza implementacja udostępniona jeszcze przed powstaniem biblioteki „HAL” </a:t>
+            </a:r>
+            <a:br>
+              <a:rPr lang="pl-PL" dirty="0" smtClean="0"/>
+            </a:br>
+            <a:r>
+              <a:rPr lang="pl-PL" dirty="0" smtClean="0"/>
+              <a:t/>
+            </a:r>
+            <a:br>
+              <a:rPr lang="pl-PL" dirty="0" smtClean="0"/>
+            </a:br>
+            <a:r>
+              <a:rPr lang="pl-PL" dirty="0" smtClean="0"/>
+              <a:t>Podobnie też w przypadku USB – uogólniając jak chcemy zrobić implementacje jakiegoś swojego sterownika, lub go dobrze poznać polecam się wzorować na tych starszych implementacjach od ST - biblioteki „SPL- Serial </a:t>
+            </a:r>
+            <a:r>
+              <a:rPr lang="pl-PL" dirty="0" err="1" smtClean="0"/>
+              <a:t>Peripherial</a:t>
+            </a:r>
+            <a:r>
+              <a:rPr lang="pl-PL" dirty="0" smtClean="0"/>
+              <a:t> </a:t>
+            </a:r>
+            <a:r>
+              <a:rPr lang="pl-PL" dirty="0" err="1" smtClean="0"/>
+              <a:t>Library</a:t>
+            </a:r>
+            <a:r>
+              <a:rPr lang="pl-PL" dirty="0" smtClean="0"/>
+              <a:t>”</a:t>
             </a:r>
             <a:endParaRPr lang="pl-PL" dirty="0"/>
           </a:p>
@@ -9600,7 +9648,372 @@
           <a:p>
             <a:r>
               <a:rPr lang="pl-PL" dirty="0" smtClean="0"/>
+              <a:t>Bazowy sterownik Ethernetu</a:t>
+            </a:r>
+            <a:endParaRPr lang="pl-PL" dirty="0"/>
+          </a:p>
+        </p:txBody>
+      </p:sp>
+    </p:spTree>
+  </p:cSld>
+  <p:clrMapOvr>
+    <a:masterClrMapping/>
+  </p:clrMapOvr>
+</p:sld>
+</file>
+
+<file path=ppt/slides/slide25.xml><?xml version="1.0" encoding="utf-8"?>
+<p:sld xmlns:a="http://schemas.openxmlformats.org/drawingml/2006/main" xmlns:r="http://schemas.openxmlformats.org/officeDocument/2006/relationships" xmlns:p="http://schemas.openxmlformats.org/presentationml/2006/main">
+  <p:cSld>
+    <p:spTree>
+      <p:nvGrpSpPr>
+        <p:cNvPr id="1" name=""/>
+        <p:cNvGrpSpPr/>
+        <p:nvPr/>
+      </p:nvGrpSpPr>
+      <p:grpSpPr>
+        <a:xfrm>
+          <a:off x="0" y="0"/>
+          <a:ext cx="0" cy="0"/>
+          <a:chOff x="0" y="0"/>
+          <a:chExt cx="0" cy="0"/>
+        </a:xfrm>
+      </p:grpSpPr>
+      <p:sp>
+        <p:nvSpPr>
+          <p:cNvPr id="2" name="Symbol zastępczy zawartości 1"/>
+          <p:cNvSpPr>
+            <a:spLocks noGrp="1"/>
+          </p:cNvSpPr>
+          <p:nvPr>
+            <p:ph idx="1"/>
+          </p:nvPr>
+        </p:nvSpPr>
+        <p:spPr>
+          <a:xfrm>
+            <a:off x="457200" y="1481329"/>
+            <a:ext cx="8229600" cy="2590614"/>
+          </a:xfrm>
+        </p:spPr>
+        <p:txBody>
+          <a:bodyPr/>
+          <a:lstStyle/>
+          <a:p>
+            <a:r>
+              <a:rPr lang="pl-PL" dirty="0" smtClean="0"/>
+              <a:t>1. Poznajmy implementacje sterownika </a:t>
+            </a:r>
+          </a:p>
+          <a:p>
+            <a:r>
+              <a:rPr lang="pl-PL" dirty="0" smtClean="0"/>
+              <a:t>2. Z integrujmy bibliotekę LWiP </a:t>
+            </a:r>
+          </a:p>
+          <a:p>
+            <a:r>
+              <a:rPr lang="pl-PL" dirty="0" smtClean="0"/>
+              <a:t>3. Uruchommy prostą stronę internetową korzystając z biblioteki LWiP</a:t>
+            </a:r>
+            <a:endParaRPr lang="pl-PL" dirty="0"/>
+          </a:p>
+        </p:txBody>
+      </p:sp>
+      <p:sp>
+        <p:nvSpPr>
+          <p:cNvPr id="3" name="Tytuł 2"/>
+          <p:cNvSpPr>
+            <a:spLocks noGrp="1"/>
+          </p:cNvSpPr>
+          <p:nvPr>
+            <p:ph type="title"/>
+          </p:nvPr>
+        </p:nvSpPr>
+        <p:spPr/>
+        <p:txBody>
+          <a:bodyPr/>
+          <a:lstStyle/>
+          <a:p>
+            <a:r>
+              <a:rPr lang="pl-PL" dirty="0" smtClean="0"/>
               <a:t>Do Kodu!</a:t>
+            </a:r>
+            <a:endParaRPr lang="pl-PL" dirty="0"/>
+          </a:p>
+        </p:txBody>
+      </p:sp>
+    </p:spTree>
+  </p:cSld>
+  <p:clrMapOvr>
+    <a:masterClrMapping/>
+  </p:clrMapOvr>
+</p:sld>
+</file>
+
+<file path=ppt/slides/slide26.xml><?xml version="1.0" encoding="utf-8"?>
+<p:sld xmlns:a="http://schemas.openxmlformats.org/drawingml/2006/main" xmlns:r="http://schemas.openxmlformats.org/officeDocument/2006/relationships" xmlns:p="http://schemas.openxmlformats.org/presentationml/2006/main">
+  <p:cSld>
+    <p:spTree>
+      <p:nvGrpSpPr>
+        <p:cNvPr id="1" name=""/>
+        <p:cNvGrpSpPr/>
+        <p:nvPr/>
+      </p:nvGrpSpPr>
+      <p:grpSpPr>
+        <a:xfrm>
+          <a:off x="0" y="0"/>
+          <a:ext cx="0" cy="0"/>
+          <a:chOff x="0" y="0"/>
+          <a:chExt cx="0" cy="0"/>
+        </a:xfrm>
+      </p:grpSpPr>
+      <p:sp>
+        <p:nvSpPr>
+          <p:cNvPr id="2" name="Symbol zastępczy zawartości 1"/>
+          <p:cNvSpPr>
+            <a:spLocks noGrp="1"/>
+          </p:cNvSpPr>
+          <p:nvPr>
+            <p:ph idx="1"/>
+          </p:nvPr>
+        </p:nvSpPr>
+        <p:spPr/>
+        <p:txBody>
+          <a:bodyPr>
+            <a:normAutofit fontScale="92500" lnSpcReduction="10000"/>
+          </a:bodyPr>
+          <a:lstStyle/>
+          <a:p>
+            <a:pPr>
+              <a:buNone/>
+            </a:pPr>
+            <a:r>
+              <a:rPr lang="pl-PL" dirty="0" smtClean="0"/>
+              <a:t>W trakcie tego video:</a:t>
+            </a:r>
+          </a:p>
+          <a:p>
+            <a:r>
+              <a:rPr lang="pl-PL" dirty="0" smtClean="0"/>
+              <a:t>Zapoznano się z podstawami </a:t>
+            </a:r>
+            <a:r>
+              <a:rPr lang="pl-PL" dirty="0" err="1" smtClean="0"/>
+              <a:t>internetu</a:t>
+            </a:r>
+            <a:endParaRPr lang="pl-PL" dirty="0" smtClean="0"/>
+          </a:p>
+          <a:p>
+            <a:r>
+              <a:rPr lang="pl-PL" dirty="0" smtClean="0"/>
+              <a:t>Poznano wybrane </a:t>
+            </a:r>
+            <a:r>
+              <a:rPr lang="pl-PL" dirty="0" err="1" smtClean="0"/>
+              <a:t>framenty</a:t>
+            </a:r>
+            <a:r>
+              <a:rPr lang="pl-PL" dirty="0" smtClean="0"/>
+              <a:t> </a:t>
+            </a:r>
+            <a:r>
+              <a:rPr lang="pl-PL" dirty="0" err="1" smtClean="0"/>
+              <a:t>bibliteki</a:t>
+            </a:r>
+            <a:r>
+              <a:rPr lang="pl-PL" dirty="0" smtClean="0"/>
+              <a:t> LWiP</a:t>
+            </a:r>
+          </a:p>
+          <a:p>
+            <a:r>
+              <a:rPr lang="pl-PL" dirty="0" smtClean="0"/>
+              <a:t>Przeanalizowano i zaimplementowano  sterownik Ethernetu dla płyty Nucleo-STM32F767. Bazując na przykładzie SPL od ST dla płyt z serii F4</a:t>
+            </a:r>
+          </a:p>
+          <a:p>
+            <a:r>
+              <a:rPr lang="pl-PL" dirty="0" smtClean="0"/>
+              <a:t>Przybliżono rozdział w dokumentacji mikrokontrolera STM32F767 dotyczący </a:t>
+            </a:r>
+            <a:r>
+              <a:rPr lang="pl-PL" dirty="0" err="1" smtClean="0"/>
+              <a:t>ethernetu</a:t>
+            </a:r>
+            <a:endParaRPr lang="pl-PL" dirty="0" smtClean="0"/>
+          </a:p>
+          <a:p>
+            <a:r>
+              <a:rPr lang="pl-PL" dirty="0" smtClean="0"/>
+              <a:t>Uruchomiono prostą stronę internetową z możliwością sterowania diodami oraz sprawdzenia ich stanu</a:t>
+            </a:r>
+          </a:p>
+          <a:p>
+            <a:endParaRPr lang="pl-PL" dirty="0" smtClean="0"/>
+          </a:p>
+          <a:p>
+            <a:pPr>
+              <a:buNone/>
+            </a:pPr>
+            <a:endParaRPr lang="pl-PL" dirty="0"/>
+          </a:p>
+        </p:txBody>
+      </p:sp>
+      <p:sp>
+        <p:nvSpPr>
+          <p:cNvPr id="3" name="Tytuł 2"/>
+          <p:cNvSpPr>
+            <a:spLocks noGrp="1"/>
+          </p:cNvSpPr>
+          <p:nvPr>
+            <p:ph type="title"/>
+          </p:nvPr>
+        </p:nvSpPr>
+        <p:spPr/>
+        <p:txBody>
+          <a:bodyPr/>
+          <a:lstStyle/>
+          <a:p>
+            <a:r>
+              <a:rPr lang="pl-PL" dirty="0" smtClean="0"/>
+              <a:t>Podsumowanie	</a:t>
+            </a:r>
+            <a:endParaRPr lang="pl-PL" dirty="0"/>
+          </a:p>
+        </p:txBody>
+      </p:sp>
+    </p:spTree>
+  </p:cSld>
+  <p:clrMapOvr>
+    <a:masterClrMapping/>
+  </p:clrMapOvr>
+</p:sld>
+</file>
+
+<file path=ppt/slides/slide27.xml><?xml version="1.0" encoding="utf-8"?>
+<p:sld xmlns:a="http://schemas.openxmlformats.org/drawingml/2006/main" xmlns:r="http://schemas.openxmlformats.org/officeDocument/2006/relationships" xmlns:p="http://schemas.openxmlformats.org/presentationml/2006/main">
+  <p:cSld>
+    <p:spTree>
+      <p:nvGrpSpPr>
+        <p:cNvPr id="1" name=""/>
+        <p:cNvGrpSpPr/>
+        <p:nvPr/>
+      </p:nvGrpSpPr>
+      <p:grpSpPr>
+        <a:xfrm>
+          <a:off x="0" y="0"/>
+          <a:ext cx="0" cy="0"/>
+          <a:chOff x="0" y="0"/>
+          <a:chExt cx="0" cy="0"/>
+        </a:xfrm>
+      </p:grpSpPr>
+      <p:sp>
+        <p:nvSpPr>
+          <p:cNvPr id="2" name="Symbol zastępczy zawartości 1"/>
+          <p:cNvSpPr>
+            <a:spLocks noGrp="1"/>
+          </p:cNvSpPr>
+          <p:nvPr>
+            <p:ph idx="1"/>
+          </p:nvPr>
+        </p:nvSpPr>
+        <p:spPr/>
+        <p:txBody>
+          <a:bodyPr>
+            <a:normAutofit/>
+          </a:bodyPr>
+          <a:lstStyle/>
+          <a:p>
+            <a:r>
+              <a:rPr lang="pl-PL" sz="1200" dirty="0" smtClean="0"/>
+              <a:t>1. Mikrokontrolery STM32 w sieci Ethernet w przykładach - Marcin </a:t>
+            </a:r>
+            <a:r>
+              <a:rPr lang="pl-PL" sz="1200" dirty="0" err="1" smtClean="0"/>
+              <a:t>Peczarski</a:t>
+            </a:r>
+            <a:r>
+              <a:rPr lang="pl-PL" sz="1200" dirty="0" smtClean="0"/>
+              <a:t>, do zakupienia np. tutaj: </a:t>
+            </a:r>
+            <a:br>
+              <a:rPr lang="pl-PL" sz="1200" dirty="0" smtClean="0"/>
+            </a:br>
+            <a:r>
+              <a:rPr lang="pl-PL" sz="1200" dirty="0" smtClean="0">
+                <a:hlinkClick r:id="rId2"/>
+              </a:rPr>
+              <a:t>https://botland.com.pl/ksiazki-i-kursy/3411-mikrokontrolery-stm32-w-sieci-ethernet-w-przykladach-marcin-peczarski-9788360233689.html</a:t>
+            </a:r>
+            <a:r>
+              <a:rPr lang="pl-PL" sz="1200" dirty="0" smtClean="0"/>
+              <a:t> </a:t>
+            </a:r>
+          </a:p>
+          <a:p>
+            <a:pPr>
+              <a:buNone/>
+            </a:pPr>
+            <a:endParaRPr lang="pl-PL" sz="1200" dirty="0" smtClean="0"/>
+          </a:p>
+          <a:p>
+            <a:r>
+              <a:rPr lang="pl-PL" sz="1200" dirty="0" smtClean="0"/>
+              <a:t>2. Lokalne sieci komputerowe, Tomasz </a:t>
+            </a:r>
+            <a:r>
+              <a:rPr lang="pl-PL" sz="1200" dirty="0" err="1" smtClean="0"/>
+              <a:t>Fitzermann</a:t>
+            </a:r>
+            <a:r>
+              <a:rPr lang="pl-PL" sz="1200" dirty="0" smtClean="0"/>
+              <a:t> </a:t>
+            </a:r>
+            <a:br>
+              <a:rPr lang="pl-PL" sz="1200" dirty="0" smtClean="0"/>
+            </a:br>
+            <a:r>
+              <a:rPr lang="pl-PL" sz="1200" dirty="0" smtClean="0">
+                <a:hlinkClick r:id="rId3"/>
+              </a:rPr>
+              <a:t>http://www.sosw.poznan.pl/tfitzer/sieci/sieci.pdf</a:t>
+            </a:r>
+            <a:r>
+              <a:rPr lang="pl-PL" sz="1200" dirty="0" smtClean="0"/>
+              <a:t>  [dostęp 28.01.2023]</a:t>
+            </a:r>
+          </a:p>
+          <a:p>
+            <a:endParaRPr lang="pl-PL" sz="1200" dirty="0" smtClean="0"/>
+          </a:p>
+          <a:p>
+            <a:pPr>
+              <a:buNone/>
+            </a:pPr>
+            <a:endParaRPr lang="pl-PL" sz="1200" dirty="0"/>
+          </a:p>
+        </p:txBody>
+      </p:sp>
+      <p:sp>
+        <p:nvSpPr>
+          <p:cNvPr id="3" name="Tytuł 2"/>
+          <p:cNvSpPr>
+            <a:spLocks noGrp="1"/>
+          </p:cNvSpPr>
+          <p:nvPr>
+            <p:ph type="title"/>
+          </p:nvPr>
+        </p:nvSpPr>
+        <p:spPr/>
+        <p:txBody>
+          <a:bodyPr>
+            <a:normAutofit/>
+          </a:bodyPr>
+          <a:lstStyle/>
+          <a:p>
+            <a:r>
+              <a:rPr lang="pl-PL" dirty="0" smtClean="0"/>
+              <a:t>Polecana literatura:		</a:t>
             </a:r>
             <a:endParaRPr lang="pl-PL" dirty="0"/>
           </a:p>
@@ -11863,23 +12276,7 @@
           <a:p>
             <a:r>
               <a:rPr lang="pl-PL" dirty="0" smtClean="0"/>
-              <a:t>Założenie: </a:t>
-            </a:r>
-            <a:r>
-              <a:rPr lang="pl-PL" dirty="0" smtClean="0"/>
-              <a:t>PC1</a:t>
-            </a:r>
-            <a:r>
-              <a:rPr lang="pl-PL" dirty="0" smtClean="0"/>
-              <a:t> </a:t>
-            </a:r>
-            <a:r>
-              <a:rPr lang="pl-PL" dirty="0" smtClean="0"/>
-              <a:t>wysyła dane do </a:t>
-            </a:r>
-            <a:r>
-              <a:rPr lang="pl-PL" dirty="0" smtClean="0"/>
-              <a:t>Drukarki</a:t>
+              <a:t>Założenie: PC1 wysyła dane do Drukarki</a:t>
             </a:r>
             <a:endParaRPr lang="pl-PL" dirty="0"/>
           </a:p>
